--- a/data/Template.pptx
+++ b/data/Template.pptx
@@ -1,28 +1,28 @@
 
 <file path=ppt/presentation.xml><?xml version="1.0" encoding="utf-8"?>
-<p:presentation xmlns:a="http://schemas.openxmlformats.org/drawingml/2006/main" xmlns:r="http://schemas.openxmlformats.org/officeDocument/2006/relationships" xmlns:mc="http://schemas.openxmlformats.org/markup-compatibility/2006" xmlns:mv="urn:schemas-microsoft-com:mac:vml" xmlns:p="http://schemas.openxmlformats.org/presentationml/2006/main" xmlns:c="http://schemas.openxmlformats.org/drawingml/2006/chart" xmlns:dgm="http://schemas.openxmlformats.org/drawingml/2006/diagram" xmlns:o="urn:schemas-microsoft-com:office:office" xmlns:v="urn:schemas-microsoft-com:vml" xmlns:pvml="urn:schemas-microsoft-com:office:powerpoint" xmlns:com="http://schemas.openxmlformats.org/drawingml/2006/compatibility" xmlns:p14="http://schemas.microsoft.com/office/powerpoint/2010/main" xmlns:p15="http://schemas.microsoft.com/office/powerpoint/2012/main" autoCompressPictures="0" embedTrueTypeFonts="1" strictFirstAndLastChars="0" saveSubsetFonts="1">
+<p:presentation xmlns:a="http://schemas.openxmlformats.org/drawingml/2006/main" xmlns:r="http://schemas.openxmlformats.org/officeDocument/2006/relationships" xmlns:p="http://schemas.openxmlformats.org/presentationml/2006/main" strictFirstAndLastChars="0" embedTrueTypeFonts="1" saveSubsetFonts="1" autoCompressPictures="0">
   <p:sldMasterIdLst>
-    <p:sldMasterId id="2147483648" r:id="rId4"/>
+    <p:sldMasterId id="2147483648" r:id="rId1"/>
   </p:sldMasterIdLst>
   <p:notesMasterIdLst>
-    <p:notesMasterId r:id="rId5"/>
+    <p:notesMasterId r:id="rId3"/>
   </p:notesMasterIdLst>
   <p:sldIdLst>
-    <p:sldId id="256" r:id="rId6"/>
+    <p:sldId id="256" r:id="rId2"/>
   </p:sldIdLst>
-  <p:sldSz cy="10287000" cx="18288000"/>
+  <p:sldSz cx="18288000" cy="10287000"/>
   <p:notesSz cx="6858000" cy="9144000"/>
   <p:embeddedFontLst>
     <p:embeddedFont>
-      <p:font typeface="Helvetica Neue"/>
-      <p:regular r:id="rId7"/>
-      <p:bold r:id="rId8"/>
-      <p:italic r:id="rId9"/>
-      <p:boldItalic r:id="rId10"/>
+      <p:font typeface="Helvetica Neue" panose="020B0600000101010101" charset="0"/>
+      <p:regular r:id="rId4"/>
+      <p:bold r:id="rId5"/>
+      <p:italic r:id="rId6"/>
+      <p:boldItalic r:id="rId7"/>
     </p:embeddedFont>
   </p:embeddedFontLst>
   <p:defaultTextStyle>
-    <a:defPPr lvl="0" marR="0" rtl="0" algn="l">
+    <a:defPPr marR="0" lvl="0" algn="l" rtl="0">
       <a:lnSpc>
         <a:spcPct val="100000"/>
       </a:lnSpc>
@@ -33,7 +33,7 @@
         <a:spcPts val="0"/>
       </a:spcAft>
     </a:defPPr>
-    <a:lvl1pPr lvl="0" marR="0" rtl="0" algn="l">
+    <a:lvl1pPr marR="0" lvl="0" algn="l" rtl="0">
       <a:lnSpc>
         <a:spcPct val="100000"/>
       </a:lnSpc>
@@ -47,7 +47,7 @@
         <a:srgbClr val="000000"/>
       </a:buClr>
       <a:buFont typeface="Arial"/>
-      <a:defRPr b="0" i="0" sz="1400" u="none" cap="none" strike="noStrike">
+      <a:defRPr sz="1400" b="0" i="0" u="none" strike="noStrike" cap="none">
         <a:solidFill>
           <a:srgbClr val="000000"/>
         </a:solidFill>
@@ -57,7 +57,7 @@
         <a:sym typeface="Arial"/>
       </a:defRPr>
     </a:lvl1pPr>
-    <a:lvl2pPr lvl="1" marR="0" rtl="0" algn="l">
+    <a:lvl2pPr marR="0" lvl="1" algn="l" rtl="0">
       <a:lnSpc>
         <a:spcPct val="100000"/>
       </a:lnSpc>
@@ -71,7 +71,7 @@
         <a:srgbClr val="000000"/>
       </a:buClr>
       <a:buFont typeface="Arial"/>
-      <a:defRPr b="0" i="0" sz="1400" u="none" cap="none" strike="noStrike">
+      <a:defRPr sz="1400" b="0" i="0" u="none" strike="noStrike" cap="none">
         <a:solidFill>
           <a:srgbClr val="000000"/>
         </a:solidFill>
@@ -81,7 +81,7 @@
         <a:sym typeface="Arial"/>
       </a:defRPr>
     </a:lvl2pPr>
-    <a:lvl3pPr lvl="2" marR="0" rtl="0" algn="l">
+    <a:lvl3pPr marR="0" lvl="2" algn="l" rtl="0">
       <a:lnSpc>
         <a:spcPct val="100000"/>
       </a:lnSpc>
@@ -95,7 +95,7 @@
         <a:srgbClr val="000000"/>
       </a:buClr>
       <a:buFont typeface="Arial"/>
-      <a:defRPr b="0" i="0" sz="1400" u="none" cap="none" strike="noStrike">
+      <a:defRPr sz="1400" b="0" i="0" u="none" strike="noStrike" cap="none">
         <a:solidFill>
           <a:srgbClr val="000000"/>
         </a:solidFill>
@@ -105,7 +105,7 @@
         <a:sym typeface="Arial"/>
       </a:defRPr>
     </a:lvl3pPr>
-    <a:lvl4pPr lvl="3" marR="0" rtl="0" algn="l">
+    <a:lvl4pPr marR="0" lvl="3" algn="l" rtl="0">
       <a:lnSpc>
         <a:spcPct val="100000"/>
       </a:lnSpc>
@@ -119,7 +119,7 @@
         <a:srgbClr val="000000"/>
       </a:buClr>
       <a:buFont typeface="Arial"/>
-      <a:defRPr b="0" i="0" sz="1400" u="none" cap="none" strike="noStrike">
+      <a:defRPr sz="1400" b="0" i="0" u="none" strike="noStrike" cap="none">
         <a:solidFill>
           <a:srgbClr val="000000"/>
         </a:solidFill>
@@ -129,7 +129,7 @@
         <a:sym typeface="Arial"/>
       </a:defRPr>
     </a:lvl4pPr>
-    <a:lvl5pPr lvl="4" marR="0" rtl="0" algn="l">
+    <a:lvl5pPr marR="0" lvl="4" algn="l" rtl="0">
       <a:lnSpc>
         <a:spcPct val="100000"/>
       </a:lnSpc>
@@ -143,7 +143,7 @@
         <a:srgbClr val="000000"/>
       </a:buClr>
       <a:buFont typeface="Arial"/>
-      <a:defRPr b="0" i="0" sz="1400" u="none" cap="none" strike="noStrike">
+      <a:defRPr sz="1400" b="0" i="0" u="none" strike="noStrike" cap="none">
         <a:solidFill>
           <a:srgbClr val="000000"/>
         </a:solidFill>
@@ -153,7 +153,7 @@
         <a:sym typeface="Arial"/>
       </a:defRPr>
     </a:lvl5pPr>
-    <a:lvl6pPr lvl="5" marR="0" rtl="0" algn="l">
+    <a:lvl6pPr marR="0" lvl="5" algn="l" rtl="0">
       <a:lnSpc>
         <a:spcPct val="100000"/>
       </a:lnSpc>
@@ -167,7 +167,7 @@
         <a:srgbClr val="000000"/>
       </a:buClr>
       <a:buFont typeface="Arial"/>
-      <a:defRPr b="0" i="0" sz="1400" u="none" cap="none" strike="noStrike">
+      <a:defRPr sz="1400" b="0" i="0" u="none" strike="noStrike" cap="none">
         <a:solidFill>
           <a:srgbClr val="000000"/>
         </a:solidFill>
@@ -177,7 +177,7 @@
         <a:sym typeface="Arial"/>
       </a:defRPr>
     </a:lvl6pPr>
-    <a:lvl7pPr lvl="6" marR="0" rtl="0" algn="l">
+    <a:lvl7pPr marR="0" lvl="6" algn="l" rtl="0">
       <a:lnSpc>
         <a:spcPct val="100000"/>
       </a:lnSpc>
@@ -191,7 +191,7 @@
         <a:srgbClr val="000000"/>
       </a:buClr>
       <a:buFont typeface="Arial"/>
-      <a:defRPr b="0" i="0" sz="1400" u="none" cap="none" strike="noStrike">
+      <a:defRPr sz="1400" b="0" i="0" u="none" strike="noStrike" cap="none">
         <a:solidFill>
           <a:srgbClr val="000000"/>
         </a:solidFill>
@@ -201,7 +201,7 @@
         <a:sym typeface="Arial"/>
       </a:defRPr>
     </a:lvl7pPr>
-    <a:lvl8pPr lvl="7" marR="0" rtl="0" algn="l">
+    <a:lvl8pPr marR="0" lvl="7" algn="l" rtl="0">
       <a:lnSpc>
         <a:spcPct val="100000"/>
       </a:lnSpc>
@@ -215,7 +215,7 @@
         <a:srgbClr val="000000"/>
       </a:buClr>
       <a:buFont typeface="Arial"/>
-      <a:defRPr b="0" i="0" sz="1400" u="none" cap="none" strike="noStrike">
+      <a:defRPr sz="1400" b="0" i="0" u="none" strike="noStrike" cap="none">
         <a:solidFill>
           <a:srgbClr val="000000"/>
         </a:solidFill>
@@ -225,7 +225,7 @@
         <a:sym typeface="Arial"/>
       </a:defRPr>
     </a:lvl8pPr>
-    <a:lvl9pPr lvl="8" marR="0" rtl="0" algn="l">
+    <a:lvl9pPr marR="0" lvl="8" algn="l" rtl="0">
       <a:lnSpc>
         <a:spcPct val="100000"/>
       </a:lnSpc>
@@ -239,7 +239,7 @@
         <a:srgbClr val="000000"/>
       </a:buClr>
       <a:buFont typeface="Arial"/>
-      <a:defRPr b="0" i="0" sz="1400" u="none" cap="none" strike="noStrike">
+      <a:defRPr sz="1400" b="0" i="0" u="none" strike="noStrike" cap="none">
         <a:solidFill>
           <a:srgbClr val="000000"/>
         </a:solidFill>
@@ -252,7 +252,7 @@
   </p:defaultTextStyle>
   <p:extLst>
     <p:ext uri="{EFAFB233-063F-42B5-8137-9DF3F51BA10A}">
-      <p15:sldGuideLst>
+      <p15:sldGuideLst xmlns:p15="http://schemas.microsoft.com/office/powerpoint/2012/main">
         <p15:guide id="1" orient="horz" pos="3240">
           <p15:clr>
             <a:srgbClr val="A4A3A4"/>
@@ -266,25 +266,26 @@
       </p15:sldGuideLst>
     </p:ext>
     <p:ext uri="http://customooxmlschemas.google.com/">
-      <go:slidesCustomData xmlns:go="http://customooxmlschemas.google.com/" r:id="rId11" roundtripDataSignature="AMtx7mhWX0oYtBEBH5YDmZkXbuL9jo0UBg=="/>
+      <go:slidesCustomData xmlns="" xmlns:mc="http://schemas.openxmlformats.org/markup-compatibility/2006" xmlns:mv="urn:schemas-microsoft-com:mac:vml" xmlns:c="http://schemas.openxmlformats.org/drawingml/2006/chart" xmlns:dgm="http://schemas.openxmlformats.org/drawingml/2006/diagram" xmlns:o="urn:schemas-microsoft-com:office:office" xmlns:v="urn:schemas-microsoft-com:vml" xmlns:pvml="urn:schemas-microsoft-com:office:powerpoint" xmlns:com="http://schemas.openxmlformats.org/drawingml/2006/compatibility" xmlns:p14="http://schemas.microsoft.com/office/powerpoint/2010/main" xmlns:p15="http://schemas.microsoft.com/office/powerpoint/2012/main" xmlns:go="http://customooxmlschemas.google.com/" r:id="rId11" roundtripDataSignature="AMtx7mhWX0oYtBEBH5YDmZkXbuL9jo0UBg=="/>
     </p:ext>
   </p:extLst>
 </p:presentation>
 </file>
 
 <file path=ppt/notesMasters/notesMaster1.xml><?xml version="1.0" encoding="utf-8"?>
-<p:notesMaster xmlns:a="http://schemas.openxmlformats.org/drawingml/2006/main" xmlns:r="http://schemas.openxmlformats.org/officeDocument/2006/relationships" xmlns:mc="http://schemas.openxmlformats.org/markup-compatibility/2006" xmlns:mv="urn:schemas-microsoft-com:mac:vml" xmlns:p="http://schemas.openxmlformats.org/presentationml/2006/main" xmlns:c="http://schemas.openxmlformats.org/drawingml/2006/chart" xmlns:dgm="http://schemas.openxmlformats.org/drawingml/2006/diagram" xmlns:o="urn:schemas-microsoft-com:office:office" xmlns:v="urn:schemas-microsoft-com:vml" xmlns:pvml="urn:schemas-microsoft-com:office:powerpoint" xmlns:com="http://schemas.openxmlformats.org/drawingml/2006/compatibility" xmlns:p14="http://schemas.microsoft.com/office/powerpoint/2010/main" xmlns:p15="http://schemas.microsoft.com/office/powerpoint/2012/main">
+<p:notesMaster xmlns:a="http://schemas.openxmlformats.org/drawingml/2006/main" xmlns:r="http://schemas.openxmlformats.org/officeDocument/2006/relationships" xmlns:p="http://schemas.openxmlformats.org/presentationml/2006/main">
   <p:cSld>
     <p:bg>
       <p:bgPr>
         <a:solidFill>
           <a:schemeClr val="lt1"/>
         </a:solidFill>
+        <a:effectLst/>
       </p:bgPr>
     </p:bg>
     <p:spTree>
       <p:nvGrpSpPr>
-        <p:cNvPr id="2" name="Shape 2"/>
+        <p:cNvPr id="1" name="Shape 2"/>
         <p:cNvGrpSpPr/>
         <p:nvPr/>
       </p:nvGrpSpPr>
@@ -299,9 +300,11 @@
       <p:sp>
         <p:nvSpPr>
           <p:cNvPr id="3" name="Google Shape;3;n"/>
-          <p:cNvSpPr/>
+          <p:cNvSpPr>
+            <a:spLocks noGrp="1" noRot="1" noChangeAspect="1"/>
+          </p:cNvSpPr>
           <p:nvPr>
-            <p:ph idx="2" type="sldImg"/>
+            <p:ph type="sldImg" idx="2"/>
           </p:nvPr>
         </p:nvSpPr>
         <p:spPr>
@@ -310,9 +313,13 @@
             <a:ext cx="6095700" cy="3429000"/>
           </a:xfrm>
           <a:custGeom>
-            <a:rect b="b" l="l" r="r" t="t"/>
+            <a:avLst/>
+            <a:gdLst/>
+            <a:ahLst/>
+            <a:cxnLst/>
+            <a:rect l="l" t="t" r="r" b="b"/>
             <a:pathLst>
-              <a:path extrusionOk="0" h="120000" w="120000">
+              <a:path w="120000" h="120000" extrusionOk="0">
                 <a:moveTo>
                   <a:pt x="0" y="0"/>
                 </a:moveTo>
@@ -330,23 +337,25 @@
             </a:pathLst>
           </a:custGeom>
           <a:noFill/>
-          <a:ln cap="flat" cmpd="sng" w="9525">
+          <a:ln w="9525" cap="flat" cmpd="sng">
             <a:solidFill>
               <a:srgbClr val="000000"/>
             </a:solidFill>
             <a:prstDash val="solid"/>
             <a:round/>
-            <a:headEnd len="sm" w="sm" type="none"/>
-            <a:tailEnd len="sm" w="sm" type="none"/>
+            <a:headEnd type="none" w="sm" len="sm"/>
+            <a:tailEnd type="none" w="sm" len="sm"/>
           </a:ln>
         </p:spPr>
       </p:sp>
       <p:sp>
         <p:nvSpPr>
           <p:cNvPr id="4" name="Google Shape;4;n"/>
-          <p:cNvSpPr txBox="1"/>
+          <p:cNvSpPr txBox="1">
+            <a:spLocks noGrp="1"/>
+          </p:cNvSpPr>
           <p:nvPr>
-            <p:ph idx="1" type="body"/>
+            <p:ph type="body" idx="1"/>
           </p:nvPr>
         </p:nvSpPr>
         <p:spPr>
@@ -363,11 +372,11 @@
           </a:ln>
         </p:spPr>
         <p:txBody>
-          <a:bodyPr anchorCtr="0" anchor="t" bIns="91425" lIns="91425" spcFirstLastPara="1" rIns="91425" wrap="square" tIns="91425">
+          <a:bodyPr spcFirstLastPara="1" wrap="square" lIns="91425" tIns="91425" rIns="91425" bIns="91425" anchor="t" anchorCtr="0">
             <a:noAutofit/>
           </a:bodyPr>
           <a:lstStyle>
-            <a:lvl1pPr indent="-298450" lvl="0" marL="457200" marR="0" rtl="0" algn="l">
+            <a:lvl1pPr marL="457200" marR="0" lvl="0" indent="-298450" algn="l" rtl="0">
               <a:lnSpc>
                 <a:spcPct val="100000"/>
               </a:lnSpc>
@@ -383,7 +392,7 @@
               <a:buSzPts val="1100"/>
               <a:buFont typeface="Arial"/>
               <a:buChar char="●"/>
-              <a:defRPr b="0" i="0" sz="1100" u="none" cap="none" strike="noStrike">
+              <a:defRPr sz="1100" b="0" i="0" u="none" strike="noStrike" cap="none">
                 <a:solidFill>
                   <a:srgbClr val="000000"/>
                 </a:solidFill>
@@ -393,7 +402,7 @@
                 <a:sym typeface="Arial"/>
               </a:defRPr>
             </a:lvl1pPr>
-            <a:lvl2pPr indent="-298450" lvl="1" marL="914400" marR="0" rtl="0" algn="l">
+            <a:lvl2pPr marL="914400" marR="0" lvl="1" indent="-298450" algn="l" rtl="0">
               <a:lnSpc>
                 <a:spcPct val="100000"/>
               </a:lnSpc>
@@ -409,7 +418,7 @@
               <a:buSzPts val="1100"/>
               <a:buFont typeface="Arial"/>
               <a:buChar char="○"/>
-              <a:defRPr b="0" i="0" sz="1100" u="none" cap="none" strike="noStrike">
+              <a:defRPr sz="1100" b="0" i="0" u="none" strike="noStrike" cap="none">
                 <a:solidFill>
                   <a:srgbClr val="000000"/>
                 </a:solidFill>
@@ -419,7 +428,7 @@
                 <a:sym typeface="Arial"/>
               </a:defRPr>
             </a:lvl2pPr>
-            <a:lvl3pPr indent="-298450" lvl="2" marL="1371600" marR="0" rtl="0" algn="l">
+            <a:lvl3pPr marL="1371600" marR="0" lvl="2" indent="-298450" algn="l" rtl="0">
               <a:lnSpc>
                 <a:spcPct val="100000"/>
               </a:lnSpc>
@@ -435,7 +444,7 @@
               <a:buSzPts val="1100"/>
               <a:buFont typeface="Arial"/>
               <a:buChar char="■"/>
-              <a:defRPr b="0" i="0" sz="1100" u="none" cap="none" strike="noStrike">
+              <a:defRPr sz="1100" b="0" i="0" u="none" strike="noStrike" cap="none">
                 <a:solidFill>
                   <a:srgbClr val="000000"/>
                 </a:solidFill>
@@ -445,7 +454,7 @@
                 <a:sym typeface="Arial"/>
               </a:defRPr>
             </a:lvl3pPr>
-            <a:lvl4pPr indent="-298450" lvl="3" marL="1828800" marR="0" rtl="0" algn="l">
+            <a:lvl4pPr marL="1828800" marR="0" lvl="3" indent="-298450" algn="l" rtl="0">
               <a:lnSpc>
                 <a:spcPct val="100000"/>
               </a:lnSpc>
@@ -461,7 +470,7 @@
               <a:buSzPts val="1100"/>
               <a:buFont typeface="Arial"/>
               <a:buChar char="●"/>
-              <a:defRPr b="0" i="0" sz="1100" u="none" cap="none" strike="noStrike">
+              <a:defRPr sz="1100" b="0" i="0" u="none" strike="noStrike" cap="none">
                 <a:solidFill>
                   <a:srgbClr val="000000"/>
                 </a:solidFill>
@@ -471,7 +480,7 @@
                 <a:sym typeface="Arial"/>
               </a:defRPr>
             </a:lvl4pPr>
-            <a:lvl5pPr indent="-298450" lvl="4" marL="2286000" marR="0" rtl="0" algn="l">
+            <a:lvl5pPr marL="2286000" marR="0" lvl="4" indent="-298450" algn="l" rtl="0">
               <a:lnSpc>
                 <a:spcPct val="100000"/>
               </a:lnSpc>
@@ -487,7 +496,7 @@
               <a:buSzPts val="1100"/>
               <a:buFont typeface="Arial"/>
               <a:buChar char="○"/>
-              <a:defRPr b="0" i="0" sz="1100" u="none" cap="none" strike="noStrike">
+              <a:defRPr sz="1100" b="0" i="0" u="none" strike="noStrike" cap="none">
                 <a:solidFill>
                   <a:srgbClr val="000000"/>
                 </a:solidFill>
@@ -497,7 +506,7 @@
                 <a:sym typeface="Arial"/>
               </a:defRPr>
             </a:lvl5pPr>
-            <a:lvl6pPr indent="-298450" lvl="5" marL="2743200" marR="0" rtl="0" algn="l">
+            <a:lvl6pPr marL="2743200" marR="0" lvl="5" indent="-298450" algn="l" rtl="0">
               <a:lnSpc>
                 <a:spcPct val="100000"/>
               </a:lnSpc>
@@ -513,7 +522,7 @@
               <a:buSzPts val="1100"/>
               <a:buFont typeface="Arial"/>
               <a:buChar char="■"/>
-              <a:defRPr b="0" i="0" sz="1100" u="none" cap="none" strike="noStrike">
+              <a:defRPr sz="1100" b="0" i="0" u="none" strike="noStrike" cap="none">
                 <a:solidFill>
                   <a:srgbClr val="000000"/>
                 </a:solidFill>
@@ -523,7 +532,7 @@
                 <a:sym typeface="Arial"/>
               </a:defRPr>
             </a:lvl6pPr>
-            <a:lvl7pPr indent="-298450" lvl="6" marL="3200400" marR="0" rtl="0" algn="l">
+            <a:lvl7pPr marL="3200400" marR="0" lvl="6" indent="-298450" algn="l" rtl="0">
               <a:lnSpc>
                 <a:spcPct val="100000"/>
               </a:lnSpc>
@@ -539,7 +548,7 @@
               <a:buSzPts val="1100"/>
               <a:buFont typeface="Arial"/>
               <a:buChar char="●"/>
-              <a:defRPr b="0" i="0" sz="1100" u="none" cap="none" strike="noStrike">
+              <a:defRPr sz="1100" b="0" i="0" u="none" strike="noStrike" cap="none">
                 <a:solidFill>
                   <a:srgbClr val="000000"/>
                 </a:solidFill>
@@ -549,7 +558,7 @@
                 <a:sym typeface="Arial"/>
               </a:defRPr>
             </a:lvl7pPr>
-            <a:lvl8pPr indent="-298450" lvl="7" marL="3657600" marR="0" rtl="0" algn="l">
+            <a:lvl8pPr marL="3657600" marR="0" lvl="7" indent="-298450" algn="l" rtl="0">
               <a:lnSpc>
                 <a:spcPct val="100000"/>
               </a:lnSpc>
@@ -565,7 +574,7 @@
               <a:buSzPts val="1100"/>
               <a:buFont typeface="Arial"/>
               <a:buChar char="○"/>
-              <a:defRPr b="0" i="0" sz="1100" u="none" cap="none" strike="noStrike">
+              <a:defRPr sz="1100" b="0" i="0" u="none" strike="noStrike" cap="none">
                 <a:solidFill>
                   <a:srgbClr val="000000"/>
                 </a:solidFill>
@@ -575,7 +584,7 @@
                 <a:sym typeface="Arial"/>
               </a:defRPr>
             </a:lvl8pPr>
-            <a:lvl9pPr indent="-298450" lvl="8" marL="4114800" marR="0" rtl="0" algn="l">
+            <a:lvl9pPr marL="4114800" marR="0" lvl="8" indent="-298450" algn="l" rtl="0">
               <a:lnSpc>
                 <a:spcPct val="100000"/>
               </a:lnSpc>
@@ -591,7 +600,7 @@
               <a:buSzPts val="1100"/>
               <a:buFont typeface="Arial"/>
               <a:buChar char="■"/>
-              <a:defRPr b="0" i="0" sz="1100" u="none" cap="none" strike="noStrike">
+              <a:defRPr sz="1100" b="0" i="0" u="none" strike="noStrike" cap="none">
                 <a:solidFill>
                   <a:srgbClr val="000000"/>
                 </a:solidFill>
@@ -602,14 +611,16 @@
               </a:defRPr>
             </a:lvl9pPr>
           </a:lstStyle>
-          <a:p/>
+          <a:p>
+            <a:endParaRPr/>
+          </a:p>
         </p:txBody>
       </p:sp>
     </p:spTree>
   </p:cSld>
-  <p:clrMap accent1="accent1" accent2="accent2" accent3="accent3" accent4="accent4" accent5="accent5" accent6="accent6" bg1="lt1" bg2="dk2" tx1="dk1" tx2="lt2" folHlink="folHlink" hlink="hlink"/>
+  <p:clrMap bg1="lt1" tx1="dk1" bg2="dk2" tx2="lt2" accent1="accent1" accent2="accent2" accent3="accent3" accent4="accent4" accent5="accent5" accent6="accent6" hlink="hlink" folHlink="folHlink"/>
   <p:notesStyle>
-    <a:defPPr lvl="0" marR="0" rtl="0" algn="l">
+    <a:defPPr marR="0" lvl="0" algn="l" rtl="0">
       <a:lnSpc>
         <a:spcPct val="100000"/>
       </a:lnSpc>
@@ -620,7 +631,7 @@
         <a:spcPts val="0"/>
       </a:spcAft>
     </a:defPPr>
-    <a:lvl1pPr lvl="0" marR="0" rtl="0" algn="l">
+    <a:lvl1pPr marR="0" lvl="0" algn="l" rtl="0">
       <a:lnSpc>
         <a:spcPct val="100000"/>
       </a:lnSpc>
@@ -634,7 +645,7 @@
         <a:srgbClr val="000000"/>
       </a:buClr>
       <a:buFont typeface="Arial"/>
-      <a:defRPr b="0" i="0" sz="1400" u="none" cap="none" strike="noStrike">
+      <a:defRPr sz="1400" b="0" i="0" u="none" strike="noStrike" cap="none">
         <a:solidFill>
           <a:srgbClr val="000000"/>
         </a:solidFill>
@@ -644,7 +655,7 @@
         <a:sym typeface="Arial"/>
       </a:defRPr>
     </a:lvl1pPr>
-    <a:lvl2pPr lvl="1" marR="0" rtl="0" algn="l">
+    <a:lvl2pPr marR="0" lvl="1" algn="l" rtl="0">
       <a:lnSpc>
         <a:spcPct val="100000"/>
       </a:lnSpc>
@@ -658,7 +669,7 @@
         <a:srgbClr val="000000"/>
       </a:buClr>
       <a:buFont typeface="Arial"/>
-      <a:defRPr b="0" i="0" sz="1400" u="none" cap="none" strike="noStrike">
+      <a:defRPr sz="1400" b="0" i="0" u="none" strike="noStrike" cap="none">
         <a:solidFill>
           <a:srgbClr val="000000"/>
         </a:solidFill>
@@ -668,7 +679,7 @@
         <a:sym typeface="Arial"/>
       </a:defRPr>
     </a:lvl2pPr>
-    <a:lvl3pPr lvl="2" marR="0" rtl="0" algn="l">
+    <a:lvl3pPr marR="0" lvl="2" algn="l" rtl="0">
       <a:lnSpc>
         <a:spcPct val="100000"/>
       </a:lnSpc>
@@ -682,7 +693,7 @@
         <a:srgbClr val="000000"/>
       </a:buClr>
       <a:buFont typeface="Arial"/>
-      <a:defRPr b="0" i="0" sz="1400" u="none" cap="none" strike="noStrike">
+      <a:defRPr sz="1400" b="0" i="0" u="none" strike="noStrike" cap="none">
         <a:solidFill>
           <a:srgbClr val="000000"/>
         </a:solidFill>
@@ -692,7 +703,7 @@
         <a:sym typeface="Arial"/>
       </a:defRPr>
     </a:lvl3pPr>
-    <a:lvl4pPr lvl="3" marR="0" rtl="0" algn="l">
+    <a:lvl4pPr marR="0" lvl="3" algn="l" rtl="0">
       <a:lnSpc>
         <a:spcPct val="100000"/>
       </a:lnSpc>
@@ -706,7 +717,7 @@
         <a:srgbClr val="000000"/>
       </a:buClr>
       <a:buFont typeface="Arial"/>
-      <a:defRPr b="0" i="0" sz="1400" u="none" cap="none" strike="noStrike">
+      <a:defRPr sz="1400" b="0" i="0" u="none" strike="noStrike" cap="none">
         <a:solidFill>
           <a:srgbClr val="000000"/>
         </a:solidFill>
@@ -716,7 +727,7 @@
         <a:sym typeface="Arial"/>
       </a:defRPr>
     </a:lvl4pPr>
-    <a:lvl5pPr lvl="4" marR="0" rtl="0" algn="l">
+    <a:lvl5pPr marR="0" lvl="4" algn="l" rtl="0">
       <a:lnSpc>
         <a:spcPct val="100000"/>
       </a:lnSpc>
@@ -730,7 +741,7 @@
         <a:srgbClr val="000000"/>
       </a:buClr>
       <a:buFont typeface="Arial"/>
-      <a:defRPr b="0" i="0" sz="1400" u="none" cap="none" strike="noStrike">
+      <a:defRPr sz="1400" b="0" i="0" u="none" strike="noStrike" cap="none">
         <a:solidFill>
           <a:srgbClr val="000000"/>
         </a:solidFill>
@@ -740,7 +751,7 @@
         <a:sym typeface="Arial"/>
       </a:defRPr>
     </a:lvl5pPr>
-    <a:lvl6pPr lvl="5" marR="0" rtl="0" algn="l">
+    <a:lvl6pPr marR="0" lvl="5" algn="l" rtl="0">
       <a:lnSpc>
         <a:spcPct val="100000"/>
       </a:lnSpc>
@@ -754,7 +765,7 @@
         <a:srgbClr val="000000"/>
       </a:buClr>
       <a:buFont typeface="Arial"/>
-      <a:defRPr b="0" i="0" sz="1400" u="none" cap="none" strike="noStrike">
+      <a:defRPr sz="1400" b="0" i="0" u="none" strike="noStrike" cap="none">
         <a:solidFill>
           <a:srgbClr val="000000"/>
         </a:solidFill>
@@ -764,7 +775,7 @@
         <a:sym typeface="Arial"/>
       </a:defRPr>
     </a:lvl6pPr>
-    <a:lvl7pPr lvl="6" marR="0" rtl="0" algn="l">
+    <a:lvl7pPr marR="0" lvl="6" algn="l" rtl="0">
       <a:lnSpc>
         <a:spcPct val="100000"/>
       </a:lnSpc>
@@ -778,7 +789,7 @@
         <a:srgbClr val="000000"/>
       </a:buClr>
       <a:buFont typeface="Arial"/>
-      <a:defRPr b="0" i="0" sz="1400" u="none" cap="none" strike="noStrike">
+      <a:defRPr sz="1400" b="0" i="0" u="none" strike="noStrike" cap="none">
         <a:solidFill>
           <a:srgbClr val="000000"/>
         </a:solidFill>
@@ -788,7 +799,7 @@
         <a:sym typeface="Arial"/>
       </a:defRPr>
     </a:lvl7pPr>
-    <a:lvl8pPr lvl="7" marR="0" rtl="0" algn="l">
+    <a:lvl8pPr marR="0" lvl="7" algn="l" rtl="0">
       <a:lnSpc>
         <a:spcPct val="100000"/>
       </a:lnSpc>
@@ -802,7 +813,7 @@
         <a:srgbClr val="000000"/>
       </a:buClr>
       <a:buFont typeface="Arial"/>
-      <a:defRPr b="0" i="0" sz="1400" u="none" cap="none" strike="noStrike">
+      <a:defRPr sz="1400" b="0" i="0" u="none" strike="noStrike" cap="none">
         <a:solidFill>
           <a:srgbClr val="000000"/>
         </a:solidFill>
@@ -812,7 +823,7 @@
         <a:sym typeface="Arial"/>
       </a:defRPr>
     </a:lvl8pPr>
-    <a:lvl9pPr lvl="8" marR="0" rtl="0" algn="l">
+    <a:lvl9pPr marR="0" lvl="8" algn="l" rtl="0">
       <a:lnSpc>
         <a:spcPct val="100000"/>
       </a:lnSpc>
@@ -826,7 +837,7 @@
         <a:srgbClr val="000000"/>
       </a:buClr>
       <a:buFont typeface="Arial"/>
-      <a:defRPr b="0" i="0" sz="1400" u="none" cap="none" strike="noStrike">
+      <a:defRPr sz="1400" b="0" i="0" u="none" strike="noStrike" cap="none">
         <a:solidFill>
           <a:srgbClr val="000000"/>
         </a:solidFill>
@@ -841,11 +852,11 @@
 </file>
 
 <file path=ppt/notesSlides/notesSlide1.xml><?xml version="1.0" encoding="utf-8"?>
-<p:notes xmlns:a="http://schemas.openxmlformats.org/drawingml/2006/main" xmlns:r="http://schemas.openxmlformats.org/officeDocument/2006/relationships" xmlns:mc="http://schemas.openxmlformats.org/markup-compatibility/2006" xmlns:mv="urn:schemas-microsoft-com:mac:vml" xmlns:p="http://schemas.openxmlformats.org/presentationml/2006/main" xmlns:c="http://schemas.openxmlformats.org/drawingml/2006/chart" xmlns:dgm="http://schemas.openxmlformats.org/drawingml/2006/diagram" xmlns:o="urn:schemas-microsoft-com:office:office" xmlns:v="urn:schemas-microsoft-com:vml" xmlns:pvml="urn:schemas-microsoft-com:office:powerpoint" xmlns:com="http://schemas.openxmlformats.org/drawingml/2006/compatibility" xmlns:p14="http://schemas.microsoft.com/office/powerpoint/2010/main" xmlns:p15="http://schemas.microsoft.com/office/powerpoint/2012/main" showMasterPhAnim="0" showMasterSp="0">
+<p:notes xmlns:a="http://schemas.openxmlformats.org/drawingml/2006/main" xmlns:r="http://schemas.openxmlformats.org/officeDocument/2006/relationships" xmlns:p="http://schemas.openxmlformats.org/presentationml/2006/main" showMasterSp="0" showMasterPhAnim="0">
   <p:cSld>
     <p:spTree>
       <p:nvGrpSpPr>
-        <p:cNvPr id="50" name="Shape 50"/>
+        <p:cNvPr id="1" name="Shape 50"/>
         <p:cNvGrpSpPr/>
         <p:nvPr/>
       </p:nvGrpSpPr>
@@ -860,20 +871,26 @@
       <p:sp>
         <p:nvSpPr>
           <p:cNvPr id="51" name="Google Shape;51;p1:notes"/>
-          <p:cNvSpPr/>
+          <p:cNvSpPr>
+            <a:spLocks noGrp="1" noRot="1" noChangeAspect="1"/>
+          </p:cNvSpPr>
           <p:nvPr>
-            <p:ph idx="2" type="sldImg"/>
+            <p:ph type="sldImg" idx="2"/>
           </p:nvPr>
         </p:nvSpPr>
         <p:spPr>
           <a:xfrm>
-            <a:off x="381136" y="685800"/>
-            <a:ext cx="6095700" cy="3429000"/>
+            <a:off x="381000" y="685800"/>
+            <a:ext cx="6096000" cy="3429000"/>
           </a:xfrm>
           <a:custGeom>
-            <a:rect b="b" l="l" r="r" t="t"/>
+            <a:avLst/>
+            <a:gdLst/>
+            <a:ahLst/>
+            <a:cxnLst/>
+            <a:rect l="l" t="t" r="r" b="b"/>
             <a:pathLst>
-              <a:path extrusionOk="0" h="120000" w="120000">
+              <a:path w="120000" h="120000" extrusionOk="0">
                 <a:moveTo>
                   <a:pt x="0" y="0"/>
                 </a:moveTo>
@@ -891,23 +908,25 @@
             </a:pathLst>
           </a:custGeom>
           <a:noFill/>
-          <a:ln cap="flat" cmpd="sng" w="9525">
+          <a:ln w="9525" cap="flat" cmpd="sng">
             <a:solidFill>
               <a:srgbClr val="000000"/>
             </a:solidFill>
             <a:prstDash val="solid"/>
             <a:round/>
-            <a:headEnd len="sm" w="sm" type="none"/>
-            <a:tailEnd len="sm" w="sm" type="none"/>
+            <a:headEnd type="none" w="sm" len="sm"/>
+            <a:tailEnd type="none" w="sm" len="sm"/>
           </a:ln>
         </p:spPr>
       </p:sp>
       <p:sp>
         <p:nvSpPr>
           <p:cNvPr id="52" name="Google Shape;52;p1:notes"/>
-          <p:cNvSpPr txBox="1"/>
+          <p:cNvSpPr txBox="1">
+            <a:spLocks noGrp="1"/>
+          </p:cNvSpPr>
           <p:nvPr>
-            <p:ph idx="1" type="body"/>
+            <p:ph type="body" idx="1"/>
           </p:nvPr>
         </p:nvSpPr>
         <p:spPr>
@@ -924,12 +943,12 @@
           </a:ln>
         </p:spPr>
         <p:txBody>
-          <a:bodyPr anchorCtr="0" anchor="t" bIns="91425" lIns="91425" spcFirstLastPara="1" rIns="91425" wrap="square" tIns="91425">
+          <a:bodyPr spcFirstLastPara="1" wrap="square" lIns="91425" tIns="91425" rIns="91425" bIns="91425" anchor="t" anchorCtr="0">
             <a:noAutofit/>
           </a:bodyPr>
           <a:lstStyle/>
           <a:p>
-            <a:pPr indent="0" lvl="0" marL="0" rtl="0" algn="l">
+            <a:pPr marL="0" lvl="0" indent="0" algn="l" rtl="0">
               <a:lnSpc>
                 <a:spcPct val="100000"/>
               </a:lnSpc>
@@ -942,9 +961,6 @@
               <a:buSzPts val="1100"/>
               <a:buNone/>
             </a:pPr>
-            <a:r>
-              <a:t/>
-            </a:r>
             <a:endParaRPr/>
           </a:p>
         </p:txBody>
@@ -958,11 +974,11 @@
 </file>
 
 <file path=ppt/slideLayouts/slideLayout1.xml><?xml version="1.0" encoding="utf-8"?>
-<p:sldLayout xmlns:a="http://schemas.openxmlformats.org/drawingml/2006/main" xmlns:r="http://schemas.openxmlformats.org/officeDocument/2006/relationships" xmlns:mc="http://schemas.openxmlformats.org/markup-compatibility/2006" xmlns:mv="urn:schemas-microsoft-com:mac:vml" xmlns:p="http://schemas.openxmlformats.org/presentationml/2006/main" xmlns:c="http://schemas.openxmlformats.org/drawingml/2006/chart" xmlns:dgm="http://schemas.openxmlformats.org/drawingml/2006/diagram" xmlns:o="urn:schemas-microsoft-com:office:office" xmlns:v="urn:schemas-microsoft-com:vml" xmlns:pvml="urn:schemas-microsoft-com:office:powerpoint" xmlns:com="http://schemas.openxmlformats.org/drawingml/2006/compatibility" xmlns:p14="http://schemas.microsoft.com/office/powerpoint/2010/main" xmlns:p15="http://schemas.microsoft.com/office/powerpoint/2012/main" matchingName="Title slide" type="title">
+<p:sldLayout xmlns:a="http://schemas.openxmlformats.org/drawingml/2006/main" xmlns:r="http://schemas.openxmlformats.org/officeDocument/2006/relationships" xmlns:p="http://schemas.openxmlformats.org/presentationml/2006/main" matchingName="Title slide" type="title">
   <p:cSld name="TITLE">
     <p:spTree>
       <p:nvGrpSpPr>
-        <p:cNvPr id="9" name="Shape 9"/>
+        <p:cNvPr id="1" name="Shape 9"/>
         <p:cNvGrpSpPr/>
         <p:nvPr/>
       </p:nvGrpSpPr>
@@ -977,7 +993,9 @@
       <p:sp>
         <p:nvSpPr>
           <p:cNvPr id="10" name="Google Shape;10;p3"/>
-          <p:cNvSpPr txBox="1"/>
+          <p:cNvSpPr txBox="1">
+            <a:spLocks noGrp="1"/>
+          </p:cNvSpPr>
           <p:nvPr>
             <p:ph type="ctrTitle"/>
           </p:nvPr>
@@ -996,7 +1014,7 @@
           </a:ln>
         </p:spPr>
         <p:txBody>
-          <a:bodyPr anchorCtr="0" anchor="b" bIns="182900" lIns="182900" spcFirstLastPara="1" rIns="182900" wrap="square" tIns="182900">
+          <a:bodyPr spcFirstLastPara="1" wrap="square" lIns="182900" tIns="182900" rIns="182900" bIns="182900" anchor="b" anchorCtr="0">
             <a:noAutofit/>
           </a:bodyPr>
           <a:lstStyle>
@@ -1127,15 +1145,19 @@
               <a:defRPr sz="10400"/>
             </a:lvl9pPr>
           </a:lstStyle>
-          <a:p/>
+          <a:p>
+            <a:endParaRPr/>
+          </a:p>
         </p:txBody>
       </p:sp>
       <p:sp>
         <p:nvSpPr>
           <p:cNvPr id="11" name="Google Shape;11;p3"/>
-          <p:cNvSpPr txBox="1"/>
+          <p:cNvSpPr txBox="1">
+            <a:spLocks noGrp="1"/>
+          </p:cNvSpPr>
           <p:nvPr>
-            <p:ph idx="1" type="subTitle"/>
+            <p:ph type="subTitle" idx="1"/>
           </p:nvPr>
         </p:nvSpPr>
         <p:spPr>
@@ -1152,7 +1174,7 @@
           </a:ln>
         </p:spPr>
         <p:txBody>
-          <a:bodyPr anchorCtr="0" anchor="t" bIns="182900" lIns="182900" spcFirstLastPara="1" rIns="182900" wrap="square" tIns="182900">
+          <a:bodyPr spcFirstLastPara="1" wrap="square" lIns="182900" tIns="182900" rIns="182900" bIns="182900" anchor="t" anchorCtr="0">
             <a:noAutofit/>
           </a:bodyPr>
           <a:lstStyle>
@@ -1283,15 +1305,19 @@
               <a:defRPr sz="5600"/>
             </a:lvl9pPr>
           </a:lstStyle>
-          <a:p/>
+          <a:p>
+            <a:endParaRPr/>
+          </a:p>
         </p:txBody>
       </p:sp>
       <p:sp>
         <p:nvSpPr>
           <p:cNvPr id="12" name="Google Shape;12;p3"/>
-          <p:cNvSpPr txBox="1"/>
+          <p:cNvSpPr txBox="1">
+            <a:spLocks noGrp="1"/>
+          </p:cNvSpPr>
           <p:nvPr>
-            <p:ph idx="12" type="sldNum"/>
+            <p:ph type="sldNum" idx="12"/>
           </p:nvPr>
         </p:nvSpPr>
         <p:spPr>
@@ -1308,27 +1334,27 @@
           </a:ln>
         </p:spPr>
         <p:txBody>
-          <a:bodyPr anchorCtr="0" anchor="ctr" bIns="182900" lIns="182900" spcFirstLastPara="1" rIns="182900" wrap="square" tIns="182900">
+          <a:bodyPr spcFirstLastPara="1" wrap="square" lIns="182900" tIns="182900" rIns="182900" bIns="182900" anchor="ctr" anchorCtr="0">
             <a:noAutofit/>
           </a:bodyPr>
           <a:lstStyle>
-            <a:lvl1pPr indent="0" lvl="0" marL="0" marR="0" algn="r">
-              <a:lnSpc>
-                <a:spcPct val="100000"/>
-              </a:lnSpc>
-              <a:spcBef>
-                <a:spcPts val="0"/>
-              </a:spcBef>
-              <a:spcAft>
-                <a:spcPts val="0"/>
-              </a:spcAft>
-              <a:buClr>
-                <a:srgbClr val="000000"/>
-              </a:buClr>
-              <a:buSzPts val="2000"/>
-              <a:buFont typeface="Arial"/>
-              <a:buNone/>
-              <a:defRPr b="0" i="0" sz="2000" u="none" cap="none" strike="noStrike">
+            <a:lvl1pPr marL="0" marR="0" lvl="0" indent="0" algn="r">
+              <a:lnSpc>
+                <a:spcPct val="100000"/>
+              </a:lnSpc>
+              <a:spcBef>
+                <a:spcPts val="0"/>
+              </a:spcBef>
+              <a:spcAft>
+                <a:spcPts val="0"/>
+              </a:spcAft>
+              <a:buClr>
+                <a:srgbClr val="000000"/>
+              </a:buClr>
+              <a:buSzPts val="2000"/>
+              <a:buFont typeface="Arial"/>
+              <a:buNone/>
+              <a:defRPr sz="2000" b="0" i="0" u="none" strike="noStrike" cap="none">
                 <a:solidFill>
                   <a:schemeClr val="dk2"/>
                 </a:solidFill>
@@ -1338,23 +1364,23 @@
                 <a:sym typeface="Arial"/>
               </a:defRPr>
             </a:lvl1pPr>
-            <a:lvl2pPr indent="0" lvl="1" marL="0" marR="0" algn="r">
-              <a:lnSpc>
-                <a:spcPct val="100000"/>
-              </a:lnSpc>
-              <a:spcBef>
-                <a:spcPts val="0"/>
-              </a:spcBef>
-              <a:spcAft>
-                <a:spcPts val="0"/>
-              </a:spcAft>
-              <a:buClr>
-                <a:srgbClr val="000000"/>
-              </a:buClr>
-              <a:buSzPts val="2000"/>
-              <a:buFont typeface="Arial"/>
-              <a:buNone/>
-              <a:defRPr b="0" i="0" sz="2000" u="none" cap="none" strike="noStrike">
+            <a:lvl2pPr marL="0" marR="0" lvl="1" indent="0" algn="r">
+              <a:lnSpc>
+                <a:spcPct val="100000"/>
+              </a:lnSpc>
+              <a:spcBef>
+                <a:spcPts val="0"/>
+              </a:spcBef>
+              <a:spcAft>
+                <a:spcPts val="0"/>
+              </a:spcAft>
+              <a:buClr>
+                <a:srgbClr val="000000"/>
+              </a:buClr>
+              <a:buSzPts val="2000"/>
+              <a:buFont typeface="Arial"/>
+              <a:buNone/>
+              <a:defRPr sz="2000" b="0" i="0" u="none" strike="noStrike" cap="none">
                 <a:solidFill>
                   <a:schemeClr val="dk2"/>
                 </a:solidFill>
@@ -1364,23 +1390,23 @@
                 <a:sym typeface="Arial"/>
               </a:defRPr>
             </a:lvl2pPr>
-            <a:lvl3pPr indent="0" lvl="2" marL="0" marR="0" algn="r">
-              <a:lnSpc>
-                <a:spcPct val="100000"/>
-              </a:lnSpc>
-              <a:spcBef>
-                <a:spcPts val="0"/>
-              </a:spcBef>
-              <a:spcAft>
-                <a:spcPts val="0"/>
-              </a:spcAft>
-              <a:buClr>
-                <a:srgbClr val="000000"/>
-              </a:buClr>
-              <a:buSzPts val="2000"/>
-              <a:buFont typeface="Arial"/>
-              <a:buNone/>
-              <a:defRPr b="0" i="0" sz="2000" u="none" cap="none" strike="noStrike">
+            <a:lvl3pPr marL="0" marR="0" lvl="2" indent="0" algn="r">
+              <a:lnSpc>
+                <a:spcPct val="100000"/>
+              </a:lnSpc>
+              <a:spcBef>
+                <a:spcPts val="0"/>
+              </a:spcBef>
+              <a:spcAft>
+                <a:spcPts val="0"/>
+              </a:spcAft>
+              <a:buClr>
+                <a:srgbClr val="000000"/>
+              </a:buClr>
+              <a:buSzPts val="2000"/>
+              <a:buFont typeface="Arial"/>
+              <a:buNone/>
+              <a:defRPr sz="2000" b="0" i="0" u="none" strike="noStrike" cap="none">
                 <a:solidFill>
                   <a:schemeClr val="dk2"/>
                 </a:solidFill>
@@ -1390,23 +1416,23 @@
                 <a:sym typeface="Arial"/>
               </a:defRPr>
             </a:lvl3pPr>
-            <a:lvl4pPr indent="0" lvl="3" marL="0" marR="0" algn="r">
-              <a:lnSpc>
-                <a:spcPct val="100000"/>
-              </a:lnSpc>
-              <a:spcBef>
-                <a:spcPts val="0"/>
-              </a:spcBef>
-              <a:spcAft>
-                <a:spcPts val="0"/>
-              </a:spcAft>
-              <a:buClr>
-                <a:srgbClr val="000000"/>
-              </a:buClr>
-              <a:buSzPts val="2000"/>
-              <a:buFont typeface="Arial"/>
-              <a:buNone/>
-              <a:defRPr b="0" i="0" sz="2000" u="none" cap="none" strike="noStrike">
+            <a:lvl4pPr marL="0" marR="0" lvl="3" indent="0" algn="r">
+              <a:lnSpc>
+                <a:spcPct val="100000"/>
+              </a:lnSpc>
+              <a:spcBef>
+                <a:spcPts val="0"/>
+              </a:spcBef>
+              <a:spcAft>
+                <a:spcPts val="0"/>
+              </a:spcAft>
+              <a:buClr>
+                <a:srgbClr val="000000"/>
+              </a:buClr>
+              <a:buSzPts val="2000"/>
+              <a:buFont typeface="Arial"/>
+              <a:buNone/>
+              <a:defRPr sz="2000" b="0" i="0" u="none" strike="noStrike" cap="none">
                 <a:solidFill>
                   <a:schemeClr val="dk2"/>
                 </a:solidFill>
@@ -1416,23 +1442,23 @@
                 <a:sym typeface="Arial"/>
               </a:defRPr>
             </a:lvl4pPr>
-            <a:lvl5pPr indent="0" lvl="4" marL="0" marR="0" algn="r">
-              <a:lnSpc>
-                <a:spcPct val="100000"/>
-              </a:lnSpc>
-              <a:spcBef>
-                <a:spcPts val="0"/>
-              </a:spcBef>
-              <a:spcAft>
-                <a:spcPts val="0"/>
-              </a:spcAft>
-              <a:buClr>
-                <a:srgbClr val="000000"/>
-              </a:buClr>
-              <a:buSzPts val="2000"/>
-              <a:buFont typeface="Arial"/>
-              <a:buNone/>
-              <a:defRPr b="0" i="0" sz="2000" u="none" cap="none" strike="noStrike">
+            <a:lvl5pPr marL="0" marR="0" lvl="4" indent="0" algn="r">
+              <a:lnSpc>
+                <a:spcPct val="100000"/>
+              </a:lnSpc>
+              <a:spcBef>
+                <a:spcPts val="0"/>
+              </a:spcBef>
+              <a:spcAft>
+                <a:spcPts val="0"/>
+              </a:spcAft>
+              <a:buClr>
+                <a:srgbClr val="000000"/>
+              </a:buClr>
+              <a:buSzPts val="2000"/>
+              <a:buFont typeface="Arial"/>
+              <a:buNone/>
+              <a:defRPr sz="2000" b="0" i="0" u="none" strike="noStrike" cap="none">
                 <a:solidFill>
                   <a:schemeClr val="dk2"/>
                 </a:solidFill>
@@ -1442,23 +1468,23 @@
                 <a:sym typeface="Arial"/>
               </a:defRPr>
             </a:lvl5pPr>
-            <a:lvl6pPr indent="0" lvl="5" marL="0" marR="0" algn="r">
-              <a:lnSpc>
-                <a:spcPct val="100000"/>
-              </a:lnSpc>
-              <a:spcBef>
-                <a:spcPts val="0"/>
-              </a:spcBef>
-              <a:spcAft>
-                <a:spcPts val="0"/>
-              </a:spcAft>
-              <a:buClr>
-                <a:srgbClr val="000000"/>
-              </a:buClr>
-              <a:buSzPts val="2000"/>
-              <a:buFont typeface="Arial"/>
-              <a:buNone/>
-              <a:defRPr b="0" i="0" sz="2000" u="none" cap="none" strike="noStrike">
+            <a:lvl6pPr marL="0" marR="0" lvl="5" indent="0" algn="r">
+              <a:lnSpc>
+                <a:spcPct val="100000"/>
+              </a:lnSpc>
+              <a:spcBef>
+                <a:spcPts val="0"/>
+              </a:spcBef>
+              <a:spcAft>
+                <a:spcPts val="0"/>
+              </a:spcAft>
+              <a:buClr>
+                <a:srgbClr val="000000"/>
+              </a:buClr>
+              <a:buSzPts val="2000"/>
+              <a:buFont typeface="Arial"/>
+              <a:buNone/>
+              <a:defRPr sz="2000" b="0" i="0" u="none" strike="noStrike" cap="none">
                 <a:solidFill>
                   <a:schemeClr val="dk2"/>
                 </a:solidFill>
@@ -1468,23 +1494,23 @@
                 <a:sym typeface="Arial"/>
               </a:defRPr>
             </a:lvl6pPr>
-            <a:lvl7pPr indent="0" lvl="6" marL="0" marR="0" algn="r">
-              <a:lnSpc>
-                <a:spcPct val="100000"/>
-              </a:lnSpc>
-              <a:spcBef>
-                <a:spcPts val="0"/>
-              </a:spcBef>
-              <a:spcAft>
-                <a:spcPts val="0"/>
-              </a:spcAft>
-              <a:buClr>
-                <a:srgbClr val="000000"/>
-              </a:buClr>
-              <a:buSzPts val="2000"/>
-              <a:buFont typeface="Arial"/>
-              <a:buNone/>
-              <a:defRPr b="0" i="0" sz="2000" u="none" cap="none" strike="noStrike">
+            <a:lvl7pPr marL="0" marR="0" lvl="6" indent="0" algn="r">
+              <a:lnSpc>
+                <a:spcPct val="100000"/>
+              </a:lnSpc>
+              <a:spcBef>
+                <a:spcPts val="0"/>
+              </a:spcBef>
+              <a:spcAft>
+                <a:spcPts val="0"/>
+              </a:spcAft>
+              <a:buClr>
+                <a:srgbClr val="000000"/>
+              </a:buClr>
+              <a:buSzPts val="2000"/>
+              <a:buFont typeface="Arial"/>
+              <a:buNone/>
+              <a:defRPr sz="2000" b="0" i="0" u="none" strike="noStrike" cap="none">
                 <a:solidFill>
                   <a:schemeClr val="dk2"/>
                 </a:solidFill>
@@ -1494,23 +1520,23 @@
                 <a:sym typeface="Arial"/>
               </a:defRPr>
             </a:lvl7pPr>
-            <a:lvl8pPr indent="0" lvl="7" marL="0" marR="0" algn="r">
-              <a:lnSpc>
-                <a:spcPct val="100000"/>
-              </a:lnSpc>
-              <a:spcBef>
-                <a:spcPts val="0"/>
-              </a:spcBef>
-              <a:spcAft>
-                <a:spcPts val="0"/>
-              </a:spcAft>
-              <a:buClr>
-                <a:srgbClr val="000000"/>
-              </a:buClr>
-              <a:buSzPts val="2000"/>
-              <a:buFont typeface="Arial"/>
-              <a:buNone/>
-              <a:defRPr b="0" i="0" sz="2000" u="none" cap="none" strike="noStrike">
+            <a:lvl8pPr marL="0" marR="0" lvl="7" indent="0" algn="r">
+              <a:lnSpc>
+                <a:spcPct val="100000"/>
+              </a:lnSpc>
+              <a:spcBef>
+                <a:spcPts val="0"/>
+              </a:spcBef>
+              <a:spcAft>
+                <a:spcPts val="0"/>
+              </a:spcAft>
+              <a:buClr>
+                <a:srgbClr val="000000"/>
+              </a:buClr>
+              <a:buSzPts val="2000"/>
+              <a:buFont typeface="Arial"/>
+              <a:buNone/>
+              <a:defRPr sz="2000" b="0" i="0" u="none" strike="noStrike" cap="none">
                 <a:solidFill>
                   <a:schemeClr val="dk2"/>
                 </a:solidFill>
@@ -1520,23 +1546,23 @@
                 <a:sym typeface="Arial"/>
               </a:defRPr>
             </a:lvl8pPr>
-            <a:lvl9pPr indent="0" lvl="8" marL="0" marR="0" algn="r">
-              <a:lnSpc>
-                <a:spcPct val="100000"/>
-              </a:lnSpc>
-              <a:spcBef>
-                <a:spcPts val="0"/>
-              </a:spcBef>
-              <a:spcAft>
-                <a:spcPts val="0"/>
-              </a:spcAft>
-              <a:buClr>
-                <a:srgbClr val="000000"/>
-              </a:buClr>
-              <a:buSzPts val="2000"/>
-              <a:buFont typeface="Arial"/>
-              <a:buNone/>
-              <a:defRPr b="0" i="0" sz="2000" u="none" cap="none" strike="noStrike">
+            <a:lvl9pPr marL="0" marR="0" lvl="8" indent="0" algn="r">
+              <a:lnSpc>
+                <a:spcPct val="100000"/>
+              </a:lnSpc>
+              <a:spcBef>
+                <a:spcPts val="0"/>
+              </a:spcBef>
+              <a:spcAft>
+                <a:spcPts val="0"/>
+              </a:spcAft>
+              <a:buClr>
+                <a:srgbClr val="000000"/>
+              </a:buClr>
+              <a:buSzPts val="2000"/>
+              <a:buFont typeface="Arial"/>
+              <a:buNone/>
+              <a:defRPr sz="2000" b="0" i="0" u="none" strike="noStrike" cap="none">
                 <a:solidFill>
                   <a:schemeClr val="dk2"/>
                 </a:solidFill>
@@ -1548,7 +1574,7 @@
             </a:lvl9pPr>
           </a:lstStyle>
           <a:p>
-            <a:pPr indent="0" lvl="0" marL="0" rtl="0" algn="r">
+            <a:pPr marL="0" lvl="0" indent="0" algn="r" rtl="0">
               <a:spcBef>
                 <a:spcPts val="0"/>
               </a:spcBef>
@@ -1574,11 +1600,11 @@
 </file>
 
 <file path=ppt/slideLayouts/slideLayout10.xml><?xml version="1.0" encoding="utf-8"?>
-<p:sldLayout xmlns:a="http://schemas.openxmlformats.org/drawingml/2006/main" xmlns:r="http://schemas.openxmlformats.org/officeDocument/2006/relationships" xmlns:mc="http://schemas.openxmlformats.org/markup-compatibility/2006" xmlns:mv="urn:schemas-microsoft-com:mac:vml" xmlns:p="http://schemas.openxmlformats.org/presentationml/2006/main" xmlns:c="http://schemas.openxmlformats.org/drawingml/2006/chart" xmlns:dgm="http://schemas.openxmlformats.org/drawingml/2006/diagram" xmlns:o="urn:schemas-microsoft-com:office:office" xmlns:v="urn:schemas-microsoft-com:vml" xmlns:pvml="urn:schemas-microsoft-com:office:powerpoint" xmlns:com="http://schemas.openxmlformats.org/drawingml/2006/compatibility" xmlns:p14="http://schemas.microsoft.com/office/powerpoint/2010/main" xmlns:p15="http://schemas.microsoft.com/office/powerpoint/2012/main" matchingName="Big number">
+<p:sldLayout xmlns:a="http://schemas.openxmlformats.org/drawingml/2006/main" xmlns:r="http://schemas.openxmlformats.org/officeDocument/2006/relationships" xmlns:p="http://schemas.openxmlformats.org/presentationml/2006/main" matchingName="Big number">
   <p:cSld name="BIG_NUMBER">
     <p:spTree>
       <p:nvGrpSpPr>
-        <p:cNvPr id="44" name="Shape 44"/>
+        <p:cNvPr id="1" name="Shape 44"/>
         <p:cNvGrpSpPr/>
         <p:nvPr/>
       </p:nvGrpSpPr>
@@ -1593,9 +1619,11 @@
       <p:sp>
         <p:nvSpPr>
           <p:cNvPr id="45" name="Google Shape;45;p12"/>
-          <p:cNvSpPr txBox="1"/>
+          <p:cNvSpPr txBox="1">
+            <a:spLocks noGrp="1"/>
+          </p:cNvSpPr>
           <p:nvPr>
-            <p:ph hasCustomPrompt="1" type="title"/>
+            <p:ph type="title" hasCustomPrompt="1"/>
           </p:nvPr>
         </p:nvSpPr>
         <p:spPr>
@@ -1612,7 +1640,7 @@
           </a:ln>
         </p:spPr>
         <p:txBody>
-          <a:bodyPr anchorCtr="0" anchor="b" bIns="182900" lIns="182900" spcFirstLastPara="1" rIns="182900" wrap="square" tIns="182900">
+          <a:bodyPr spcFirstLastPara="1" wrap="square" lIns="182900" tIns="182900" rIns="182900" bIns="182900" anchor="b" anchorCtr="0">
             <a:noAutofit/>
           </a:bodyPr>
           <a:lstStyle>
@@ -1753,9 +1781,11 @@
       <p:sp>
         <p:nvSpPr>
           <p:cNvPr id="46" name="Google Shape;46;p12"/>
-          <p:cNvSpPr txBox="1"/>
+          <p:cNvSpPr txBox="1">
+            <a:spLocks noGrp="1"/>
+          </p:cNvSpPr>
           <p:nvPr>
-            <p:ph idx="1" type="body"/>
+            <p:ph type="body" idx="1"/>
           </p:nvPr>
         </p:nvSpPr>
         <p:spPr>
@@ -1772,11 +1802,11 @@
           </a:ln>
         </p:spPr>
         <p:txBody>
-          <a:bodyPr anchorCtr="0" anchor="t" bIns="182900" lIns="182900" spcFirstLastPara="1" rIns="182900" wrap="square" tIns="182900">
+          <a:bodyPr spcFirstLastPara="1" wrap="square" lIns="182900" tIns="182900" rIns="182900" bIns="182900" anchor="t" anchorCtr="0">
             <a:noAutofit/>
           </a:bodyPr>
           <a:lstStyle>
-            <a:lvl1pPr indent="-457200" lvl="0" marL="457200" algn="ctr">
+            <a:lvl1pPr marL="457200" lvl="0" indent="-457200" algn="ctr">
               <a:lnSpc>
                 <a:spcPct val="115000"/>
               </a:lnSpc>
@@ -1790,7 +1820,7 @@
               <a:buChar char="●"/>
               <a:defRPr/>
             </a:lvl1pPr>
-            <a:lvl2pPr indent="-406400" lvl="1" marL="914400" algn="ctr">
+            <a:lvl2pPr marL="914400" lvl="1" indent="-406400" algn="ctr">
               <a:lnSpc>
                 <a:spcPct val="115000"/>
               </a:lnSpc>
@@ -1804,7 +1834,7 @@
               <a:buChar char="○"/>
               <a:defRPr/>
             </a:lvl2pPr>
-            <a:lvl3pPr indent="-406400" lvl="2" marL="1371600" algn="ctr">
+            <a:lvl3pPr marL="1371600" lvl="2" indent="-406400" algn="ctr">
               <a:lnSpc>
                 <a:spcPct val="115000"/>
               </a:lnSpc>
@@ -1818,7 +1848,7 @@
               <a:buChar char="■"/>
               <a:defRPr/>
             </a:lvl3pPr>
-            <a:lvl4pPr indent="-406400" lvl="3" marL="1828800" algn="ctr">
+            <a:lvl4pPr marL="1828800" lvl="3" indent="-406400" algn="ctr">
               <a:lnSpc>
                 <a:spcPct val="115000"/>
               </a:lnSpc>
@@ -1832,7 +1862,7 @@
               <a:buChar char="●"/>
               <a:defRPr/>
             </a:lvl4pPr>
-            <a:lvl5pPr indent="-406400" lvl="4" marL="2286000" algn="ctr">
+            <a:lvl5pPr marL="2286000" lvl="4" indent="-406400" algn="ctr">
               <a:lnSpc>
                 <a:spcPct val="115000"/>
               </a:lnSpc>
@@ -1846,7 +1876,7 @@
               <a:buChar char="○"/>
               <a:defRPr/>
             </a:lvl5pPr>
-            <a:lvl6pPr indent="-406400" lvl="5" marL="2743200" algn="ctr">
+            <a:lvl6pPr marL="2743200" lvl="5" indent="-406400" algn="ctr">
               <a:lnSpc>
                 <a:spcPct val="115000"/>
               </a:lnSpc>
@@ -1860,7 +1890,7 @@
               <a:buChar char="■"/>
               <a:defRPr/>
             </a:lvl6pPr>
-            <a:lvl7pPr indent="-406400" lvl="6" marL="3200400" algn="ctr">
+            <a:lvl7pPr marL="3200400" lvl="6" indent="-406400" algn="ctr">
               <a:lnSpc>
                 <a:spcPct val="115000"/>
               </a:lnSpc>
@@ -1874,7 +1904,7 @@
               <a:buChar char="●"/>
               <a:defRPr/>
             </a:lvl7pPr>
-            <a:lvl8pPr indent="-406400" lvl="7" marL="3657600" algn="ctr">
+            <a:lvl8pPr marL="3657600" lvl="7" indent="-406400" algn="ctr">
               <a:lnSpc>
                 <a:spcPct val="115000"/>
               </a:lnSpc>
@@ -1888,7 +1918,7 @@
               <a:buChar char="○"/>
               <a:defRPr/>
             </a:lvl8pPr>
-            <a:lvl9pPr indent="-406400" lvl="8" marL="4114800" algn="ctr">
+            <a:lvl9pPr marL="4114800" lvl="8" indent="-406400" algn="ctr">
               <a:lnSpc>
                 <a:spcPct val="115000"/>
               </a:lnSpc>
@@ -1903,15 +1933,19 @@
               <a:defRPr/>
             </a:lvl9pPr>
           </a:lstStyle>
-          <a:p/>
+          <a:p>
+            <a:endParaRPr/>
+          </a:p>
         </p:txBody>
       </p:sp>
       <p:sp>
         <p:nvSpPr>
           <p:cNvPr id="47" name="Google Shape;47;p12"/>
-          <p:cNvSpPr txBox="1"/>
+          <p:cNvSpPr txBox="1">
+            <a:spLocks noGrp="1"/>
+          </p:cNvSpPr>
           <p:nvPr>
-            <p:ph idx="12" type="sldNum"/>
+            <p:ph type="sldNum" idx="12"/>
           </p:nvPr>
         </p:nvSpPr>
         <p:spPr>
@@ -1928,27 +1962,27 @@
           </a:ln>
         </p:spPr>
         <p:txBody>
-          <a:bodyPr anchorCtr="0" anchor="ctr" bIns="182900" lIns="182900" spcFirstLastPara="1" rIns="182900" wrap="square" tIns="182900">
+          <a:bodyPr spcFirstLastPara="1" wrap="square" lIns="182900" tIns="182900" rIns="182900" bIns="182900" anchor="ctr" anchorCtr="0">
             <a:noAutofit/>
           </a:bodyPr>
           <a:lstStyle>
-            <a:lvl1pPr indent="0" lvl="0" marL="0" marR="0" algn="r">
-              <a:lnSpc>
-                <a:spcPct val="100000"/>
-              </a:lnSpc>
-              <a:spcBef>
-                <a:spcPts val="0"/>
-              </a:spcBef>
-              <a:spcAft>
-                <a:spcPts val="0"/>
-              </a:spcAft>
-              <a:buClr>
-                <a:srgbClr val="000000"/>
-              </a:buClr>
-              <a:buSzPts val="2000"/>
-              <a:buFont typeface="Arial"/>
-              <a:buNone/>
-              <a:defRPr b="0" i="0" sz="2000" u="none" cap="none" strike="noStrike">
+            <a:lvl1pPr marL="0" marR="0" lvl="0" indent="0" algn="r">
+              <a:lnSpc>
+                <a:spcPct val="100000"/>
+              </a:lnSpc>
+              <a:spcBef>
+                <a:spcPts val="0"/>
+              </a:spcBef>
+              <a:spcAft>
+                <a:spcPts val="0"/>
+              </a:spcAft>
+              <a:buClr>
+                <a:srgbClr val="000000"/>
+              </a:buClr>
+              <a:buSzPts val="2000"/>
+              <a:buFont typeface="Arial"/>
+              <a:buNone/>
+              <a:defRPr sz="2000" b="0" i="0" u="none" strike="noStrike" cap="none">
                 <a:solidFill>
                   <a:schemeClr val="dk2"/>
                 </a:solidFill>
@@ -1958,23 +1992,23 @@
                 <a:sym typeface="Arial"/>
               </a:defRPr>
             </a:lvl1pPr>
-            <a:lvl2pPr indent="0" lvl="1" marL="0" marR="0" algn="r">
-              <a:lnSpc>
-                <a:spcPct val="100000"/>
-              </a:lnSpc>
-              <a:spcBef>
-                <a:spcPts val="0"/>
-              </a:spcBef>
-              <a:spcAft>
-                <a:spcPts val="0"/>
-              </a:spcAft>
-              <a:buClr>
-                <a:srgbClr val="000000"/>
-              </a:buClr>
-              <a:buSzPts val="2000"/>
-              <a:buFont typeface="Arial"/>
-              <a:buNone/>
-              <a:defRPr b="0" i="0" sz="2000" u="none" cap="none" strike="noStrike">
+            <a:lvl2pPr marL="0" marR="0" lvl="1" indent="0" algn="r">
+              <a:lnSpc>
+                <a:spcPct val="100000"/>
+              </a:lnSpc>
+              <a:spcBef>
+                <a:spcPts val="0"/>
+              </a:spcBef>
+              <a:spcAft>
+                <a:spcPts val="0"/>
+              </a:spcAft>
+              <a:buClr>
+                <a:srgbClr val="000000"/>
+              </a:buClr>
+              <a:buSzPts val="2000"/>
+              <a:buFont typeface="Arial"/>
+              <a:buNone/>
+              <a:defRPr sz="2000" b="0" i="0" u="none" strike="noStrike" cap="none">
                 <a:solidFill>
                   <a:schemeClr val="dk2"/>
                 </a:solidFill>
@@ -1984,23 +2018,23 @@
                 <a:sym typeface="Arial"/>
               </a:defRPr>
             </a:lvl2pPr>
-            <a:lvl3pPr indent="0" lvl="2" marL="0" marR="0" algn="r">
-              <a:lnSpc>
-                <a:spcPct val="100000"/>
-              </a:lnSpc>
-              <a:spcBef>
-                <a:spcPts val="0"/>
-              </a:spcBef>
-              <a:spcAft>
-                <a:spcPts val="0"/>
-              </a:spcAft>
-              <a:buClr>
-                <a:srgbClr val="000000"/>
-              </a:buClr>
-              <a:buSzPts val="2000"/>
-              <a:buFont typeface="Arial"/>
-              <a:buNone/>
-              <a:defRPr b="0" i="0" sz="2000" u="none" cap="none" strike="noStrike">
+            <a:lvl3pPr marL="0" marR="0" lvl="2" indent="0" algn="r">
+              <a:lnSpc>
+                <a:spcPct val="100000"/>
+              </a:lnSpc>
+              <a:spcBef>
+                <a:spcPts val="0"/>
+              </a:spcBef>
+              <a:spcAft>
+                <a:spcPts val="0"/>
+              </a:spcAft>
+              <a:buClr>
+                <a:srgbClr val="000000"/>
+              </a:buClr>
+              <a:buSzPts val="2000"/>
+              <a:buFont typeface="Arial"/>
+              <a:buNone/>
+              <a:defRPr sz="2000" b="0" i="0" u="none" strike="noStrike" cap="none">
                 <a:solidFill>
                   <a:schemeClr val="dk2"/>
                 </a:solidFill>
@@ -2010,23 +2044,23 @@
                 <a:sym typeface="Arial"/>
               </a:defRPr>
             </a:lvl3pPr>
-            <a:lvl4pPr indent="0" lvl="3" marL="0" marR="0" algn="r">
-              <a:lnSpc>
-                <a:spcPct val="100000"/>
-              </a:lnSpc>
-              <a:spcBef>
-                <a:spcPts val="0"/>
-              </a:spcBef>
-              <a:spcAft>
-                <a:spcPts val="0"/>
-              </a:spcAft>
-              <a:buClr>
-                <a:srgbClr val="000000"/>
-              </a:buClr>
-              <a:buSzPts val="2000"/>
-              <a:buFont typeface="Arial"/>
-              <a:buNone/>
-              <a:defRPr b="0" i="0" sz="2000" u="none" cap="none" strike="noStrike">
+            <a:lvl4pPr marL="0" marR="0" lvl="3" indent="0" algn="r">
+              <a:lnSpc>
+                <a:spcPct val="100000"/>
+              </a:lnSpc>
+              <a:spcBef>
+                <a:spcPts val="0"/>
+              </a:spcBef>
+              <a:spcAft>
+                <a:spcPts val="0"/>
+              </a:spcAft>
+              <a:buClr>
+                <a:srgbClr val="000000"/>
+              </a:buClr>
+              <a:buSzPts val="2000"/>
+              <a:buFont typeface="Arial"/>
+              <a:buNone/>
+              <a:defRPr sz="2000" b="0" i="0" u="none" strike="noStrike" cap="none">
                 <a:solidFill>
                   <a:schemeClr val="dk2"/>
                 </a:solidFill>
@@ -2036,23 +2070,23 @@
                 <a:sym typeface="Arial"/>
               </a:defRPr>
             </a:lvl4pPr>
-            <a:lvl5pPr indent="0" lvl="4" marL="0" marR="0" algn="r">
-              <a:lnSpc>
-                <a:spcPct val="100000"/>
-              </a:lnSpc>
-              <a:spcBef>
-                <a:spcPts val="0"/>
-              </a:spcBef>
-              <a:spcAft>
-                <a:spcPts val="0"/>
-              </a:spcAft>
-              <a:buClr>
-                <a:srgbClr val="000000"/>
-              </a:buClr>
-              <a:buSzPts val="2000"/>
-              <a:buFont typeface="Arial"/>
-              <a:buNone/>
-              <a:defRPr b="0" i="0" sz="2000" u="none" cap="none" strike="noStrike">
+            <a:lvl5pPr marL="0" marR="0" lvl="4" indent="0" algn="r">
+              <a:lnSpc>
+                <a:spcPct val="100000"/>
+              </a:lnSpc>
+              <a:spcBef>
+                <a:spcPts val="0"/>
+              </a:spcBef>
+              <a:spcAft>
+                <a:spcPts val="0"/>
+              </a:spcAft>
+              <a:buClr>
+                <a:srgbClr val="000000"/>
+              </a:buClr>
+              <a:buSzPts val="2000"/>
+              <a:buFont typeface="Arial"/>
+              <a:buNone/>
+              <a:defRPr sz="2000" b="0" i="0" u="none" strike="noStrike" cap="none">
                 <a:solidFill>
                   <a:schemeClr val="dk2"/>
                 </a:solidFill>
@@ -2062,23 +2096,23 @@
                 <a:sym typeface="Arial"/>
               </a:defRPr>
             </a:lvl5pPr>
-            <a:lvl6pPr indent="0" lvl="5" marL="0" marR="0" algn="r">
-              <a:lnSpc>
-                <a:spcPct val="100000"/>
-              </a:lnSpc>
-              <a:spcBef>
-                <a:spcPts val="0"/>
-              </a:spcBef>
-              <a:spcAft>
-                <a:spcPts val="0"/>
-              </a:spcAft>
-              <a:buClr>
-                <a:srgbClr val="000000"/>
-              </a:buClr>
-              <a:buSzPts val="2000"/>
-              <a:buFont typeface="Arial"/>
-              <a:buNone/>
-              <a:defRPr b="0" i="0" sz="2000" u="none" cap="none" strike="noStrike">
+            <a:lvl6pPr marL="0" marR="0" lvl="5" indent="0" algn="r">
+              <a:lnSpc>
+                <a:spcPct val="100000"/>
+              </a:lnSpc>
+              <a:spcBef>
+                <a:spcPts val="0"/>
+              </a:spcBef>
+              <a:spcAft>
+                <a:spcPts val="0"/>
+              </a:spcAft>
+              <a:buClr>
+                <a:srgbClr val="000000"/>
+              </a:buClr>
+              <a:buSzPts val="2000"/>
+              <a:buFont typeface="Arial"/>
+              <a:buNone/>
+              <a:defRPr sz="2000" b="0" i="0" u="none" strike="noStrike" cap="none">
                 <a:solidFill>
                   <a:schemeClr val="dk2"/>
                 </a:solidFill>
@@ -2088,23 +2122,23 @@
                 <a:sym typeface="Arial"/>
               </a:defRPr>
             </a:lvl6pPr>
-            <a:lvl7pPr indent="0" lvl="6" marL="0" marR="0" algn="r">
-              <a:lnSpc>
-                <a:spcPct val="100000"/>
-              </a:lnSpc>
-              <a:spcBef>
-                <a:spcPts val="0"/>
-              </a:spcBef>
-              <a:spcAft>
-                <a:spcPts val="0"/>
-              </a:spcAft>
-              <a:buClr>
-                <a:srgbClr val="000000"/>
-              </a:buClr>
-              <a:buSzPts val="2000"/>
-              <a:buFont typeface="Arial"/>
-              <a:buNone/>
-              <a:defRPr b="0" i="0" sz="2000" u="none" cap="none" strike="noStrike">
+            <a:lvl7pPr marL="0" marR="0" lvl="6" indent="0" algn="r">
+              <a:lnSpc>
+                <a:spcPct val="100000"/>
+              </a:lnSpc>
+              <a:spcBef>
+                <a:spcPts val="0"/>
+              </a:spcBef>
+              <a:spcAft>
+                <a:spcPts val="0"/>
+              </a:spcAft>
+              <a:buClr>
+                <a:srgbClr val="000000"/>
+              </a:buClr>
+              <a:buSzPts val="2000"/>
+              <a:buFont typeface="Arial"/>
+              <a:buNone/>
+              <a:defRPr sz="2000" b="0" i="0" u="none" strike="noStrike" cap="none">
                 <a:solidFill>
                   <a:schemeClr val="dk2"/>
                 </a:solidFill>
@@ -2114,23 +2148,23 @@
                 <a:sym typeface="Arial"/>
               </a:defRPr>
             </a:lvl7pPr>
-            <a:lvl8pPr indent="0" lvl="7" marL="0" marR="0" algn="r">
-              <a:lnSpc>
-                <a:spcPct val="100000"/>
-              </a:lnSpc>
-              <a:spcBef>
-                <a:spcPts val="0"/>
-              </a:spcBef>
-              <a:spcAft>
-                <a:spcPts val="0"/>
-              </a:spcAft>
-              <a:buClr>
-                <a:srgbClr val="000000"/>
-              </a:buClr>
-              <a:buSzPts val="2000"/>
-              <a:buFont typeface="Arial"/>
-              <a:buNone/>
-              <a:defRPr b="0" i="0" sz="2000" u="none" cap="none" strike="noStrike">
+            <a:lvl8pPr marL="0" marR="0" lvl="7" indent="0" algn="r">
+              <a:lnSpc>
+                <a:spcPct val="100000"/>
+              </a:lnSpc>
+              <a:spcBef>
+                <a:spcPts val="0"/>
+              </a:spcBef>
+              <a:spcAft>
+                <a:spcPts val="0"/>
+              </a:spcAft>
+              <a:buClr>
+                <a:srgbClr val="000000"/>
+              </a:buClr>
+              <a:buSzPts val="2000"/>
+              <a:buFont typeface="Arial"/>
+              <a:buNone/>
+              <a:defRPr sz="2000" b="0" i="0" u="none" strike="noStrike" cap="none">
                 <a:solidFill>
                   <a:schemeClr val="dk2"/>
                 </a:solidFill>
@@ -2140,23 +2174,23 @@
                 <a:sym typeface="Arial"/>
               </a:defRPr>
             </a:lvl8pPr>
-            <a:lvl9pPr indent="0" lvl="8" marL="0" marR="0" algn="r">
-              <a:lnSpc>
-                <a:spcPct val="100000"/>
-              </a:lnSpc>
-              <a:spcBef>
-                <a:spcPts val="0"/>
-              </a:spcBef>
-              <a:spcAft>
-                <a:spcPts val="0"/>
-              </a:spcAft>
-              <a:buClr>
-                <a:srgbClr val="000000"/>
-              </a:buClr>
-              <a:buSzPts val="2000"/>
-              <a:buFont typeface="Arial"/>
-              <a:buNone/>
-              <a:defRPr b="0" i="0" sz="2000" u="none" cap="none" strike="noStrike">
+            <a:lvl9pPr marL="0" marR="0" lvl="8" indent="0" algn="r">
+              <a:lnSpc>
+                <a:spcPct val="100000"/>
+              </a:lnSpc>
+              <a:spcBef>
+                <a:spcPts val="0"/>
+              </a:spcBef>
+              <a:spcAft>
+                <a:spcPts val="0"/>
+              </a:spcAft>
+              <a:buClr>
+                <a:srgbClr val="000000"/>
+              </a:buClr>
+              <a:buSzPts val="2000"/>
+              <a:buFont typeface="Arial"/>
+              <a:buNone/>
+              <a:defRPr sz="2000" b="0" i="0" u="none" strike="noStrike" cap="none">
                 <a:solidFill>
                   <a:schemeClr val="dk2"/>
                 </a:solidFill>
@@ -2168,7 +2202,7 @@
             </a:lvl9pPr>
           </a:lstStyle>
           <a:p>
-            <a:pPr indent="0" lvl="0" marL="0" rtl="0" algn="r">
+            <a:pPr marL="0" lvl="0" indent="0" algn="r" rtl="0">
               <a:spcBef>
                 <a:spcPts val="0"/>
               </a:spcBef>
@@ -2194,11 +2228,11 @@
 </file>
 
 <file path=ppt/slideLayouts/slideLayout11.xml><?xml version="1.0" encoding="utf-8"?>
-<p:sldLayout xmlns:a="http://schemas.openxmlformats.org/drawingml/2006/main" xmlns:r="http://schemas.openxmlformats.org/officeDocument/2006/relationships" xmlns:mc="http://schemas.openxmlformats.org/markup-compatibility/2006" xmlns:mv="urn:schemas-microsoft-com:mac:vml" xmlns:p="http://schemas.openxmlformats.org/presentationml/2006/main" xmlns:c="http://schemas.openxmlformats.org/drawingml/2006/chart" xmlns:dgm="http://schemas.openxmlformats.org/drawingml/2006/diagram" xmlns:o="urn:schemas-microsoft-com:office:office" xmlns:v="urn:schemas-microsoft-com:vml" xmlns:pvml="urn:schemas-microsoft-com:office:powerpoint" xmlns:com="http://schemas.openxmlformats.org/drawingml/2006/compatibility" xmlns:p14="http://schemas.microsoft.com/office/powerpoint/2010/main" xmlns:p15="http://schemas.microsoft.com/office/powerpoint/2012/main" matchingName="Blank" type="blank">
+<p:sldLayout xmlns:a="http://schemas.openxmlformats.org/drawingml/2006/main" xmlns:r="http://schemas.openxmlformats.org/officeDocument/2006/relationships" xmlns:p="http://schemas.openxmlformats.org/presentationml/2006/main" matchingName="Blank" type="blank">
   <p:cSld name="BLANK">
     <p:spTree>
       <p:nvGrpSpPr>
-        <p:cNvPr id="48" name="Shape 48"/>
+        <p:cNvPr id="1" name="Shape 48"/>
         <p:cNvGrpSpPr/>
         <p:nvPr/>
       </p:nvGrpSpPr>
@@ -2213,9 +2247,11 @@
       <p:sp>
         <p:nvSpPr>
           <p:cNvPr id="49" name="Google Shape;49;p13"/>
-          <p:cNvSpPr txBox="1"/>
+          <p:cNvSpPr txBox="1">
+            <a:spLocks noGrp="1"/>
+          </p:cNvSpPr>
           <p:nvPr>
-            <p:ph idx="12" type="sldNum"/>
+            <p:ph type="sldNum" idx="12"/>
           </p:nvPr>
         </p:nvSpPr>
         <p:spPr>
@@ -2232,27 +2268,27 @@
           </a:ln>
         </p:spPr>
         <p:txBody>
-          <a:bodyPr anchorCtr="0" anchor="ctr" bIns="182900" lIns="182900" spcFirstLastPara="1" rIns="182900" wrap="square" tIns="182900">
+          <a:bodyPr spcFirstLastPara="1" wrap="square" lIns="182900" tIns="182900" rIns="182900" bIns="182900" anchor="ctr" anchorCtr="0">
             <a:noAutofit/>
           </a:bodyPr>
           <a:lstStyle>
-            <a:lvl1pPr indent="0" lvl="0" marL="0" marR="0" algn="r">
-              <a:lnSpc>
-                <a:spcPct val="100000"/>
-              </a:lnSpc>
-              <a:spcBef>
-                <a:spcPts val="0"/>
-              </a:spcBef>
-              <a:spcAft>
-                <a:spcPts val="0"/>
-              </a:spcAft>
-              <a:buClr>
-                <a:srgbClr val="000000"/>
-              </a:buClr>
-              <a:buSzPts val="2000"/>
-              <a:buFont typeface="Arial"/>
-              <a:buNone/>
-              <a:defRPr b="0" i="0" sz="2000" u="none" cap="none" strike="noStrike">
+            <a:lvl1pPr marL="0" marR="0" lvl="0" indent="0" algn="r">
+              <a:lnSpc>
+                <a:spcPct val="100000"/>
+              </a:lnSpc>
+              <a:spcBef>
+                <a:spcPts val="0"/>
+              </a:spcBef>
+              <a:spcAft>
+                <a:spcPts val="0"/>
+              </a:spcAft>
+              <a:buClr>
+                <a:srgbClr val="000000"/>
+              </a:buClr>
+              <a:buSzPts val="2000"/>
+              <a:buFont typeface="Arial"/>
+              <a:buNone/>
+              <a:defRPr sz="2000" b="0" i="0" u="none" strike="noStrike" cap="none">
                 <a:solidFill>
                   <a:schemeClr val="dk2"/>
                 </a:solidFill>
@@ -2262,23 +2298,23 @@
                 <a:sym typeface="Arial"/>
               </a:defRPr>
             </a:lvl1pPr>
-            <a:lvl2pPr indent="0" lvl="1" marL="0" marR="0" algn="r">
-              <a:lnSpc>
-                <a:spcPct val="100000"/>
-              </a:lnSpc>
-              <a:spcBef>
-                <a:spcPts val="0"/>
-              </a:spcBef>
-              <a:spcAft>
-                <a:spcPts val="0"/>
-              </a:spcAft>
-              <a:buClr>
-                <a:srgbClr val="000000"/>
-              </a:buClr>
-              <a:buSzPts val="2000"/>
-              <a:buFont typeface="Arial"/>
-              <a:buNone/>
-              <a:defRPr b="0" i="0" sz="2000" u="none" cap="none" strike="noStrike">
+            <a:lvl2pPr marL="0" marR="0" lvl="1" indent="0" algn="r">
+              <a:lnSpc>
+                <a:spcPct val="100000"/>
+              </a:lnSpc>
+              <a:spcBef>
+                <a:spcPts val="0"/>
+              </a:spcBef>
+              <a:spcAft>
+                <a:spcPts val="0"/>
+              </a:spcAft>
+              <a:buClr>
+                <a:srgbClr val="000000"/>
+              </a:buClr>
+              <a:buSzPts val="2000"/>
+              <a:buFont typeface="Arial"/>
+              <a:buNone/>
+              <a:defRPr sz="2000" b="0" i="0" u="none" strike="noStrike" cap="none">
                 <a:solidFill>
                   <a:schemeClr val="dk2"/>
                 </a:solidFill>
@@ -2288,23 +2324,23 @@
                 <a:sym typeface="Arial"/>
               </a:defRPr>
             </a:lvl2pPr>
-            <a:lvl3pPr indent="0" lvl="2" marL="0" marR="0" algn="r">
-              <a:lnSpc>
-                <a:spcPct val="100000"/>
-              </a:lnSpc>
-              <a:spcBef>
-                <a:spcPts val="0"/>
-              </a:spcBef>
-              <a:spcAft>
-                <a:spcPts val="0"/>
-              </a:spcAft>
-              <a:buClr>
-                <a:srgbClr val="000000"/>
-              </a:buClr>
-              <a:buSzPts val="2000"/>
-              <a:buFont typeface="Arial"/>
-              <a:buNone/>
-              <a:defRPr b="0" i="0" sz="2000" u="none" cap="none" strike="noStrike">
+            <a:lvl3pPr marL="0" marR="0" lvl="2" indent="0" algn="r">
+              <a:lnSpc>
+                <a:spcPct val="100000"/>
+              </a:lnSpc>
+              <a:spcBef>
+                <a:spcPts val="0"/>
+              </a:spcBef>
+              <a:spcAft>
+                <a:spcPts val="0"/>
+              </a:spcAft>
+              <a:buClr>
+                <a:srgbClr val="000000"/>
+              </a:buClr>
+              <a:buSzPts val="2000"/>
+              <a:buFont typeface="Arial"/>
+              <a:buNone/>
+              <a:defRPr sz="2000" b="0" i="0" u="none" strike="noStrike" cap="none">
                 <a:solidFill>
                   <a:schemeClr val="dk2"/>
                 </a:solidFill>
@@ -2314,23 +2350,23 @@
                 <a:sym typeface="Arial"/>
               </a:defRPr>
             </a:lvl3pPr>
-            <a:lvl4pPr indent="0" lvl="3" marL="0" marR="0" algn="r">
-              <a:lnSpc>
-                <a:spcPct val="100000"/>
-              </a:lnSpc>
-              <a:spcBef>
-                <a:spcPts val="0"/>
-              </a:spcBef>
-              <a:spcAft>
-                <a:spcPts val="0"/>
-              </a:spcAft>
-              <a:buClr>
-                <a:srgbClr val="000000"/>
-              </a:buClr>
-              <a:buSzPts val="2000"/>
-              <a:buFont typeface="Arial"/>
-              <a:buNone/>
-              <a:defRPr b="0" i="0" sz="2000" u="none" cap="none" strike="noStrike">
+            <a:lvl4pPr marL="0" marR="0" lvl="3" indent="0" algn="r">
+              <a:lnSpc>
+                <a:spcPct val="100000"/>
+              </a:lnSpc>
+              <a:spcBef>
+                <a:spcPts val="0"/>
+              </a:spcBef>
+              <a:spcAft>
+                <a:spcPts val="0"/>
+              </a:spcAft>
+              <a:buClr>
+                <a:srgbClr val="000000"/>
+              </a:buClr>
+              <a:buSzPts val="2000"/>
+              <a:buFont typeface="Arial"/>
+              <a:buNone/>
+              <a:defRPr sz="2000" b="0" i="0" u="none" strike="noStrike" cap="none">
                 <a:solidFill>
                   <a:schemeClr val="dk2"/>
                 </a:solidFill>
@@ -2340,23 +2376,23 @@
                 <a:sym typeface="Arial"/>
               </a:defRPr>
             </a:lvl4pPr>
-            <a:lvl5pPr indent="0" lvl="4" marL="0" marR="0" algn="r">
-              <a:lnSpc>
-                <a:spcPct val="100000"/>
-              </a:lnSpc>
-              <a:spcBef>
-                <a:spcPts val="0"/>
-              </a:spcBef>
-              <a:spcAft>
-                <a:spcPts val="0"/>
-              </a:spcAft>
-              <a:buClr>
-                <a:srgbClr val="000000"/>
-              </a:buClr>
-              <a:buSzPts val="2000"/>
-              <a:buFont typeface="Arial"/>
-              <a:buNone/>
-              <a:defRPr b="0" i="0" sz="2000" u="none" cap="none" strike="noStrike">
+            <a:lvl5pPr marL="0" marR="0" lvl="4" indent="0" algn="r">
+              <a:lnSpc>
+                <a:spcPct val="100000"/>
+              </a:lnSpc>
+              <a:spcBef>
+                <a:spcPts val="0"/>
+              </a:spcBef>
+              <a:spcAft>
+                <a:spcPts val="0"/>
+              </a:spcAft>
+              <a:buClr>
+                <a:srgbClr val="000000"/>
+              </a:buClr>
+              <a:buSzPts val="2000"/>
+              <a:buFont typeface="Arial"/>
+              <a:buNone/>
+              <a:defRPr sz="2000" b="0" i="0" u="none" strike="noStrike" cap="none">
                 <a:solidFill>
                   <a:schemeClr val="dk2"/>
                 </a:solidFill>
@@ -2366,23 +2402,23 @@
                 <a:sym typeface="Arial"/>
               </a:defRPr>
             </a:lvl5pPr>
-            <a:lvl6pPr indent="0" lvl="5" marL="0" marR="0" algn="r">
-              <a:lnSpc>
-                <a:spcPct val="100000"/>
-              </a:lnSpc>
-              <a:spcBef>
-                <a:spcPts val="0"/>
-              </a:spcBef>
-              <a:spcAft>
-                <a:spcPts val="0"/>
-              </a:spcAft>
-              <a:buClr>
-                <a:srgbClr val="000000"/>
-              </a:buClr>
-              <a:buSzPts val="2000"/>
-              <a:buFont typeface="Arial"/>
-              <a:buNone/>
-              <a:defRPr b="0" i="0" sz="2000" u="none" cap="none" strike="noStrike">
+            <a:lvl6pPr marL="0" marR="0" lvl="5" indent="0" algn="r">
+              <a:lnSpc>
+                <a:spcPct val="100000"/>
+              </a:lnSpc>
+              <a:spcBef>
+                <a:spcPts val="0"/>
+              </a:spcBef>
+              <a:spcAft>
+                <a:spcPts val="0"/>
+              </a:spcAft>
+              <a:buClr>
+                <a:srgbClr val="000000"/>
+              </a:buClr>
+              <a:buSzPts val="2000"/>
+              <a:buFont typeface="Arial"/>
+              <a:buNone/>
+              <a:defRPr sz="2000" b="0" i="0" u="none" strike="noStrike" cap="none">
                 <a:solidFill>
                   <a:schemeClr val="dk2"/>
                 </a:solidFill>
@@ -2392,23 +2428,23 @@
                 <a:sym typeface="Arial"/>
               </a:defRPr>
             </a:lvl6pPr>
-            <a:lvl7pPr indent="0" lvl="6" marL="0" marR="0" algn="r">
-              <a:lnSpc>
-                <a:spcPct val="100000"/>
-              </a:lnSpc>
-              <a:spcBef>
-                <a:spcPts val="0"/>
-              </a:spcBef>
-              <a:spcAft>
-                <a:spcPts val="0"/>
-              </a:spcAft>
-              <a:buClr>
-                <a:srgbClr val="000000"/>
-              </a:buClr>
-              <a:buSzPts val="2000"/>
-              <a:buFont typeface="Arial"/>
-              <a:buNone/>
-              <a:defRPr b="0" i="0" sz="2000" u="none" cap="none" strike="noStrike">
+            <a:lvl7pPr marL="0" marR="0" lvl="6" indent="0" algn="r">
+              <a:lnSpc>
+                <a:spcPct val="100000"/>
+              </a:lnSpc>
+              <a:spcBef>
+                <a:spcPts val="0"/>
+              </a:spcBef>
+              <a:spcAft>
+                <a:spcPts val="0"/>
+              </a:spcAft>
+              <a:buClr>
+                <a:srgbClr val="000000"/>
+              </a:buClr>
+              <a:buSzPts val="2000"/>
+              <a:buFont typeface="Arial"/>
+              <a:buNone/>
+              <a:defRPr sz="2000" b="0" i="0" u="none" strike="noStrike" cap="none">
                 <a:solidFill>
                   <a:schemeClr val="dk2"/>
                 </a:solidFill>
@@ -2418,23 +2454,23 @@
                 <a:sym typeface="Arial"/>
               </a:defRPr>
             </a:lvl7pPr>
-            <a:lvl8pPr indent="0" lvl="7" marL="0" marR="0" algn="r">
-              <a:lnSpc>
-                <a:spcPct val="100000"/>
-              </a:lnSpc>
-              <a:spcBef>
-                <a:spcPts val="0"/>
-              </a:spcBef>
-              <a:spcAft>
-                <a:spcPts val="0"/>
-              </a:spcAft>
-              <a:buClr>
-                <a:srgbClr val="000000"/>
-              </a:buClr>
-              <a:buSzPts val="2000"/>
-              <a:buFont typeface="Arial"/>
-              <a:buNone/>
-              <a:defRPr b="0" i="0" sz="2000" u="none" cap="none" strike="noStrike">
+            <a:lvl8pPr marL="0" marR="0" lvl="7" indent="0" algn="r">
+              <a:lnSpc>
+                <a:spcPct val="100000"/>
+              </a:lnSpc>
+              <a:spcBef>
+                <a:spcPts val="0"/>
+              </a:spcBef>
+              <a:spcAft>
+                <a:spcPts val="0"/>
+              </a:spcAft>
+              <a:buClr>
+                <a:srgbClr val="000000"/>
+              </a:buClr>
+              <a:buSzPts val="2000"/>
+              <a:buFont typeface="Arial"/>
+              <a:buNone/>
+              <a:defRPr sz="2000" b="0" i="0" u="none" strike="noStrike" cap="none">
                 <a:solidFill>
                   <a:schemeClr val="dk2"/>
                 </a:solidFill>
@@ -2444,23 +2480,23 @@
                 <a:sym typeface="Arial"/>
               </a:defRPr>
             </a:lvl8pPr>
-            <a:lvl9pPr indent="0" lvl="8" marL="0" marR="0" algn="r">
-              <a:lnSpc>
-                <a:spcPct val="100000"/>
-              </a:lnSpc>
-              <a:spcBef>
-                <a:spcPts val="0"/>
-              </a:spcBef>
-              <a:spcAft>
-                <a:spcPts val="0"/>
-              </a:spcAft>
-              <a:buClr>
-                <a:srgbClr val="000000"/>
-              </a:buClr>
-              <a:buSzPts val="2000"/>
-              <a:buFont typeface="Arial"/>
-              <a:buNone/>
-              <a:defRPr b="0" i="0" sz="2000" u="none" cap="none" strike="noStrike">
+            <a:lvl9pPr marL="0" marR="0" lvl="8" indent="0" algn="r">
+              <a:lnSpc>
+                <a:spcPct val="100000"/>
+              </a:lnSpc>
+              <a:spcBef>
+                <a:spcPts val="0"/>
+              </a:spcBef>
+              <a:spcAft>
+                <a:spcPts val="0"/>
+              </a:spcAft>
+              <a:buClr>
+                <a:srgbClr val="000000"/>
+              </a:buClr>
+              <a:buSzPts val="2000"/>
+              <a:buFont typeface="Arial"/>
+              <a:buNone/>
+              <a:defRPr sz="2000" b="0" i="0" u="none" strike="noStrike" cap="none">
                 <a:solidFill>
                   <a:schemeClr val="dk2"/>
                 </a:solidFill>
@@ -2472,7 +2508,7 @@
             </a:lvl9pPr>
           </a:lstStyle>
           <a:p>
-            <a:pPr indent="0" lvl="0" marL="0" rtl="0" algn="r">
+            <a:pPr marL="0" lvl="0" indent="0" algn="r" rtl="0">
               <a:spcBef>
                 <a:spcPts val="0"/>
               </a:spcBef>
@@ -2498,11 +2534,11 @@
 </file>
 
 <file path=ppt/slideLayouts/slideLayout2.xml><?xml version="1.0" encoding="utf-8"?>
-<p:sldLayout xmlns:a="http://schemas.openxmlformats.org/drawingml/2006/main" xmlns:r="http://schemas.openxmlformats.org/officeDocument/2006/relationships" xmlns:mc="http://schemas.openxmlformats.org/markup-compatibility/2006" xmlns:mv="urn:schemas-microsoft-com:mac:vml" xmlns:p="http://schemas.openxmlformats.org/presentationml/2006/main" xmlns:c="http://schemas.openxmlformats.org/drawingml/2006/chart" xmlns:dgm="http://schemas.openxmlformats.org/drawingml/2006/diagram" xmlns:o="urn:schemas-microsoft-com:office:office" xmlns:v="urn:schemas-microsoft-com:vml" xmlns:pvml="urn:schemas-microsoft-com:office:powerpoint" xmlns:com="http://schemas.openxmlformats.org/drawingml/2006/compatibility" xmlns:p14="http://schemas.microsoft.com/office/powerpoint/2010/main" xmlns:p15="http://schemas.microsoft.com/office/powerpoint/2012/main" matchingName="Section header" type="secHead">
+<p:sldLayout xmlns:a="http://schemas.openxmlformats.org/drawingml/2006/main" xmlns:r="http://schemas.openxmlformats.org/officeDocument/2006/relationships" xmlns:p="http://schemas.openxmlformats.org/presentationml/2006/main" matchingName="Section header" type="secHead">
   <p:cSld name="SECTION_HEADER">
     <p:spTree>
       <p:nvGrpSpPr>
-        <p:cNvPr id="13" name="Shape 13"/>
+        <p:cNvPr id="1" name="Shape 13"/>
         <p:cNvGrpSpPr/>
         <p:nvPr/>
       </p:nvGrpSpPr>
@@ -2517,7 +2553,9 @@
       <p:sp>
         <p:nvSpPr>
           <p:cNvPr id="14" name="Google Shape;14;p4"/>
-          <p:cNvSpPr txBox="1"/>
+          <p:cNvSpPr txBox="1">
+            <a:spLocks noGrp="1"/>
+          </p:cNvSpPr>
           <p:nvPr>
             <p:ph type="title"/>
           </p:nvPr>
@@ -2536,7 +2574,7 @@
           </a:ln>
         </p:spPr>
         <p:txBody>
-          <a:bodyPr anchorCtr="0" anchor="ctr" bIns="182900" lIns="182900" spcFirstLastPara="1" rIns="182900" wrap="square" tIns="182900">
+          <a:bodyPr spcFirstLastPara="1" wrap="square" lIns="182900" tIns="182900" rIns="182900" bIns="182900" anchor="ctr" anchorCtr="0">
             <a:noAutofit/>
           </a:bodyPr>
           <a:lstStyle>
@@ -2667,15 +2705,19 @@
               <a:defRPr sz="7200"/>
             </a:lvl9pPr>
           </a:lstStyle>
-          <a:p/>
+          <a:p>
+            <a:endParaRPr/>
+          </a:p>
         </p:txBody>
       </p:sp>
       <p:sp>
         <p:nvSpPr>
           <p:cNvPr id="15" name="Google Shape;15;p4"/>
-          <p:cNvSpPr txBox="1"/>
+          <p:cNvSpPr txBox="1">
+            <a:spLocks noGrp="1"/>
+          </p:cNvSpPr>
           <p:nvPr>
-            <p:ph idx="12" type="sldNum"/>
+            <p:ph type="sldNum" idx="12"/>
           </p:nvPr>
         </p:nvSpPr>
         <p:spPr>
@@ -2692,27 +2734,27 @@
           </a:ln>
         </p:spPr>
         <p:txBody>
-          <a:bodyPr anchorCtr="0" anchor="ctr" bIns="182900" lIns="182900" spcFirstLastPara="1" rIns="182900" wrap="square" tIns="182900">
+          <a:bodyPr spcFirstLastPara="1" wrap="square" lIns="182900" tIns="182900" rIns="182900" bIns="182900" anchor="ctr" anchorCtr="0">
             <a:noAutofit/>
           </a:bodyPr>
           <a:lstStyle>
-            <a:lvl1pPr indent="0" lvl="0" marL="0" marR="0" algn="r">
-              <a:lnSpc>
-                <a:spcPct val="100000"/>
-              </a:lnSpc>
-              <a:spcBef>
-                <a:spcPts val="0"/>
-              </a:spcBef>
-              <a:spcAft>
-                <a:spcPts val="0"/>
-              </a:spcAft>
-              <a:buClr>
-                <a:srgbClr val="000000"/>
-              </a:buClr>
-              <a:buSzPts val="2000"/>
-              <a:buFont typeface="Arial"/>
-              <a:buNone/>
-              <a:defRPr b="0" i="0" sz="2000" u="none" cap="none" strike="noStrike">
+            <a:lvl1pPr marL="0" marR="0" lvl="0" indent="0" algn="r">
+              <a:lnSpc>
+                <a:spcPct val="100000"/>
+              </a:lnSpc>
+              <a:spcBef>
+                <a:spcPts val="0"/>
+              </a:spcBef>
+              <a:spcAft>
+                <a:spcPts val="0"/>
+              </a:spcAft>
+              <a:buClr>
+                <a:srgbClr val="000000"/>
+              </a:buClr>
+              <a:buSzPts val="2000"/>
+              <a:buFont typeface="Arial"/>
+              <a:buNone/>
+              <a:defRPr sz="2000" b="0" i="0" u="none" strike="noStrike" cap="none">
                 <a:solidFill>
                   <a:schemeClr val="dk2"/>
                 </a:solidFill>
@@ -2722,23 +2764,23 @@
                 <a:sym typeface="Arial"/>
               </a:defRPr>
             </a:lvl1pPr>
-            <a:lvl2pPr indent="0" lvl="1" marL="0" marR="0" algn="r">
-              <a:lnSpc>
-                <a:spcPct val="100000"/>
-              </a:lnSpc>
-              <a:spcBef>
-                <a:spcPts val="0"/>
-              </a:spcBef>
-              <a:spcAft>
-                <a:spcPts val="0"/>
-              </a:spcAft>
-              <a:buClr>
-                <a:srgbClr val="000000"/>
-              </a:buClr>
-              <a:buSzPts val="2000"/>
-              <a:buFont typeface="Arial"/>
-              <a:buNone/>
-              <a:defRPr b="0" i="0" sz="2000" u="none" cap="none" strike="noStrike">
+            <a:lvl2pPr marL="0" marR="0" lvl="1" indent="0" algn="r">
+              <a:lnSpc>
+                <a:spcPct val="100000"/>
+              </a:lnSpc>
+              <a:spcBef>
+                <a:spcPts val="0"/>
+              </a:spcBef>
+              <a:spcAft>
+                <a:spcPts val="0"/>
+              </a:spcAft>
+              <a:buClr>
+                <a:srgbClr val="000000"/>
+              </a:buClr>
+              <a:buSzPts val="2000"/>
+              <a:buFont typeface="Arial"/>
+              <a:buNone/>
+              <a:defRPr sz="2000" b="0" i="0" u="none" strike="noStrike" cap="none">
                 <a:solidFill>
                   <a:schemeClr val="dk2"/>
                 </a:solidFill>
@@ -2748,23 +2790,23 @@
                 <a:sym typeface="Arial"/>
               </a:defRPr>
             </a:lvl2pPr>
-            <a:lvl3pPr indent="0" lvl="2" marL="0" marR="0" algn="r">
-              <a:lnSpc>
-                <a:spcPct val="100000"/>
-              </a:lnSpc>
-              <a:spcBef>
-                <a:spcPts val="0"/>
-              </a:spcBef>
-              <a:spcAft>
-                <a:spcPts val="0"/>
-              </a:spcAft>
-              <a:buClr>
-                <a:srgbClr val="000000"/>
-              </a:buClr>
-              <a:buSzPts val="2000"/>
-              <a:buFont typeface="Arial"/>
-              <a:buNone/>
-              <a:defRPr b="0" i="0" sz="2000" u="none" cap="none" strike="noStrike">
+            <a:lvl3pPr marL="0" marR="0" lvl="2" indent="0" algn="r">
+              <a:lnSpc>
+                <a:spcPct val="100000"/>
+              </a:lnSpc>
+              <a:spcBef>
+                <a:spcPts val="0"/>
+              </a:spcBef>
+              <a:spcAft>
+                <a:spcPts val="0"/>
+              </a:spcAft>
+              <a:buClr>
+                <a:srgbClr val="000000"/>
+              </a:buClr>
+              <a:buSzPts val="2000"/>
+              <a:buFont typeface="Arial"/>
+              <a:buNone/>
+              <a:defRPr sz="2000" b="0" i="0" u="none" strike="noStrike" cap="none">
                 <a:solidFill>
                   <a:schemeClr val="dk2"/>
                 </a:solidFill>
@@ -2774,23 +2816,23 @@
                 <a:sym typeface="Arial"/>
               </a:defRPr>
             </a:lvl3pPr>
-            <a:lvl4pPr indent="0" lvl="3" marL="0" marR="0" algn="r">
-              <a:lnSpc>
-                <a:spcPct val="100000"/>
-              </a:lnSpc>
-              <a:spcBef>
-                <a:spcPts val="0"/>
-              </a:spcBef>
-              <a:spcAft>
-                <a:spcPts val="0"/>
-              </a:spcAft>
-              <a:buClr>
-                <a:srgbClr val="000000"/>
-              </a:buClr>
-              <a:buSzPts val="2000"/>
-              <a:buFont typeface="Arial"/>
-              <a:buNone/>
-              <a:defRPr b="0" i="0" sz="2000" u="none" cap="none" strike="noStrike">
+            <a:lvl4pPr marL="0" marR="0" lvl="3" indent="0" algn="r">
+              <a:lnSpc>
+                <a:spcPct val="100000"/>
+              </a:lnSpc>
+              <a:spcBef>
+                <a:spcPts val="0"/>
+              </a:spcBef>
+              <a:spcAft>
+                <a:spcPts val="0"/>
+              </a:spcAft>
+              <a:buClr>
+                <a:srgbClr val="000000"/>
+              </a:buClr>
+              <a:buSzPts val="2000"/>
+              <a:buFont typeface="Arial"/>
+              <a:buNone/>
+              <a:defRPr sz="2000" b="0" i="0" u="none" strike="noStrike" cap="none">
                 <a:solidFill>
                   <a:schemeClr val="dk2"/>
                 </a:solidFill>
@@ -2800,23 +2842,23 @@
                 <a:sym typeface="Arial"/>
               </a:defRPr>
             </a:lvl4pPr>
-            <a:lvl5pPr indent="0" lvl="4" marL="0" marR="0" algn="r">
-              <a:lnSpc>
-                <a:spcPct val="100000"/>
-              </a:lnSpc>
-              <a:spcBef>
-                <a:spcPts val="0"/>
-              </a:spcBef>
-              <a:spcAft>
-                <a:spcPts val="0"/>
-              </a:spcAft>
-              <a:buClr>
-                <a:srgbClr val="000000"/>
-              </a:buClr>
-              <a:buSzPts val="2000"/>
-              <a:buFont typeface="Arial"/>
-              <a:buNone/>
-              <a:defRPr b="0" i="0" sz="2000" u="none" cap="none" strike="noStrike">
+            <a:lvl5pPr marL="0" marR="0" lvl="4" indent="0" algn="r">
+              <a:lnSpc>
+                <a:spcPct val="100000"/>
+              </a:lnSpc>
+              <a:spcBef>
+                <a:spcPts val="0"/>
+              </a:spcBef>
+              <a:spcAft>
+                <a:spcPts val="0"/>
+              </a:spcAft>
+              <a:buClr>
+                <a:srgbClr val="000000"/>
+              </a:buClr>
+              <a:buSzPts val="2000"/>
+              <a:buFont typeface="Arial"/>
+              <a:buNone/>
+              <a:defRPr sz="2000" b="0" i="0" u="none" strike="noStrike" cap="none">
                 <a:solidFill>
                   <a:schemeClr val="dk2"/>
                 </a:solidFill>
@@ -2826,23 +2868,23 @@
                 <a:sym typeface="Arial"/>
               </a:defRPr>
             </a:lvl5pPr>
-            <a:lvl6pPr indent="0" lvl="5" marL="0" marR="0" algn="r">
-              <a:lnSpc>
-                <a:spcPct val="100000"/>
-              </a:lnSpc>
-              <a:spcBef>
-                <a:spcPts val="0"/>
-              </a:spcBef>
-              <a:spcAft>
-                <a:spcPts val="0"/>
-              </a:spcAft>
-              <a:buClr>
-                <a:srgbClr val="000000"/>
-              </a:buClr>
-              <a:buSzPts val="2000"/>
-              <a:buFont typeface="Arial"/>
-              <a:buNone/>
-              <a:defRPr b="0" i="0" sz="2000" u="none" cap="none" strike="noStrike">
+            <a:lvl6pPr marL="0" marR="0" lvl="5" indent="0" algn="r">
+              <a:lnSpc>
+                <a:spcPct val="100000"/>
+              </a:lnSpc>
+              <a:spcBef>
+                <a:spcPts val="0"/>
+              </a:spcBef>
+              <a:spcAft>
+                <a:spcPts val="0"/>
+              </a:spcAft>
+              <a:buClr>
+                <a:srgbClr val="000000"/>
+              </a:buClr>
+              <a:buSzPts val="2000"/>
+              <a:buFont typeface="Arial"/>
+              <a:buNone/>
+              <a:defRPr sz="2000" b="0" i="0" u="none" strike="noStrike" cap="none">
                 <a:solidFill>
                   <a:schemeClr val="dk2"/>
                 </a:solidFill>
@@ -2852,23 +2894,23 @@
                 <a:sym typeface="Arial"/>
               </a:defRPr>
             </a:lvl6pPr>
-            <a:lvl7pPr indent="0" lvl="6" marL="0" marR="0" algn="r">
-              <a:lnSpc>
-                <a:spcPct val="100000"/>
-              </a:lnSpc>
-              <a:spcBef>
-                <a:spcPts val="0"/>
-              </a:spcBef>
-              <a:spcAft>
-                <a:spcPts val="0"/>
-              </a:spcAft>
-              <a:buClr>
-                <a:srgbClr val="000000"/>
-              </a:buClr>
-              <a:buSzPts val="2000"/>
-              <a:buFont typeface="Arial"/>
-              <a:buNone/>
-              <a:defRPr b="0" i="0" sz="2000" u="none" cap="none" strike="noStrike">
+            <a:lvl7pPr marL="0" marR="0" lvl="6" indent="0" algn="r">
+              <a:lnSpc>
+                <a:spcPct val="100000"/>
+              </a:lnSpc>
+              <a:spcBef>
+                <a:spcPts val="0"/>
+              </a:spcBef>
+              <a:spcAft>
+                <a:spcPts val="0"/>
+              </a:spcAft>
+              <a:buClr>
+                <a:srgbClr val="000000"/>
+              </a:buClr>
+              <a:buSzPts val="2000"/>
+              <a:buFont typeface="Arial"/>
+              <a:buNone/>
+              <a:defRPr sz="2000" b="0" i="0" u="none" strike="noStrike" cap="none">
                 <a:solidFill>
                   <a:schemeClr val="dk2"/>
                 </a:solidFill>
@@ -2878,23 +2920,23 @@
                 <a:sym typeface="Arial"/>
               </a:defRPr>
             </a:lvl7pPr>
-            <a:lvl8pPr indent="0" lvl="7" marL="0" marR="0" algn="r">
-              <a:lnSpc>
-                <a:spcPct val="100000"/>
-              </a:lnSpc>
-              <a:spcBef>
-                <a:spcPts val="0"/>
-              </a:spcBef>
-              <a:spcAft>
-                <a:spcPts val="0"/>
-              </a:spcAft>
-              <a:buClr>
-                <a:srgbClr val="000000"/>
-              </a:buClr>
-              <a:buSzPts val="2000"/>
-              <a:buFont typeface="Arial"/>
-              <a:buNone/>
-              <a:defRPr b="0" i="0" sz="2000" u="none" cap="none" strike="noStrike">
+            <a:lvl8pPr marL="0" marR="0" lvl="7" indent="0" algn="r">
+              <a:lnSpc>
+                <a:spcPct val="100000"/>
+              </a:lnSpc>
+              <a:spcBef>
+                <a:spcPts val="0"/>
+              </a:spcBef>
+              <a:spcAft>
+                <a:spcPts val="0"/>
+              </a:spcAft>
+              <a:buClr>
+                <a:srgbClr val="000000"/>
+              </a:buClr>
+              <a:buSzPts val="2000"/>
+              <a:buFont typeface="Arial"/>
+              <a:buNone/>
+              <a:defRPr sz="2000" b="0" i="0" u="none" strike="noStrike" cap="none">
                 <a:solidFill>
                   <a:schemeClr val="dk2"/>
                 </a:solidFill>
@@ -2904,23 +2946,23 @@
                 <a:sym typeface="Arial"/>
               </a:defRPr>
             </a:lvl8pPr>
-            <a:lvl9pPr indent="0" lvl="8" marL="0" marR="0" algn="r">
-              <a:lnSpc>
-                <a:spcPct val="100000"/>
-              </a:lnSpc>
-              <a:spcBef>
-                <a:spcPts val="0"/>
-              </a:spcBef>
-              <a:spcAft>
-                <a:spcPts val="0"/>
-              </a:spcAft>
-              <a:buClr>
-                <a:srgbClr val="000000"/>
-              </a:buClr>
-              <a:buSzPts val="2000"/>
-              <a:buFont typeface="Arial"/>
-              <a:buNone/>
-              <a:defRPr b="0" i="0" sz="2000" u="none" cap="none" strike="noStrike">
+            <a:lvl9pPr marL="0" marR="0" lvl="8" indent="0" algn="r">
+              <a:lnSpc>
+                <a:spcPct val="100000"/>
+              </a:lnSpc>
+              <a:spcBef>
+                <a:spcPts val="0"/>
+              </a:spcBef>
+              <a:spcAft>
+                <a:spcPts val="0"/>
+              </a:spcAft>
+              <a:buClr>
+                <a:srgbClr val="000000"/>
+              </a:buClr>
+              <a:buSzPts val="2000"/>
+              <a:buFont typeface="Arial"/>
+              <a:buNone/>
+              <a:defRPr sz="2000" b="0" i="0" u="none" strike="noStrike" cap="none">
                 <a:solidFill>
                   <a:schemeClr val="dk2"/>
                 </a:solidFill>
@@ -2932,7 +2974,7 @@
             </a:lvl9pPr>
           </a:lstStyle>
           <a:p>
-            <a:pPr indent="0" lvl="0" marL="0" rtl="0" algn="r">
+            <a:pPr marL="0" lvl="0" indent="0" algn="r" rtl="0">
               <a:spcBef>
                 <a:spcPts val="0"/>
               </a:spcBef>
@@ -2958,11 +3000,11 @@
 </file>
 
 <file path=ppt/slideLayouts/slideLayout3.xml><?xml version="1.0" encoding="utf-8"?>
-<p:sldLayout xmlns:a="http://schemas.openxmlformats.org/drawingml/2006/main" xmlns:r="http://schemas.openxmlformats.org/officeDocument/2006/relationships" xmlns:mc="http://schemas.openxmlformats.org/markup-compatibility/2006" xmlns:mv="urn:schemas-microsoft-com:mac:vml" xmlns:p="http://schemas.openxmlformats.org/presentationml/2006/main" xmlns:c="http://schemas.openxmlformats.org/drawingml/2006/chart" xmlns:dgm="http://schemas.openxmlformats.org/drawingml/2006/diagram" xmlns:o="urn:schemas-microsoft-com:office:office" xmlns:v="urn:schemas-microsoft-com:vml" xmlns:pvml="urn:schemas-microsoft-com:office:powerpoint" xmlns:com="http://schemas.openxmlformats.org/drawingml/2006/compatibility" xmlns:p14="http://schemas.microsoft.com/office/powerpoint/2010/main" xmlns:p15="http://schemas.microsoft.com/office/powerpoint/2012/main" matchingName="Title and body" type="tx">
+<p:sldLayout xmlns:a="http://schemas.openxmlformats.org/drawingml/2006/main" xmlns:r="http://schemas.openxmlformats.org/officeDocument/2006/relationships" xmlns:p="http://schemas.openxmlformats.org/presentationml/2006/main" matchingName="Title and body" type="tx">
   <p:cSld name="TITLE_AND_BODY">
     <p:spTree>
       <p:nvGrpSpPr>
-        <p:cNvPr id="16" name="Shape 16"/>
+        <p:cNvPr id="1" name="Shape 16"/>
         <p:cNvGrpSpPr/>
         <p:nvPr/>
       </p:nvGrpSpPr>
@@ -2977,7 +3019,9 @@
       <p:sp>
         <p:nvSpPr>
           <p:cNvPr id="17" name="Google Shape;17;p5"/>
-          <p:cNvSpPr txBox="1"/>
+          <p:cNvSpPr txBox="1">
+            <a:spLocks noGrp="1"/>
+          </p:cNvSpPr>
           <p:nvPr>
             <p:ph type="title"/>
           </p:nvPr>
@@ -2996,7 +3040,7 @@
           </a:ln>
         </p:spPr>
         <p:txBody>
-          <a:bodyPr anchorCtr="0" anchor="t" bIns="182900" lIns="182900" spcFirstLastPara="1" rIns="182900" wrap="square" tIns="182900">
+          <a:bodyPr spcFirstLastPara="1" wrap="square" lIns="182900" tIns="182900" rIns="182900" bIns="182900" anchor="t" anchorCtr="0">
             <a:noAutofit/>
           </a:bodyPr>
           <a:lstStyle>
@@ -3127,15 +3171,19 @@
               <a:defRPr/>
             </a:lvl9pPr>
           </a:lstStyle>
-          <a:p/>
+          <a:p>
+            <a:endParaRPr/>
+          </a:p>
         </p:txBody>
       </p:sp>
       <p:sp>
         <p:nvSpPr>
           <p:cNvPr id="18" name="Google Shape;18;p5"/>
-          <p:cNvSpPr txBox="1"/>
+          <p:cNvSpPr txBox="1">
+            <a:spLocks noGrp="1"/>
+          </p:cNvSpPr>
           <p:nvPr>
-            <p:ph idx="1" type="body"/>
+            <p:ph type="body" idx="1"/>
           </p:nvPr>
         </p:nvSpPr>
         <p:spPr>
@@ -3152,11 +3200,11 @@
           </a:ln>
         </p:spPr>
         <p:txBody>
-          <a:bodyPr anchorCtr="0" anchor="t" bIns="182900" lIns="182900" spcFirstLastPara="1" rIns="182900" wrap="square" tIns="182900">
+          <a:bodyPr spcFirstLastPara="1" wrap="square" lIns="182900" tIns="182900" rIns="182900" bIns="182900" anchor="t" anchorCtr="0">
             <a:noAutofit/>
           </a:bodyPr>
           <a:lstStyle>
-            <a:lvl1pPr indent="-457200" lvl="0" marL="457200" algn="l">
+            <a:lvl1pPr marL="457200" lvl="0" indent="-457200" algn="l">
               <a:lnSpc>
                 <a:spcPct val="115000"/>
               </a:lnSpc>
@@ -3170,7 +3218,7 @@
               <a:buChar char="●"/>
               <a:defRPr/>
             </a:lvl1pPr>
-            <a:lvl2pPr indent="-406400" lvl="1" marL="914400" algn="l">
+            <a:lvl2pPr marL="914400" lvl="1" indent="-406400" algn="l">
               <a:lnSpc>
                 <a:spcPct val="115000"/>
               </a:lnSpc>
@@ -3184,7 +3232,7 @@
               <a:buChar char="○"/>
               <a:defRPr/>
             </a:lvl2pPr>
-            <a:lvl3pPr indent="-406400" lvl="2" marL="1371600" algn="l">
+            <a:lvl3pPr marL="1371600" lvl="2" indent="-406400" algn="l">
               <a:lnSpc>
                 <a:spcPct val="115000"/>
               </a:lnSpc>
@@ -3198,7 +3246,7 @@
               <a:buChar char="■"/>
               <a:defRPr/>
             </a:lvl3pPr>
-            <a:lvl4pPr indent="-406400" lvl="3" marL="1828800" algn="l">
+            <a:lvl4pPr marL="1828800" lvl="3" indent="-406400" algn="l">
               <a:lnSpc>
                 <a:spcPct val="115000"/>
               </a:lnSpc>
@@ -3212,7 +3260,7 @@
               <a:buChar char="●"/>
               <a:defRPr/>
             </a:lvl4pPr>
-            <a:lvl5pPr indent="-406400" lvl="4" marL="2286000" algn="l">
+            <a:lvl5pPr marL="2286000" lvl="4" indent="-406400" algn="l">
               <a:lnSpc>
                 <a:spcPct val="115000"/>
               </a:lnSpc>
@@ -3226,7 +3274,7 @@
               <a:buChar char="○"/>
               <a:defRPr/>
             </a:lvl5pPr>
-            <a:lvl6pPr indent="-406400" lvl="5" marL="2743200" algn="l">
+            <a:lvl6pPr marL="2743200" lvl="5" indent="-406400" algn="l">
               <a:lnSpc>
                 <a:spcPct val="115000"/>
               </a:lnSpc>
@@ -3240,7 +3288,7 @@
               <a:buChar char="■"/>
               <a:defRPr/>
             </a:lvl6pPr>
-            <a:lvl7pPr indent="-406400" lvl="6" marL="3200400" algn="l">
+            <a:lvl7pPr marL="3200400" lvl="6" indent="-406400" algn="l">
               <a:lnSpc>
                 <a:spcPct val="115000"/>
               </a:lnSpc>
@@ -3254,7 +3302,7 @@
               <a:buChar char="●"/>
               <a:defRPr/>
             </a:lvl7pPr>
-            <a:lvl8pPr indent="-406400" lvl="7" marL="3657600" algn="l">
+            <a:lvl8pPr marL="3657600" lvl="7" indent="-406400" algn="l">
               <a:lnSpc>
                 <a:spcPct val="115000"/>
               </a:lnSpc>
@@ -3268,7 +3316,7 @@
               <a:buChar char="○"/>
               <a:defRPr/>
             </a:lvl8pPr>
-            <a:lvl9pPr indent="-406400" lvl="8" marL="4114800" algn="l">
+            <a:lvl9pPr marL="4114800" lvl="8" indent="-406400" algn="l">
               <a:lnSpc>
                 <a:spcPct val="115000"/>
               </a:lnSpc>
@@ -3283,15 +3331,19 @@
               <a:defRPr/>
             </a:lvl9pPr>
           </a:lstStyle>
-          <a:p/>
+          <a:p>
+            <a:endParaRPr/>
+          </a:p>
         </p:txBody>
       </p:sp>
       <p:sp>
         <p:nvSpPr>
           <p:cNvPr id="19" name="Google Shape;19;p5"/>
-          <p:cNvSpPr txBox="1"/>
+          <p:cNvSpPr txBox="1">
+            <a:spLocks noGrp="1"/>
+          </p:cNvSpPr>
           <p:nvPr>
-            <p:ph idx="12" type="sldNum"/>
+            <p:ph type="sldNum" idx="12"/>
           </p:nvPr>
         </p:nvSpPr>
         <p:spPr>
@@ -3308,27 +3360,27 @@
           </a:ln>
         </p:spPr>
         <p:txBody>
-          <a:bodyPr anchorCtr="0" anchor="ctr" bIns="182900" lIns="182900" spcFirstLastPara="1" rIns="182900" wrap="square" tIns="182900">
+          <a:bodyPr spcFirstLastPara="1" wrap="square" lIns="182900" tIns="182900" rIns="182900" bIns="182900" anchor="ctr" anchorCtr="0">
             <a:noAutofit/>
           </a:bodyPr>
           <a:lstStyle>
-            <a:lvl1pPr indent="0" lvl="0" marL="0" marR="0" algn="r">
-              <a:lnSpc>
-                <a:spcPct val="100000"/>
-              </a:lnSpc>
-              <a:spcBef>
-                <a:spcPts val="0"/>
-              </a:spcBef>
-              <a:spcAft>
-                <a:spcPts val="0"/>
-              </a:spcAft>
-              <a:buClr>
-                <a:srgbClr val="000000"/>
-              </a:buClr>
-              <a:buSzPts val="2000"/>
-              <a:buFont typeface="Arial"/>
-              <a:buNone/>
-              <a:defRPr b="0" i="0" sz="2000" u="none" cap="none" strike="noStrike">
+            <a:lvl1pPr marL="0" marR="0" lvl="0" indent="0" algn="r">
+              <a:lnSpc>
+                <a:spcPct val="100000"/>
+              </a:lnSpc>
+              <a:spcBef>
+                <a:spcPts val="0"/>
+              </a:spcBef>
+              <a:spcAft>
+                <a:spcPts val="0"/>
+              </a:spcAft>
+              <a:buClr>
+                <a:srgbClr val="000000"/>
+              </a:buClr>
+              <a:buSzPts val="2000"/>
+              <a:buFont typeface="Arial"/>
+              <a:buNone/>
+              <a:defRPr sz="2000" b="0" i="0" u="none" strike="noStrike" cap="none">
                 <a:solidFill>
                   <a:schemeClr val="dk2"/>
                 </a:solidFill>
@@ -3338,23 +3390,23 @@
                 <a:sym typeface="Arial"/>
               </a:defRPr>
             </a:lvl1pPr>
-            <a:lvl2pPr indent="0" lvl="1" marL="0" marR="0" algn="r">
-              <a:lnSpc>
-                <a:spcPct val="100000"/>
-              </a:lnSpc>
-              <a:spcBef>
-                <a:spcPts val="0"/>
-              </a:spcBef>
-              <a:spcAft>
-                <a:spcPts val="0"/>
-              </a:spcAft>
-              <a:buClr>
-                <a:srgbClr val="000000"/>
-              </a:buClr>
-              <a:buSzPts val="2000"/>
-              <a:buFont typeface="Arial"/>
-              <a:buNone/>
-              <a:defRPr b="0" i="0" sz="2000" u="none" cap="none" strike="noStrike">
+            <a:lvl2pPr marL="0" marR="0" lvl="1" indent="0" algn="r">
+              <a:lnSpc>
+                <a:spcPct val="100000"/>
+              </a:lnSpc>
+              <a:spcBef>
+                <a:spcPts val="0"/>
+              </a:spcBef>
+              <a:spcAft>
+                <a:spcPts val="0"/>
+              </a:spcAft>
+              <a:buClr>
+                <a:srgbClr val="000000"/>
+              </a:buClr>
+              <a:buSzPts val="2000"/>
+              <a:buFont typeface="Arial"/>
+              <a:buNone/>
+              <a:defRPr sz="2000" b="0" i="0" u="none" strike="noStrike" cap="none">
                 <a:solidFill>
                   <a:schemeClr val="dk2"/>
                 </a:solidFill>
@@ -3364,23 +3416,23 @@
                 <a:sym typeface="Arial"/>
               </a:defRPr>
             </a:lvl2pPr>
-            <a:lvl3pPr indent="0" lvl="2" marL="0" marR="0" algn="r">
-              <a:lnSpc>
-                <a:spcPct val="100000"/>
-              </a:lnSpc>
-              <a:spcBef>
-                <a:spcPts val="0"/>
-              </a:spcBef>
-              <a:spcAft>
-                <a:spcPts val="0"/>
-              </a:spcAft>
-              <a:buClr>
-                <a:srgbClr val="000000"/>
-              </a:buClr>
-              <a:buSzPts val="2000"/>
-              <a:buFont typeface="Arial"/>
-              <a:buNone/>
-              <a:defRPr b="0" i="0" sz="2000" u="none" cap="none" strike="noStrike">
+            <a:lvl3pPr marL="0" marR="0" lvl="2" indent="0" algn="r">
+              <a:lnSpc>
+                <a:spcPct val="100000"/>
+              </a:lnSpc>
+              <a:spcBef>
+                <a:spcPts val="0"/>
+              </a:spcBef>
+              <a:spcAft>
+                <a:spcPts val="0"/>
+              </a:spcAft>
+              <a:buClr>
+                <a:srgbClr val="000000"/>
+              </a:buClr>
+              <a:buSzPts val="2000"/>
+              <a:buFont typeface="Arial"/>
+              <a:buNone/>
+              <a:defRPr sz="2000" b="0" i="0" u="none" strike="noStrike" cap="none">
                 <a:solidFill>
                   <a:schemeClr val="dk2"/>
                 </a:solidFill>
@@ -3390,23 +3442,23 @@
                 <a:sym typeface="Arial"/>
               </a:defRPr>
             </a:lvl3pPr>
-            <a:lvl4pPr indent="0" lvl="3" marL="0" marR="0" algn="r">
-              <a:lnSpc>
-                <a:spcPct val="100000"/>
-              </a:lnSpc>
-              <a:spcBef>
-                <a:spcPts val="0"/>
-              </a:spcBef>
-              <a:spcAft>
-                <a:spcPts val="0"/>
-              </a:spcAft>
-              <a:buClr>
-                <a:srgbClr val="000000"/>
-              </a:buClr>
-              <a:buSzPts val="2000"/>
-              <a:buFont typeface="Arial"/>
-              <a:buNone/>
-              <a:defRPr b="0" i="0" sz="2000" u="none" cap="none" strike="noStrike">
+            <a:lvl4pPr marL="0" marR="0" lvl="3" indent="0" algn="r">
+              <a:lnSpc>
+                <a:spcPct val="100000"/>
+              </a:lnSpc>
+              <a:spcBef>
+                <a:spcPts val="0"/>
+              </a:spcBef>
+              <a:spcAft>
+                <a:spcPts val="0"/>
+              </a:spcAft>
+              <a:buClr>
+                <a:srgbClr val="000000"/>
+              </a:buClr>
+              <a:buSzPts val="2000"/>
+              <a:buFont typeface="Arial"/>
+              <a:buNone/>
+              <a:defRPr sz="2000" b="0" i="0" u="none" strike="noStrike" cap="none">
                 <a:solidFill>
                   <a:schemeClr val="dk2"/>
                 </a:solidFill>
@@ -3416,23 +3468,23 @@
                 <a:sym typeface="Arial"/>
               </a:defRPr>
             </a:lvl4pPr>
-            <a:lvl5pPr indent="0" lvl="4" marL="0" marR="0" algn="r">
-              <a:lnSpc>
-                <a:spcPct val="100000"/>
-              </a:lnSpc>
-              <a:spcBef>
-                <a:spcPts val="0"/>
-              </a:spcBef>
-              <a:spcAft>
-                <a:spcPts val="0"/>
-              </a:spcAft>
-              <a:buClr>
-                <a:srgbClr val="000000"/>
-              </a:buClr>
-              <a:buSzPts val="2000"/>
-              <a:buFont typeface="Arial"/>
-              <a:buNone/>
-              <a:defRPr b="0" i="0" sz="2000" u="none" cap="none" strike="noStrike">
+            <a:lvl5pPr marL="0" marR="0" lvl="4" indent="0" algn="r">
+              <a:lnSpc>
+                <a:spcPct val="100000"/>
+              </a:lnSpc>
+              <a:spcBef>
+                <a:spcPts val="0"/>
+              </a:spcBef>
+              <a:spcAft>
+                <a:spcPts val="0"/>
+              </a:spcAft>
+              <a:buClr>
+                <a:srgbClr val="000000"/>
+              </a:buClr>
+              <a:buSzPts val="2000"/>
+              <a:buFont typeface="Arial"/>
+              <a:buNone/>
+              <a:defRPr sz="2000" b="0" i="0" u="none" strike="noStrike" cap="none">
                 <a:solidFill>
                   <a:schemeClr val="dk2"/>
                 </a:solidFill>
@@ -3442,23 +3494,23 @@
                 <a:sym typeface="Arial"/>
               </a:defRPr>
             </a:lvl5pPr>
-            <a:lvl6pPr indent="0" lvl="5" marL="0" marR="0" algn="r">
-              <a:lnSpc>
-                <a:spcPct val="100000"/>
-              </a:lnSpc>
-              <a:spcBef>
-                <a:spcPts val="0"/>
-              </a:spcBef>
-              <a:spcAft>
-                <a:spcPts val="0"/>
-              </a:spcAft>
-              <a:buClr>
-                <a:srgbClr val="000000"/>
-              </a:buClr>
-              <a:buSzPts val="2000"/>
-              <a:buFont typeface="Arial"/>
-              <a:buNone/>
-              <a:defRPr b="0" i="0" sz="2000" u="none" cap="none" strike="noStrike">
+            <a:lvl6pPr marL="0" marR="0" lvl="5" indent="0" algn="r">
+              <a:lnSpc>
+                <a:spcPct val="100000"/>
+              </a:lnSpc>
+              <a:spcBef>
+                <a:spcPts val="0"/>
+              </a:spcBef>
+              <a:spcAft>
+                <a:spcPts val="0"/>
+              </a:spcAft>
+              <a:buClr>
+                <a:srgbClr val="000000"/>
+              </a:buClr>
+              <a:buSzPts val="2000"/>
+              <a:buFont typeface="Arial"/>
+              <a:buNone/>
+              <a:defRPr sz="2000" b="0" i="0" u="none" strike="noStrike" cap="none">
                 <a:solidFill>
                   <a:schemeClr val="dk2"/>
                 </a:solidFill>
@@ -3468,23 +3520,23 @@
                 <a:sym typeface="Arial"/>
               </a:defRPr>
             </a:lvl6pPr>
-            <a:lvl7pPr indent="0" lvl="6" marL="0" marR="0" algn="r">
-              <a:lnSpc>
-                <a:spcPct val="100000"/>
-              </a:lnSpc>
-              <a:spcBef>
-                <a:spcPts val="0"/>
-              </a:spcBef>
-              <a:spcAft>
-                <a:spcPts val="0"/>
-              </a:spcAft>
-              <a:buClr>
-                <a:srgbClr val="000000"/>
-              </a:buClr>
-              <a:buSzPts val="2000"/>
-              <a:buFont typeface="Arial"/>
-              <a:buNone/>
-              <a:defRPr b="0" i="0" sz="2000" u="none" cap="none" strike="noStrike">
+            <a:lvl7pPr marL="0" marR="0" lvl="6" indent="0" algn="r">
+              <a:lnSpc>
+                <a:spcPct val="100000"/>
+              </a:lnSpc>
+              <a:spcBef>
+                <a:spcPts val="0"/>
+              </a:spcBef>
+              <a:spcAft>
+                <a:spcPts val="0"/>
+              </a:spcAft>
+              <a:buClr>
+                <a:srgbClr val="000000"/>
+              </a:buClr>
+              <a:buSzPts val="2000"/>
+              <a:buFont typeface="Arial"/>
+              <a:buNone/>
+              <a:defRPr sz="2000" b="0" i="0" u="none" strike="noStrike" cap="none">
                 <a:solidFill>
                   <a:schemeClr val="dk2"/>
                 </a:solidFill>
@@ -3494,23 +3546,23 @@
                 <a:sym typeface="Arial"/>
               </a:defRPr>
             </a:lvl7pPr>
-            <a:lvl8pPr indent="0" lvl="7" marL="0" marR="0" algn="r">
-              <a:lnSpc>
-                <a:spcPct val="100000"/>
-              </a:lnSpc>
-              <a:spcBef>
-                <a:spcPts val="0"/>
-              </a:spcBef>
-              <a:spcAft>
-                <a:spcPts val="0"/>
-              </a:spcAft>
-              <a:buClr>
-                <a:srgbClr val="000000"/>
-              </a:buClr>
-              <a:buSzPts val="2000"/>
-              <a:buFont typeface="Arial"/>
-              <a:buNone/>
-              <a:defRPr b="0" i="0" sz="2000" u="none" cap="none" strike="noStrike">
+            <a:lvl8pPr marL="0" marR="0" lvl="7" indent="0" algn="r">
+              <a:lnSpc>
+                <a:spcPct val="100000"/>
+              </a:lnSpc>
+              <a:spcBef>
+                <a:spcPts val="0"/>
+              </a:spcBef>
+              <a:spcAft>
+                <a:spcPts val="0"/>
+              </a:spcAft>
+              <a:buClr>
+                <a:srgbClr val="000000"/>
+              </a:buClr>
+              <a:buSzPts val="2000"/>
+              <a:buFont typeface="Arial"/>
+              <a:buNone/>
+              <a:defRPr sz="2000" b="0" i="0" u="none" strike="noStrike" cap="none">
                 <a:solidFill>
                   <a:schemeClr val="dk2"/>
                 </a:solidFill>
@@ -3520,23 +3572,23 @@
                 <a:sym typeface="Arial"/>
               </a:defRPr>
             </a:lvl8pPr>
-            <a:lvl9pPr indent="0" lvl="8" marL="0" marR="0" algn="r">
-              <a:lnSpc>
-                <a:spcPct val="100000"/>
-              </a:lnSpc>
-              <a:spcBef>
-                <a:spcPts val="0"/>
-              </a:spcBef>
-              <a:spcAft>
-                <a:spcPts val="0"/>
-              </a:spcAft>
-              <a:buClr>
-                <a:srgbClr val="000000"/>
-              </a:buClr>
-              <a:buSzPts val="2000"/>
-              <a:buFont typeface="Arial"/>
-              <a:buNone/>
-              <a:defRPr b="0" i="0" sz="2000" u="none" cap="none" strike="noStrike">
+            <a:lvl9pPr marL="0" marR="0" lvl="8" indent="0" algn="r">
+              <a:lnSpc>
+                <a:spcPct val="100000"/>
+              </a:lnSpc>
+              <a:spcBef>
+                <a:spcPts val="0"/>
+              </a:spcBef>
+              <a:spcAft>
+                <a:spcPts val="0"/>
+              </a:spcAft>
+              <a:buClr>
+                <a:srgbClr val="000000"/>
+              </a:buClr>
+              <a:buSzPts val="2000"/>
+              <a:buFont typeface="Arial"/>
+              <a:buNone/>
+              <a:defRPr sz="2000" b="0" i="0" u="none" strike="noStrike" cap="none">
                 <a:solidFill>
                   <a:schemeClr val="dk2"/>
                 </a:solidFill>
@@ -3548,7 +3600,7 @@
             </a:lvl9pPr>
           </a:lstStyle>
           <a:p>
-            <a:pPr indent="0" lvl="0" marL="0" rtl="0" algn="r">
+            <a:pPr marL="0" lvl="0" indent="0" algn="r" rtl="0">
               <a:spcBef>
                 <a:spcPts val="0"/>
               </a:spcBef>
@@ -3574,11 +3626,11 @@
 </file>
 
 <file path=ppt/slideLayouts/slideLayout4.xml><?xml version="1.0" encoding="utf-8"?>
-<p:sldLayout xmlns:a="http://schemas.openxmlformats.org/drawingml/2006/main" xmlns:r="http://schemas.openxmlformats.org/officeDocument/2006/relationships" xmlns:mc="http://schemas.openxmlformats.org/markup-compatibility/2006" xmlns:mv="urn:schemas-microsoft-com:mac:vml" xmlns:p="http://schemas.openxmlformats.org/presentationml/2006/main" xmlns:c="http://schemas.openxmlformats.org/drawingml/2006/chart" xmlns:dgm="http://schemas.openxmlformats.org/drawingml/2006/diagram" xmlns:o="urn:schemas-microsoft-com:office:office" xmlns:v="urn:schemas-microsoft-com:vml" xmlns:pvml="urn:schemas-microsoft-com:office:powerpoint" xmlns:com="http://schemas.openxmlformats.org/drawingml/2006/compatibility" xmlns:p14="http://schemas.microsoft.com/office/powerpoint/2010/main" xmlns:p15="http://schemas.microsoft.com/office/powerpoint/2012/main" matchingName="Title and two columns" type="twoColTx">
+<p:sldLayout xmlns:a="http://schemas.openxmlformats.org/drawingml/2006/main" xmlns:r="http://schemas.openxmlformats.org/officeDocument/2006/relationships" xmlns:p="http://schemas.openxmlformats.org/presentationml/2006/main" matchingName="Title and two columns" type="twoColTx">
   <p:cSld name="TITLE_AND_TWO_COLUMNS">
     <p:spTree>
       <p:nvGrpSpPr>
-        <p:cNvPr id="20" name="Shape 20"/>
+        <p:cNvPr id="1" name="Shape 20"/>
         <p:cNvGrpSpPr/>
         <p:nvPr/>
       </p:nvGrpSpPr>
@@ -3593,7 +3645,9 @@
       <p:sp>
         <p:nvSpPr>
           <p:cNvPr id="21" name="Google Shape;21;p6"/>
-          <p:cNvSpPr txBox="1"/>
+          <p:cNvSpPr txBox="1">
+            <a:spLocks noGrp="1"/>
+          </p:cNvSpPr>
           <p:nvPr>
             <p:ph type="title"/>
           </p:nvPr>
@@ -3612,7 +3666,7 @@
           </a:ln>
         </p:spPr>
         <p:txBody>
-          <a:bodyPr anchorCtr="0" anchor="t" bIns="182900" lIns="182900" spcFirstLastPara="1" rIns="182900" wrap="square" tIns="182900">
+          <a:bodyPr spcFirstLastPara="1" wrap="square" lIns="182900" tIns="182900" rIns="182900" bIns="182900" anchor="t" anchorCtr="0">
             <a:noAutofit/>
           </a:bodyPr>
           <a:lstStyle>
@@ -3743,15 +3797,19 @@
               <a:defRPr/>
             </a:lvl9pPr>
           </a:lstStyle>
-          <a:p/>
+          <a:p>
+            <a:endParaRPr/>
+          </a:p>
         </p:txBody>
       </p:sp>
       <p:sp>
         <p:nvSpPr>
           <p:cNvPr id="22" name="Google Shape;22;p6"/>
-          <p:cNvSpPr txBox="1"/>
+          <p:cNvSpPr txBox="1">
+            <a:spLocks noGrp="1"/>
+          </p:cNvSpPr>
           <p:nvPr>
-            <p:ph idx="1" type="body"/>
+            <p:ph type="body" idx="1"/>
           </p:nvPr>
         </p:nvSpPr>
         <p:spPr>
@@ -3768,11 +3826,11 @@
           </a:ln>
         </p:spPr>
         <p:txBody>
-          <a:bodyPr anchorCtr="0" anchor="t" bIns="182900" lIns="182900" spcFirstLastPara="1" rIns="182900" wrap="square" tIns="182900">
+          <a:bodyPr spcFirstLastPara="1" wrap="square" lIns="182900" tIns="182900" rIns="182900" bIns="182900" anchor="t" anchorCtr="0">
             <a:noAutofit/>
           </a:bodyPr>
           <a:lstStyle>
-            <a:lvl1pPr indent="-406400" lvl="0" marL="457200" algn="l">
+            <a:lvl1pPr marL="457200" lvl="0" indent="-406400" algn="l">
               <a:lnSpc>
                 <a:spcPct val="115000"/>
               </a:lnSpc>
@@ -3786,7 +3844,7 @@
               <a:buChar char="●"/>
               <a:defRPr sz="2800"/>
             </a:lvl1pPr>
-            <a:lvl2pPr indent="-374650" lvl="1" marL="914400" algn="l">
+            <a:lvl2pPr marL="914400" lvl="1" indent="-374650" algn="l">
               <a:lnSpc>
                 <a:spcPct val="115000"/>
               </a:lnSpc>
@@ -3800,7 +3858,7 @@
               <a:buChar char="○"/>
               <a:defRPr sz="2300"/>
             </a:lvl2pPr>
-            <a:lvl3pPr indent="-374650" lvl="2" marL="1371600" algn="l">
+            <a:lvl3pPr marL="1371600" lvl="2" indent="-374650" algn="l">
               <a:lnSpc>
                 <a:spcPct val="115000"/>
               </a:lnSpc>
@@ -3814,7 +3872,7 @@
               <a:buChar char="■"/>
               <a:defRPr sz="2300"/>
             </a:lvl3pPr>
-            <a:lvl4pPr indent="-374650" lvl="3" marL="1828800" algn="l">
+            <a:lvl4pPr marL="1828800" lvl="3" indent="-374650" algn="l">
               <a:lnSpc>
                 <a:spcPct val="115000"/>
               </a:lnSpc>
@@ -3828,7 +3886,7 @@
               <a:buChar char="●"/>
               <a:defRPr sz="2300"/>
             </a:lvl4pPr>
-            <a:lvl5pPr indent="-374650" lvl="4" marL="2286000" algn="l">
+            <a:lvl5pPr marL="2286000" lvl="4" indent="-374650" algn="l">
               <a:lnSpc>
                 <a:spcPct val="115000"/>
               </a:lnSpc>
@@ -3842,7 +3900,7 @@
               <a:buChar char="○"/>
               <a:defRPr sz="2300"/>
             </a:lvl5pPr>
-            <a:lvl6pPr indent="-374650" lvl="5" marL="2743200" algn="l">
+            <a:lvl6pPr marL="2743200" lvl="5" indent="-374650" algn="l">
               <a:lnSpc>
                 <a:spcPct val="115000"/>
               </a:lnSpc>
@@ -3856,7 +3914,7 @@
               <a:buChar char="■"/>
               <a:defRPr sz="2300"/>
             </a:lvl6pPr>
-            <a:lvl7pPr indent="-374650" lvl="6" marL="3200400" algn="l">
+            <a:lvl7pPr marL="3200400" lvl="6" indent="-374650" algn="l">
               <a:lnSpc>
                 <a:spcPct val="115000"/>
               </a:lnSpc>
@@ -3870,7 +3928,7 @@
               <a:buChar char="●"/>
               <a:defRPr sz="2300"/>
             </a:lvl7pPr>
-            <a:lvl8pPr indent="-374650" lvl="7" marL="3657600" algn="l">
+            <a:lvl8pPr marL="3657600" lvl="7" indent="-374650" algn="l">
               <a:lnSpc>
                 <a:spcPct val="115000"/>
               </a:lnSpc>
@@ -3884,7 +3942,7 @@
               <a:buChar char="○"/>
               <a:defRPr sz="2300"/>
             </a:lvl8pPr>
-            <a:lvl9pPr indent="-374650" lvl="8" marL="4114800" algn="l">
+            <a:lvl9pPr marL="4114800" lvl="8" indent="-374650" algn="l">
               <a:lnSpc>
                 <a:spcPct val="115000"/>
               </a:lnSpc>
@@ -3899,15 +3957,19 @@
               <a:defRPr sz="2300"/>
             </a:lvl9pPr>
           </a:lstStyle>
-          <a:p/>
+          <a:p>
+            <a:endParaRPr/>
+          </a:p>
         </p:txBody>
       </p:sp>
       <p:sp>
         <p:nvSpPr>
           <p:cNvPr id="23" name="Google Shape;23;p6"/>
-          <p:cNvSpPr txBox="1"/>
+          <p:cNvSpPr txBox="1">
+            <a:spLocks noGrp="1"/>
+          </p:cNvSpPr>
           <p:nvPr>
-            <p:ph idx="2" type="body"/>
+            <p:ph type="body" idx="2"/>
           </p:nvPr>
         </p:nvSpPr>
         <p:spPr>
@@ -3924,11 +3986,11 @@
           </a:ln>
         </p:spPr>
         <p:txBody>
-          <a:bodyPr anchorCtr="0" anchor="t" bIns="182900" lIns="182900" spcFirstLastPara="1" rIns="182900" wrap="square" tIns="182900">
+          <a:bodyPr spcFirstLastPara="1" wrap="square" lIns="182900" tIns="182900" rIns="182900" bIns="182900" anchor="t" anchorCtr="0">
             <a:noAutofit/>
           </a:bodyPr>
           <a:lstStyle>
-            <a:lvl1pPr indent="-406400" lvl="0" marL="457200" algn="l">
+            <a:lvl1pPr marL="457200" lvl="0" indent="-406400" algn="l">
               <a:lnSpc>
                 <a:spcPct val="115000"/>
               </a:lnSpc>
@@ -3942,7 +4004,7 @@
               <a:buChar char="●"/>
               <a:defRPr sz="2800"/>
             </a:lvl1pPr>
-            <a:lvl2pPr indent="-374650" lvl="1" marL="914400" algn="l">
+            <a:lvl2pPr marL="914400" lvl="1" indent="-374650" algn="l">
               <a:lnSpc>
                 <a:spcPct val="115000"/>
               </a:lnSpc>
@@ -3956,7 +4018,7 @@
               <a:buChar char="○"/>
               <a:defRPr sz="2300"/>
             </a:lvl2pPr>
-            <a:lvl3pPr indent="-374650" lvl="2" marL="1371600" algn="l">
+            <a:lvl3pPr marL="1371600" lvl="2" indent="-374650" algn="l">
               <a:lnSpc>
                 <a:spcPct val="115000"/>
               </a:lnSpc>
@@ -3970,7 +4032,7 @@
               <a:buChar char="■"/>
               <a:defRPr sz="2300"/>
             </a:lvl3pPr>
-            <a:lvl4pPr indent="-374650" lvl="3" marL="1828800" algn="l">
+            <a:lvl4pPr marL="1828800" lvl="3" indent="-374650" algn="l">
               <a:lnSpc>
                 <a:spcPct val="115000"/>
               </a:lnSpc>
@@ -3984,7 +4046,7 @@
               <a:buChar char="●"/>
               <a:defRPr sz="2300"/>
             </a:lvl4pPr>
-            <a:lvl5pPr indent="-374650" lvl="4" marL="2286000" algn="l">
+            <a:lvl5pPr marL="2286000" lvl="4" indent="-374650" algn="l">
               <a:lnSpc>
                 <a:spcPct val="115000"/>
               </a:lnSpc>
@@ -3998,7 +4060,7 @@
               <a:buChar char="○"/>
               <a:defRPr sz="2300"/>
             </a:lvl5pPr>
-            <a:lvl6pPr indent="-374650" lvl="5" marL="2743200" algn="l">
+            <a:lvl6pPr marL="2743200" lvl="5" indent="-374650" algn="l">
               <a:lnSpc>
                 <a:spcPct val="115000"/>
               </a:lnSpc>
@@ -4012,7 +4074,7 @@
               <a:buChar char="■"/>
               <a:defRPr sz="2300"/>
             </a:lvl6pPr>
-            <a:lvl7pPr indent="-374650" lvl="6" marL="3200400" algn="l">
+            <a:lvl7pPr marL="3200400" lvl="6" indent="-374650" algn="l">
               <a:lnSpc>
                 <a:spcPct val="115000"/>
               </a:lnSpc>
@@ -4026,7 +4088,7 @@
               <a:buChar char="●"/>
               <a:defRPr sz="2300"/>
             </a:lvl7pPr>
-            <a:lvl8pPr indent="-374650" lvl="7" marL="3657600" algn="l">
+            <a:lvl8pPr marL="3657600" lvl="7" indent="-374650" algn="l">
               <a:lnSpc>
                 <a:spcPct val="115000"/>
               </a:lnSpc>
@@ -4040,7 +4102,7 @@
               <a:buChar char="○"/>
               <a:defRPr sz="2300"/>
             </a:lvl8pPr>
-            <a:lvl9pPr indent="-374650" lvl="8" marL="4114800" algn="l">
+            <a:lvl9pPr marL="4114800" lvl="8" indent="-374650" algn="l">
               <a:lnSpc>
                 <a:spcPct val="115000"/>
               </a:lnSpc>
@@ -4055,15 +4117,19 @@
               <a:defRPr sz="2300"/>
             </a:lvl9pPr>
           </a:lstStyle>
-          <a:p/>
+          <a:p>
+            <a:endParaRPr/>
+          </a:p>
         </p:txBody>
       </p:sp>
       <p:sp>
         <p:nvSpPr>
           <p:cNvPr id="24" name="Google Shape;24;p6"/>
-          <p:cNvSpPr txBox="1"/>
+          <p:cNvSpPr txBox="1">
+            <a:spLocks noGrp="1"/>
+          </p:cNvSpPr>
           <p:nvPr>
-            <p:ph idx="12" type="sldNum"/>
+            <p:ph type="sldNum" idx="12"/>
           </p:nvPr>
         </p:nvSpPr>
         <p:spPr>
@@ -4080,27 +4146,27 @@
           </a:ln>
         </p:spPr>
         <p:txBody>
-          <a:bodyPr anchorCtr="0" anchor="ctr" bIns="182900" lIns="182900" spcFirstLastPara="1" rIns="182900" wrap="square" tIns="182900">
+          <a:bodyPr spcFirstLastPara="1" wrap="square" lIns="182900" tIns="182900" rIns="182900" bIns="182900" anchor="ctr" anchorCtr="0">
             <a:noAutofit/>
           </a:bodyPr>
           <a:lstStyle>
-            <a:lvl1pPr indent="0" lvl="0" marL="0" marR="0" algn="r">
-              <a:lnSpc>
-                <a:spcPct val="100000"/>
-              </a:lnSpc>
-              <a:spcBef>
-                <a:spcPts val="0"/>
-              </a:spcBef>
-              <a:spcAft>
-                <a:spcPts val="0"/>
-              </a:spcAft>
-              <a:buClr>
-                <a:srgbClr val="000000"/>
-              </a:buClr>
-              <a:buSzPts val="2000"/>
-              <a:buFont typeface="Arial"/>
-              <a:buNone/>
-              <a:defRPr b="0" i="0" sz="2000" u="none" cap="none" strike="noStrike">
+            <a:lvl1pPr marL="0" marR="0" lvl="0" indent="0" algn="r">
+              <a:lnSpc>
+                <a:spcPct val="100000"/>
+              </a:lnSpc>
+              <a:spcBef>
+                <a:spcPts val="0"/>
+              </a:spcBef>
+              <a:spcAft>
+                <a:spcPts val="0"/>
+              </a:spcAft>
+              <a:buClr>
+                <a:srgbClr val="000000"/>
+              </a:buClr>
+              <a:buSzPts val="2000"/>
+              <a:buFont typeface="Arial"/>
+              <a:buNone/>
+              <a:defRPr sz="2000" b="0" i="0" u="none" strike="noStrike" cap="none">
                 <a:solidFill>
                   <a:schemeClr val="dk2"/>
                 </a:solidFill>
@@ -4110,23 +4176,23 @@
                 <a:sym typeface="Arial"/>
               </a:defRPr>
             </a:lvl1pPr>
-            <a:lvl2pPr indent="0" lvl="1" marL="0" marR="0" algn="r">
-              <a:lnSpc>
-                <a:spcPct val="100000"/>
-              </a:lnSpc>
-              <a:spcBef>
-                <a:spcPts val="0"/>
-              </a:spcBef>
-              <a:spcAft>
-                <a:spcPts val="0"/>
-              </a:spcAft>
-              <a:buClr>
-                <a:srgbClr val="000000"/>
-              </a:buClr>
-              <a:buSzPts val="2000"/>
-              <a:buFont typeface="Arial"/>
-              <a:buNone/>
-              <a:defRPr b="0" i="0" sz="2000" u="none" cap="none" strike="noStrike">
+            <a:lvl2pPr marL="0" marR="0" lvl="1" indent="0" algn="r">
+              <a:lnSpc>
+                <a:spcPct val="100000"/>
+              </a:lnSpc>
+              <a:spcBef>
+                <a:spcPts val="0"/>
+              </a:spcBef>
+              <a:spcAft>
+                <a:spcPts val="0"/>
+              </a:spcAft>
+              <a:buClr>
+                <a:srgbClr val="000000"/>
+              </a:buClr>
+              <a:buSzPts val="2000"/>
+              <a:buFont typeface="Arial"/>
+              <a:buNone/>
+              <a:defRPr sz="2000" b="0" i="0" u="none" strike="noStrike" cap="none">
                 <a:solidFill>
                   <a:schemeClr val="dk2"/>
                 </a:solidFill>
@@ -4136,23 +4202,23 @@
                 <a:sym typeface="Arial"/>
               </a:defRPr>
             </a:lvl2pPr>
-            <a:lvl3pPr indent="0" lvl="2" marL="0" marR="0" algn="r">
-              <a:lnSpc>
-                <a:spcPct val="100000"/>
-              </a:lnSpc>
-              <a:spcBef>
-                <a:spcPts val="0"/>
-              </a:spcBef>
-              <a:spcAft>
-                <a:spcPts val="0"/>
-              </a:spcAft>
-              <a:buClr>
-                <a:srgbClr val="000000"/>
-              </a:buClr>
-              <a:buSzPts val="2000"/>
-              <a:buFont typeface="Arial"/>
-              <a:buNone/>
-              <a:defRPr b="0" i="0" sz="2000" u="none" cap="none" strike="noStrike">
+            <a:lvl3pPr marL="0" marR="0" lvl="2" indent="0" algn="r">
+              <a:lnSpc>
+                <a:spcPct val="100000"/>
+              </a:lnSpc>
+              <a:spcBef>
+                <a:spcPts val="0"/>
+              </a:spcBef>
+              <a:spcAft>
+                <a:spcPts val="0"/>
+              </a:spcAft>
+              <a:buClr>
+                <a:srgbClr val="000000"/>
+              </a:buClr>
+              <a:buSzPts val="2000"/>
+              <a:buFont typeface="Arial"/>
+              <a:buNone/>
+              <a:defRPr sz="2000" b="0" i="0" u="none" strike="noStrike" cap="none">
                 <a:solidFill>
                   <a:schemeClr val="dk2"/>
                 </a:solidFill>
@@ -4162,23 +4228,23 @@
                 <a:sym typeface="Arial"/>
               </a:defRPr>
             </a:lvl3pPr>
-            <a:lvl4pPr indent="0" lvl="3" marL="0" marR="0" algn="r">
-              <a:lnSpc>
-                <a:spcPct val="100000"/>
-              </a:lnSpc>
-              <a:spcBef>
-                <a:spcPts val="0"/>
-              </a:spcBef>
-              <a:spcAft>
-                <a:spcPts val="0"/>
-              </a:spcAft>
-              <a:buClr>
-                <a:srgbClr val="000000"/>
-              </a:buClr>
-              <a:buSzPts val="2000"/>
-              <a:buFont typeface="Arial"/>
-              <a:buNone/>
-              <a:defRPr b="0" i="0" sz="2000" u="none" cap="none" strike="noStrike">
+            <a:lvl4pPr marL="0" marR="0" lvl="3" indent="0" algn="r">
+              <a:lnSpc>
+                <a:spcPct val="100000"/>
+              </a:lnSpc>
+              <a:spcBef>
+                <a:spcPts val="0"/>
+              </a:spcBef>
+              <a:spcAft>
+                <a:spcPts val="0"/>
+              </a:spcAft>
+              <a:buClr>
+                <a:srgbClr val="000000"/>
+              </a:buClr>
+              <a:buSzPts val="2000"/>
+              <a:buFont typeface="Arial"/>
+              <a:buNone/>
+              <a:defRPr sz="2000" b="0" i="0" u="none" strike="noStrike" cap="none">
                 <a:solidFill>
                   <a:schemeClr val="dk2"/>
                 </a:solidFill>
@@ -4188,23 +4254,23 @@
                 <a:sym typeface="Arial"/>
               </a:defRPr>
             </a:lvl4pPr>
-            <a:lvl5pPr indent="0" lvl="4" marL="0" marR="0" algn="r">
-              <a:lnSpc>
-                <a:spcPct val="100000"/>
-              </a:lnSpc>
-              <a:spcBef>
-                <a:spcPts val="0"/>
-              </a:spcBef>
-              <a:spcAft>
-                <a:spcPts val="0"/>
-              </a:spcAft>
-              <a:buClr>
-                <a:srgbClr val="000000"/>
-              </a:buClr>
-              <a:buSzPts val="2000"/>
-              <a:buFont typeface="Arial"/>
-              <a:buNone/>
-              <a:defRPr b="0" i="0" sz="2000" u="none" cap="none" strike="noStrike">
+            <a:lvl5pPr marL="0" marR="0" lvl="4" indent="0" algn="r">
+              <a:lnSpc>
+                <a:spcPct val="100000"/>
+              </a:lnSpc>
+              <a:spcBef>
+                <a:spcPts val="0"/>
+              </a:spcBef>
+              <a:spcAft>
+                <a:spcPts val="0"/>
+              </a:spcAft>
+              <a:buClr>
+                <a:srgbClr val="000000"/>
+              </a:buClr>
+              <a:buSzPts val="2000"/>
+              <a:buFont typeface="Arial"/>
+              <a:buNone/>
+              <a:defRPr sz="2000" b="0" i="0" u="none" strike="noStrike" cap="none">
                 <a:solidFill>
                   <a:schemeClr val="dk2"/>
                 </a:solidFill>
@@ -4214,23 +4280,23 @@
                 <a:sym typeface="Arial"/>
               </a:defRPr>
             </a:lvl5pPr>
-            <a:lvl6pPr indent="0" lvl="5" marL="0" marR="0" algn="r">
-              <a:lnSpc>
-                <a:spcPct val="100000"/>
-              </a:lnSpc>
-              <a:spcBef>
-                <a:spcPts val="0"/>
-              </a:spcBef>
-              <a:spcAft>
-                <a:spcPts val="0"/>
-              </a:spcAft>
-              <a:buClr>
-                <a:srgbClr val="000000"/>
-              </a:buClr>
-              <a:buSzPts val="2000"/>
-              <a:buFont typeface="Arial"/>
-              <a:buNone/>
-              <a:defRPr b="0" i="0" sz="2000" u="none" cap="none" strike="noStrike">
+            <a:lvl6pPr marL="0" marR="0" lvl="5" indent="0" algn="r">
+              <a:lnSpc>
+                <a:spcPct val="100000"/>
+              </a:lnSpc>
+              <a:spcBef>
+                <a:spcPts val="0"/>
+              </a:spcBef>
+              <a:spcAft>
+                <a:spcPts val="0"/>
+              </a:spcAft>
+              <a:buClr>
+                <a:srgbClr val="000000"/>
+              </a:buClr>
+              <a:buSzPts val="2000"/>
+              <a:buFont typeface="Arial"/>
+              <a:buNone/>
+              <a:defRPr sz="2000" b="0" i="0" u="none" strike="noStrike" cap="none">
                 <a:solidFill>
                   <a:schemeClr val="dk2"/>
                 </a:solidFill>
@@ -4240,23 +4306,23 @@
                 <a:sym typeface="Arial"/>
               </a:defRPr>
             </a:lvl6pPr>
-            <a:lvl7pPr indent="0" lvl="6" marL="0" marR="0" algn="r">
-              <a:lnSpc>
-                <a:spcPct val="100000"/>
-              </a:lnSpc>
-              <a:spcBef>
-                <a:spcPts val="0"/>
-              </a:spcBef>
-              <a:spcAft>
-                <a:spcPts val="0"/>
-              </a:spcAft>
-              <a:buClr>
-                <a:srgbClr val="000000"/>
-              </a:buClr>
-              <a:buSzPts val="2000"/>
-              <a:buFont typeface="Arial"/>
-              <a:buNone/>
-              <a:defRPr b="0" i="0" sz="2000" u="none" cap="none" strike="noStrike">
+            <a:lvl7pPr marL="0" marR="0" lvl="6" indent="0" algn="r">
+              <a:lnSpc>
+                <a:spcPct val="100000"/>
+              </a:lnSpc>
+              <a:spcBef>
+                <a:spcPts val="0"/>
+              </a:spcBef>
+              <a:spcAft>
+                <a:spcPts val="0"/>
+              </a:spcAft>
+              <a:buClr>
+                <a:srgbClr val="000000"/>
+              </a:buClr>
+              <a:buSzPts val="2000"/>
+              <a:buFont typeface="Arial"/>
+              <a:buNone/>
+              <a:defRPr sz="2000" b="0" i="0" u="none" strike="noStrike" cap="none">
                 <a:solidFill>
                   <a:schemeClr val="dk2"/>
                 </a:solidFill>
@@ -4266,23 +4332,23 @@
                 <a:sym typeface="Arial"/>
               </a:defRPr>
             </a:lvl7pPr>
-            <a:lvl8pPr indent="0" lvl="7" marL="0" marR="0" algn="r">
-              <a:lnSpc>
-                <a:spcPct val="100000"/>
-              </a:lnSpc>
-              <a:spcBef>
-                <a:spcPts val="0"/>
-              </a:spcBef>
-              <a:spcAft>
-                <a:spcPts val="0"/>
-              </a:spcAft>
-              <a:buClr>
-                <a:srgbClr val="000000"/>
-              </a:buClr>
-              <a:buSzPts val="2000"/>
-              <a:buFont typeface="Arial"/>
-              <a:buNone/>
-              <a:defRPr b="0" i="0" sz="2000" u="none" cap="none" strike="noStrike">
+            <a:lvl8pPr marL="0" marR="0" lvl="7" indent="0" algn="r">
+              <a:lnSpc>
+                <a:spcPct val="100000"/>
+              </a:lnSpc>
+              <a:spcBef>
+                <a:spcPts val="0"/>
+              </a:spcBef>
+              <a:spcAft>
+                <a:spcPts val="0"/>
+              </a:spcAft>
+              <a:buClr>
+                <a:srgbClr val="000000"/>
+              </a:buClr>
+              <a:buSzPts val="2000"/>
+              <a:buFont typeface="Arial"/>
+              <a:buNone/>
+              <a:defRPr sz="2000" b="0" i="0" u="none" strike="noStrike" cap="none">
                 <a:solidFill>
                   <a:schemeClr val="dk2"/>
                 </a:solidFill>
@@ -4292,23 +4358,23 @@
                 <a:sym typeface="Arial"/>
               </a:defRPr>
             </a:lvl8pPr>
-            <a:lvl9pPr indent="0" lvl="8" marL="0" marR="0" algn="r">
-              <a:lnSpc>
-                <a:spcPct val="100000"/>
-              </a:lnSpc>
-              <a:spcBef>
-                <a:spcPts val="0"/>
-              </a:spcBef>
-              <a:spcAft>
-                <a:spcPts val="0"/>
-              </a:spcAft>
-              <a:buClr>
-                <a:srgbClr val="000000"/>
-              </a:buClr>
-              <a:buSzPts val="2000"/>
-              <a:buFont typeface="Arial"/>
-              <a:buNone/>
-              <a:defRPr b="0" i="0" sz="2000" u="none" cap="none" strike="noStrike">
+            <a:lvl9pPr marL="0" marR="0" lvl="8" indent="0" algn="r">
+              <a:lnSpc>
+                <a:spcPct val="100000"/>
+              </a:lnSpc>
+              <a:spcBef>
+                <a:spcPts val="0"/>
+              </a:spcBef>
+              <a:spcAft>
+                <a:spcPts val="0"/>
+              </a:spcAft>
+              <a:buClr>
+                <a:srgbClr val="000000"/>
+              </a:buClr>
+              <a:buSzPts val="2000"/>
+              <a:buFont typeface="Arial"/>
+              <a:buNone/>
+              <a:defRPr sz="2000" b="0" i="0" u="none" strike="noStrike" cap="none">
                 <a:solidFill>
                   <a:schemeClr val="dk2"/>
                 </a:solidFill>
@@ -4320,7 +4386,7 @@
             </a:lvl9pPr>
           </a:lstStyle>
           <a:p>
-            <a:pPr indent="0" lvl="0" marL="0" rtl="0" algn="r">
+            <a:pPr marL="0" lvl="0" indent="0" algn="r" rtl="0">
               <a:spcBef>
                 <a:spcPts val="0"/>
               </a:spcBef>
@@ -4346,11 +4412,11 @@
 </file>
 
 <file path=ppt/slideLayouts/slideLayout5.xml><?xml version="1.0" encoding="utf-8"?>
-<p:sldLayout xmlns:a="http://schemas.openxmlformats.org/drawingml/2006/main" xmlns:r="http://schemas.openxmlformats.org/officeDocument/2006/relationships" xmlns:mc="http://schemas.openxmlformats.org/markup-compatibility/2006" xmlns:mv="urn:schemas-microsoft-com:mac:vml" xmlns:p="http://schemas.openxmlformats.org/presentationml/2006/main" xmlns:c="http://schemas.openxmlformats.org/drawingml/2006/chart" xmlns:dgm="http://schemas.openxmlformats.org/drawingml/2006/diagram" xmlns:o="urn:schemas-microsoft-com:office:office" xmlns:v="urn:schemas-microsoft-com:vml" xmlns:pvml="urn:schemas-microsoft-com:office:powerpoint" xmlns:com="http://schemas.openxmlformats.org/drawingml/2006/compatibility" xmlns:p14="http://schemas.microsoft.com/office/powerpoint/2010/main" xmlns:p15="http://schemas.microsoft.com/office/powerpoint/2012/main" matchingName="Title only" type="titleOnly">
+<p:sldLayout xmlns:a="http://schemas.openxmlformats.org/drawingml/2006/main" xmlns:r="http://schemas.openxmlformats.org/officeDocument/2006/relationships" xmlns:p="http://schemas.openxmlformats.org/presentationml/2006/main" matchingName="Title only" type="titleOnly">
   <p:cSld name="TITLE_ONLY">
     <p:spTree>
       <p:nvGrpSpPr>
-        <p:cNvPr id="25" name="Shape 25"/>
+        <p:cNvPr id="1" name="Shape 25"/>
         <p:cNvGrpSpPr/>
         <p:nvPr/>
       </p:nvGrpSpPr>
@@ -4365,7 +4431,9 @@
       <p:sp>
         <p:nvSpPr>
           <p:cNvPr id="26" name="Google Shape;26;p7"/>
-          <p:cNvSpPr txBox="1"/>
+          <p:cNvSpPr txBox="1">
+            <a:spLocks noGrp="1"/>
+          </p:cNvSpPr>
           <p:nvPr>
             <p:ph type="title"/>
           </p:nvPr>
@@ -4384,7 +4452,7 @@
           </a:ln>
         </p:spPr>
         <p:txBody>
-          <a:bodyPr anchorCtr="0" anchor="t" bIns="182900" lIns="182900" spcFirstLastPara="1" rIns="182900" wrap="square" tIns="182900">
+          <a:bodyPr spcFirstLastPara="1" wrap="square" lIns="182900" tIns="182900" rIns="182900" bIns="182900" anchor="t" anchorCtr="0">
             <a:noAutofit/>
           </a:bodyPr>
           <a:lstStyle>
@@ -4515,15 +4583,19 @@
               <a:defRPr/>
             </a:lvl9pPr>
           </a:lstStyle>
-          <a:p/>
+          <a:p>
+            <a:endParaRPr/>
+          </a:p>
         </p:txBody>
       </p:sp>
       <p:sp>
         <p:nvSpPr>
           <p:cNvPr id="27" name="Google Shape;27;p7"/>
-          <p:cNvSpPr txBox="1"/>
+          <p:cNvSpPr txBox="1">
+            <a:spLocks noGrp="1"/>
+          </p:cNvSpPr>
           <p:nvPr>
-            <p:ph idx="12" type="sldNum"/>
+            <p:ph type="sldNum" idx="12"/>
           </p:nvPr>
         </p:nvSpPr>
         <p:spPr>
@@ -4540,27 +4612,27 @@
           </a:ln>
         </p:spPr>
         <p:txBody>
-          <a:bodyPr anchorCtr="0" anchor="ctr" bIns="182900" lIns="182900" spcFirstLastPara="1" rIns="182900" wrap="square" tIns="182900">
+          <a:bodyPr spcFirstLastPara="1" wrap="square" lIns="182900" tIns="182900" rIns="182900" bIns="182900" anchor="ctr" anchorCtr="0">
             <a:noAutofit/>
           </a:bodyPr>
           <a:lstStyle>
-            <a:lvl1pPr indent="0" lvl="0" marL="0" marR="0" algn="r">
-              <a:lnSpc>
-                <a:spcPct val="100000"/>
-              </a:lnSpc>
-              <a:spcBef>
-                <a:spcPts val="0"/>
-              </a:spcBef>
-              <a:spcAft>
-                <a:spcPts val="0"/>
-              </a:spcAft>
-              <a:buClr>
-                <a:srgbClr val="000000"/>
-              </a:buClr>
-              <a:buSzPts val="2000"/>
-              <a:buFont typeface="Arial"/>
-              <a:buNone/>
-              <a:defRPr b="0" i="0" sz="2000" u="none" cap="none" strike="noStrike">
+            <a:lvl1pPr marL="0" marR="0" lvl="0" indent="0" algn="r">
+              <a:lnSpc>
+                <a:spcPct val="100000"/>
+              </a:lnSpc>
+              <a:spcBef>
+                <a:spcPts val="0"/>
+              </a:spcBef>
+              <a:spcAft>
+                <a:spcPts val="0"/>
+              </a:spcAft>
+              <a:buClr>
+                <a:srgbClr val="000000"/>
+              </a:buClr>
+              <a:buSzPts val="2000"/>
+              <a:buFont typeface="Arial"/>
+              <a:buNone/>
+              <a:defRPr sz="2000" b="0" i="0" u="none" strike="noStrike" cap="none">
                 <a:solidFill>
                   <a:schemeClr val="dk2"/>
                 </a:solidFill>
@@ -4570,23 +4642,23 @@
                 <a:sym typeface="Arial"/>
               </a:defRPr>
             </a:lvl1pPr>
-            <a:lvl2pPr indent="0" lvl="1" marL="0" marR="0" algn="r">
-              <a:lnSpc>
-                <a:spcPct val="100000"/>
-              </a:lnSpc>
-              <a:spcBef>
-                <a:spcPts val="0"/>
-              </a:spcBef>
-              <a:spcAft>
-                <a:spcPts val="0"/>
-              </a:spcAft>
-              <a:buClr>
-                <a:srgbClr val="000000"/>
-              </a:buClr>
-              <a:buSzPts val="2000"/>
-              <a:buFont typeface="Arial"/>
-              <a:buNone/>
-              <a:defRPr b="0" i="0" sz="2000" u="none" cap="none" strike="noStrike">
+            <a:lvl2pPr marL="0" marR="0" lvl="1" indent="0" algn="r">
+              <a:lnSpc>
+                <a:spcPct val="100000"/>
+              </a:lnSpc>
+              <a:spcBef>
+                <a:spcPts val="0"/>
+              </a:spcBef>
+              <a:spcAft>
+                <a:spcPts val="0"/>
+              </a:spcAft>
+              <a:buClr>
+                <a:srgbClr val="000000"/>
+              </a:buClr>
+              <a:buSzPts val="2000"/>
+              <a:buFont typeface="Arial"/>
+              <a:buNone/>
+              <a:defRPr sz="2000" b="0" i="0" u="none" strike="noStrike" cap="none">
                 <a:solidFill>
                   <a:schemeClr val="dk2"/>
                 </a:solidFill>
@@ -4596,23 +4668,23 @@
                 <a:sym typeface="Arial"/>
               </a:defRPr>
             </a:lvl2pPr>
-            <a:lvl3pPr indent="0" lvl="2" marL="0" marR="0" algn="r">
-              <a:lnSpc>
-                <a:spcPct val="100000"/>
-              </a:lnSpc>
-              <a:spcBef>
-                <a:spcPts val="0"/>
-              </a:spcBef>
-              <a:spcAft>
-                <a:spcPts val="0"/>
-              </a:spcAft>
-              <a:buClr>
-                <a:srgbClr val="000000"/>
-              </a:buClr>
-              <a:buSzPts val="2000"/>
-              <a:buFont typeface="Arial"/>
-              <a:buNone/>
-              <a:defRPr b="0" i="0" sz="2000" u="none" cap="none" strike="noStrike">
+            <a:lvl3pPr marL="0" marR="0" lvl="2" indent="0" algn="r">
+              <a:lnSpc>
+                <a:spcPct val="100000"/>
+              </a:lnSpc>
+              <a:spcBef>
+                <a:spcPts val="0"/>
+              </a:spcBef>
+              <a:spcAft>
+                <a:spcPts val="0"/>
+              </a:spcAft>
+              <a:buClr>
+                <a:srgbClr val="000000"/>
+              </a:buClr>
+              <a:buSzPts val="2000"/>
+              <a:buFont typeface="Arial"/>
+              <a:buNone/>
+              <a:defRPr sz="2000" b="0" i="0" u="none" strike="noStrike" cap="none">
                 <a:solidFill>
                   <a:schemeClr val="dk2"/>
                 </a:solidFill>
@@ -4622,23 +4694,23 @@
                 <a:sym typeface="Arial"/>
               </a:defRPr>
             </a:lvl3pPr>
-            <a:lvl4pPr indent="0" lvl="3" marL="0" marR="0" algn="r">
-              <a:lnSpc>
-                <a:spcPct val="100000"/>
-              </a:lnSpc>
-              <a:spcBef>
-                <a:spcPts val="0"/>
-              </a:spcBef>
-              <a:spcAft>
-                <a:spcPts val="0"/>
-              </a:spcAft>
-              <a:buClr>
-                <a:srgbClr val="000000"/>
-              </a:buClr>
-              <a:buSzPts val="2000"/>
-              <a:buFont typeface="Arial"/>
-              <a:buNone/>
-              <a:defRPr b="0" i="0" sz="2000" u="none" cap="none" strike="noStrike">
+            <a:lvl4pPr marL="0" marR="0" lvl="3" indent="0" algn="r">
+              <a:lnSpc>
+                <a:spcPct val="100000"/>
+              </a:lnSpc>
+              <a:spcBef>
+                <a:spcPts val="0"/>
+              </a:spcBef>
+              <a:spcAft>
+                <a:spcPts val="0"/>
+              </a:spcAft>
+              <a:buClr>
+                <a:srgbClr val="000000"/>
+              </a:buClr>
+              <a:buSzPts val="2000"/>
+              <a:buFont typeface="Arial"/>
+              <a:buNone/>
+              <a:defRPr sz="2000" b="0" i="0" u="none" strike="noStrike" cap="none">
                 <a:solidFill>
                   <a:schemeClr val="dk2"/>
                 </a:solidFill>
@@ -4648,23 +4720,23 @@
                 <a:sym typeface="Arial"/>
               </a:defRPr>
             </a:lvl4pPr>
-            <a:lvl5pPr indent="0" lvl="4" marL="0" marR="0" algn="r">
-              <a:lnSpc>
-                <a:spcPct val="100000"/>
-              </a:lnSpc>
-              <a:spcBef>
-                <a:spcPts val="0"/>
-              </a:spcBef>
-              <a:spcAft>
-                <a:spcPts val="0"/>
-              </a:spcAft>
-              <a:buClr>
-                <a:srgbClr val="000000"/>
-              </a:buClr>
-              <a:buSzPts val="2000"/>
-              <a:buFont typeface="Arial"/>
-              <a:buNone/>
-              <a:defRPr b="0" i="0" sz="2000" u="none" cap="none" strike="noStrike">
+            <a:lvl5pPr marL="0" marR="0" lvl="4" indent="0" algn="r">
+              <a:lnSpc>
+                <a:spcPct val="100000"/>
+              </a:lnSpc>
+              <a:spcBef>
+                <a:spcPts val="0"/>
+              </a:spcBef>
+              <a:spcAft>
+                <a:spcPts val="0"/>
+              </a:spcAft>
+              <a:buClr>
+                <a:srgbClr val="000000"/>
+              </a:buClr>
+              <a:buSzPts val="2000"/>
+              <a:buFont typeface="Arial"/>
+              <a:buNone/>
+              <a:defRPr sz="2000" b="0" i="0" u="none" strike="noStrike" cap="none">
                 <a:solidFill>
                   <a:schemeClr val="dk2"/>
                 </a:solidFill>
@@ -4674,23 +4746,23 @@
                 <a:sym typeface="Arial"/>
               </a:defRPr>
             </a:lvl5pPr>
-            <a:lvl6pPr indent="0" lvl="5" marL="0" marR="0" algn="r">
-              <a:lnSpc>
-                <a:spcPct val="100000"/>
-              </a:lnSpc>
-              <a:spcBef>
-                <a:spcPts val="0"/>
-              </a:spcBef>
-              <a:spcAft>
-                <a:spcPts val="0"/>
-              </a:spcAft>
-              <a:buClr>
-                <a:srgbClr val="000000"/>
-              </a:buClr>
-              <a:buSzPts val="2000"/>
-              <a:buFont typeface="Arial"/>
-              <a:buNone/>
-              <a:defRPr b="0" i="0" sz="2000" u="none" cap="none" strike="noStrike">
+            <a:lvl6pPr marL="0" marR="0" lvl="5" indent="0" algn="r">
+              <a:lnSpc>
+                <a:spcPct val="100000"/>
+              </a:lnSpc>
+              <a:spcBef>
+                <a:spcPts val="0"/>
+              </a:spcBef>
+              <a:spcAft>
+                <a:spcPts val="0"/>
+              </a:spcAft>
+              <a:buClr>
+                <a:srgbClr val="000000"/>
+              </a:buClr>
+              <a:buSzPts val="2000"/>
+              <a:buFont typeface="Arial"/>
+              <a:buNone/>
+              <a:defRPr sz="2000" b="0" i="0" u="none" strike="noStrike" cap="none">
                 <a:solidFill>
                   <a:schemeClr val="dk2"/>
                 </a:solidFill>
@@ -4700,23 +4772,23 @@
                 <a:sym typeface="Arial"/>
               </a:defRPr>
             </a:lvl6pPr>
-            <a:lvl7pPr indent="0" lvl="6" marL="0" marR="0" algn="r">
-              <a:lnSpc>
-                <a:spcPct val="100000"/>
-              </a:lnSpc>
-              <a:spcBef>
-                <a:spcPts val="0"/>
-              </a:spcBef>
-              <a:spcAft>
-                <a:spcPts val="0"/>
-              </a:spcAft>
-              <a:buClr>
-                <a:srgbClr val="000000"/>
-              </a:buClr>
-              <a:buSzPts val="2000"/>
-              <a:buFont typeface="Arial"/>
-              <a:buNone/>
-              <a:defRPr b="0" i="0" sz="2000" u="none" cap="none" strike="noStrike">
+            <a:lvl7pPr marL="0" marR="0" lvl="6" indent="0" algn="r">
+              <a:lnSpc>
+                <a:spcPct val="100000"/>
+              </a:lnSpc>
+              <a:spcBef>
+                <a:spcPts val="0"/>
+              </a:spcBef>
+              <a:spcAft>
+                <a:spcPts val="0"/>
+              </a:spcAft>
+              <a:buClr>
+                <a:srgbClr val="000000"/>
+              </a:buClr>
+              <a:buSzPts val="2000"/>
+              <a:buFont typeface="Arial"/>
+              <a:buNone/>
+              <a:defRPr sz="2000" b="0" i="0" u="none" strike="noStrike" cap="none">
                 <a:solidFill>
                   <a:schemeClr val="dk2"/>
                 </a:solidFill>
@@ -4726,23 +4798,23 @@
                 <a:sym typeface="Arial"/>
               </a:defRPr>
             </a:lvl7pPr>
-            <a:lvl8pPr indent="0" lvl="7" marL="0" marR="0" algn="r">
-              <a:lnSpc>
-                <a:spcPct val="100000"/>
-              </a:lnSpc>
-              <a:spcBef>
-                <a:spcPts val="0"/>
-              </a:spcBef>
-              <a:spcAft>
-                <a:spcPts val="0"/>
-              </a:spcAft>
-              <a:buClr>
-                <a:srgbClr val="000000"/>
-              </a:buClr>
-              <a:buSzPts val="2000"/>
-              <a:buFont typeface="Arial"/>
-              <a:buNone/>
-              <a:defRPr b="0" i="0" sz="2000" u="none" cap="none" strike="noStrike">
+            <a:lvl8pPr marL="0" marR="0" lvl="7" indent="0" algn="r">
+              <a:lnSpc>
+                <a:spcPct val="100000"/>
+              </a:lnSpc>
+              <a:spcBef>
+                <a:spcPts val="0"/>
+              </a:spcBef>
+              <a:spcAft>
+                <a:spcPts val="0"/>
+              </a:spcAft>
+              <a:buClr>
+                <a:srgbClr val="000000"/>
+              </a:buClr>
+              <a:buSzPts val="2000"/>
+              <a:buFont typeface="Arial"/>
+              <a:buNone/>
+              <a:defRPr sz="2000" b="0" i="0" u="none" strike="noStrike" cap="none">
                 <a:solidFill>
                   <a:schemeClr val="dk2"/>
                 </a:solidFill>
@@ -4752,23 +4824,23 @@
                 <a:sym typeface="Arial"/>
               </a:defRPr>
             </a:lvl8pPr>
-            <a:lvl9pPr indent="0" lvl="8" marL="0" marR="0" algn="r">
-              <a:lnSpc>
-                <a:spcPct val="100000"/>
-              </a:lnSpc>
-              <a:spcBef>
-                <a:spcPts val="0"/>
-              </a:spcBef>
-              <a:spcAft>
-                <a:spcPts val="0"/>
-              </a:spcAft>
-              <a:buClr>
-                <a:srgbClr val="000000"/>
-              </a:buClr>
-              <a:buSzPts val="2000"/>
-              <a:buFont typeface="Arial"/>
-              <a:buNone/>
-              <a:defRPr b="0" i="0" sz="2000" u="none" cap="none" strike="noStrike">
+            <a:lvl9pPr marL="0" marR="0" lvl="8" indent="0" algn="r">
+              <a:lnSpc>
+                <a:spcPct val="100000"/>
+              </a:lnSpc>
+              <a:spcBef>
+                <a:spcPts val="0"/>
+              </a:spcBef>
+              <a:spcAft>
+                <a:spcPts val="0"/>
+              </a:spcAft>
+              <a:buClr>
+                <a:srgbClr val="000000"/>
+              </a:buClr>
+              <a:buSzPts val="2000"/>
+              <a:buFont typeface="Arial"/>
+              <a:buNone/>
+              <a:defRPr sz="2000" b="0" i="0" u="none" strike="noStrike" cap="none">
                 <a:solidFill>
                   <a:schemeClr val="dk2"/>
                 </a:solidFill>
@@ -4780,7 +4852,7 @@
             </a:lvl9pPr>
           </a:lstStyle>
           <a:p>
-            <a:pPr indent="0" lvl="0" marL="0" rtl="0" algn="r">
+            <a:pPr marL="0" lvl="0" indent="0" algn="r" rtl="0">
               <a:spcBef>
                 <a:spcPts val="0"/>
               </a:spcBef>
@@ -4806,11 +4878,11 @@
 </file>
 
 <file path=ppt/slideLayouts/slideLayout6.xml><?xml version="1.0" encoding="utf-8"?>
-<p:sldLayout xmlns:a="http://schemas.openxmlformats.org/drawingml/2006/main" xmlns:r="http://schemas.openxmlformats.org/officeDocument/2006/relationships" xmlns:mc="http://schemas.openxmlformats.org/markup-compatibility/2006" xmlns:mv="urn:schemas-microsoft-com:mac:vml" xmlns:p="http://schemas.openxmlformats.org/presentationml/2006/main" xmlns:c="http://schemas.openxmlformats.org/drawingml/2006/chart" xmlns:dgm="http://schemas.openxmlformats.org/drawingml/2006/diagram" xmlns:o="urn:schemas-microsoft-com:office:office" xmlns:v="urn:schemas-microsoft-com:vml" xmlns:pvml="urn:schemas-microsoft-com:office:powerpoint" xmlns:com="http://schemas.openxmlformats.org/drawingml/2006/compatibility" xmlns:p14="http://schemas.microsoft.com/office/powerpoint/2010/main" xmlns:p15="http://schemas.microsoft.com/office/powerpoint/2012/main" matchingName="One column text">
+<p:sldLayout xmlns:a="http://schemas.openxmlformats.org/drawingml/2006/main" xmlns:r="http://schemas.openxmlformats.org/officeDocument/2006/relationships" xmlns:p="http://schemas.openxmlformats.org/presentationml/2006/main" matchingName="One column text">
   <p:cSld name="ONE_COLUMN_TEXT">
     <p:spTree>
       <p:nvGrpSpPr>
-        <p:cNvPr id="28" name="Shape 28"/>
+        <p:cNvPr id="1" name="Shape 28"/>
         <p:cNvGrpSpPr/>
         <p:nvPr/>
       </p:nvGrpSpPr>
@@ -4825,7 +4897,9 @@
       <p:sp>
         <p:nvSpPr>
           <p:cNvPr id="29" name="Google Shape;29;p8"/>
-          <p:cNvSpPr txBox="1"/>
+          <p:cNvSpPr txBox="1">
+            <a:spLocks noGrp="1"/>
+          </p:cNvSpPr>
           <p:nvPr>
             <p:ph type="title"/>
           </p:nvPr>
@@ -4844,7 +4918,7 @@
           </a:ln>
         </p:spPr>
         <p:txBody>
-          <a:bodyPr anchorCtr="0" anchor="b" bIns="182900" lIns="182900" spcFirstLastPara="1" rIns="182900" wrap="square" tIns="182900">
+          <a:bodyPr spcFirstLastPara="1" wrap="square" lIns="182900" tIns="182900" rIns="182900" bIns="182900" anchor="b" anchorCtr="0">
             <a:noAutofit/>
           </a:bodyPr>
           <a:lstStyle>
@@ -4975,15 +5049,19 @@
               <a:defRPr sz="4800"/>
             </a:lvl9pPr>
           </a:lstStyle>
-          <a:p/>
+          <a:p>
+            <a:endParaRPr/>
+          </a:p>
         </p:txBody>
       </p:sp>
       <p:sp>
         <p:nvSpPr>
           <p:cNvPr id="30" name="Google Shape;30;p8"/>
-          <p:cNvSpPr txBox="1"/>
+          <p:cNvSpPr txBox="1">
+            <a:spLocks noGrp="1"/>
+          </p:cNvSpPr>
           <p:nvPr>
-            <p:ph idx="1" type="body"/>
+            <p:ph type="body" idx="1"/>
           </p:nvPr>
         </p:nvSpPr>
         <p:spPr>
@@ -5000,11 +5078,11 @@
           </a:ln>
         </p:spPr>
         <p:txBody>
-          <a:bodyPr anchorCtr="0" anchor="t" bIns="182900" lIns="182900" spcFirstLastPara="1" rIns="182900" wrap="square" tIns="182900">
+          <a:bodyPr spcFirstLastPara="1" wrap="square" lIns="182900" tIns="182900" rIns="182900" bIns="182900" anchor="t" anchorCtr="0">
             <a:noAutofit/>
           </a:bodyPr>
           <a:lstStyle>
-            <a:lvl1pPr indent="-374650" lvl="0" marL="457200" algn="l">
+            <a:lvl1pPr marL="457200" lvl="0" indent="-374650" algn="l">
               <a:lnSpc>
                 <a:spcPct val="115000"/>
               </a:lnSpc>
@@ -5018,7 +5096,7 @@
               <a:buChar char="●"/>
               <a:defRPr sz="2300"/>
             </a:lvl1pPr>
-            <a:lvl2pPr indent="-374650" lvl="1" marL="914400" algn="l">
+            <a:lvl2pPr marL="914400" lvl="1" indent="-374650" algn="l">
               <a:lnSpc>
                 <a:spcPct val="115000"/>
               </a:lnSpc>
@@ -5032,7 +5110,7 @@
               <a:buChar char="○"/>
               <a:defRPr sz="2300"/>
             </a:lvl2pPr>
-            <a:lvl3pPr indent="-374650" lvl="2" marL="1371600" algn="l">
+            <a:lvl3pPr marL="1371600" lvl="2" indent="-374650" algn="l">
               <a:lnSpc>
                 <a:spcPct val="115000"/>
               </a:lnSpc>
@@ -5046,7 +5124,7 @@
               <a:buChar char="■"/>
               <a:defRPr sz="2300"/>
             </a:lvl3pPr>
-            <a:lvl4pPr indent="-374650" lvl="3" marL="1828800" algn="l">
+            <a:lvl4pPr marL="1828800" lvl="3" indent="-374650" algn="l">
               <a:lnSpc>
                 <a:spcPct val="115000"/>
               </a:lnSpc>
@@ -5060,7 +5138,7 @@
               <a:buChar char="●"/>
               <a:defRPr sz="2300"/>
             </a:lvl4pPr>
-            <a:lvl5pPr indent="-374650" lvl="4" marL="2286000" algn="l">
+            <a:lvl5pPr marL="2286000" lvl="4" indent="-374650" algn="l">
               <a:lnSpc>
                 <a:spcPct val="115000"/>
               </a:lnSpc>
@@ -5074,7 +5152,7 @@
               <a:buChar char="○"/>
               <a:defRPr sz="2300"/>
             </a:lvl5pPr>
-            <a:lvl6pPr indent="-374650" lvl="5" marL="2743200" algn="l">
+            <a:lvl6pPr marL="2743200" lvl="5" indent="-374650" algn="l">
               <a:lnSpc>
                 <a:spcPct val="115000"/>
               </a:lnSpc>
@@ -5088,7 +5166,7 @@
               <a:buChar char="■"/>
               <a:defRPr sz="2300"/>
             </a:lvl6pPr>
-            <a:lvl7pPr indent="-374650" lvl="6" marL="3200400" algn="l">
+            <a:lvl7pPr marL="3200400" lvl="6" indent="-374650" algn="l">
               <a:lnSpc>
                 <a:spcPct val="115000"/>
               </a:lnSpc>
@@ -5102,7 +5180,7 @@
               <a:buChar char="●"/>
               <a:defRPr sz="2300"/>
             </a:lvl7pPr>
-            <a:lvl8pPr indent="-374650" lvl="7" marL="3657600" algn="l">
+            <a:lvl8pPr marL="3657600" lvl="7" indent="-374650" algn="l">
               <a:lnSpc>
                 <a:spcPct val="115000"/>
               </a:lnSpc>
@@ -5116,7 +5194,7 @@
               <a:buChar char="○"/>
               <a:defRPr sz="2300"/>
             </a:lvl8pPr>
-            <a:lvl9pPr indent="-374650" lvl="8" marL="4114800" algn="l">
+            <a:lvl9pPr marL="4114800" lvl="8" indent="-374650" algn="l">
               <a:lnSpc>
                 <a:spcPct val="115000"/>
               </a:lnSpc>
@@ -5131,15 +5209,19 @@
               <a:defRPr sz="2300"/>
             </a:lvl9pPr>
           </a:lstStyle>
-          <a:p/>
+          <a:p>
+            <a:endParaRPr/>
+          </a:p>
         </p:txBody>
       </p:sp>
       <p:sp>
         <p:nvSpPr>
           <p:cNvPr id="31" name="Google Shape;31;p8"/>
-          <p:cNvSpPr txBox="1"/>
+          <p:cNvSpPr txBox="1">
+            <a:spLocks noGrp="1"/>
+          </p:cNvSpPr>
           <p:nvPr>
-            <p:ph idx="12" type="sldNum"/>
+            <p:ph type="sldNum" idx="12"/>
           </p:nvPr>
         </p:nvSpPr>
         <p:spPr>
@@ -5156,27 +5238,27 @@
           </a:ln>
         </p:spPr>
         <p:txBody>
-          <a:bodyPr anchorCtr="0" anchor="ctr" bIns="182900" lIns="182900" spcFirstLastPara="1" rIns="182900" wrap="square" tIns="182900">
+          <a:bodyPr spcFirstLastPara="1" wrap="square" lIns="182900" tIns="182900" rIns="182900" bIns="182900" anchor="ctr" anchorCtr="0">
             <a:noAutofit/>
           </a:bodyPr>
           <a:lstStyle>
-            <a:lvl1pPr indent="0" lvl="0" marL="0" marR="0" algn="r">
-              <a:lnSpc>
-                <a:spcPct val="100000"/>
-              </a:lnSpc>
-              <a:spcBef>
-                <a:spcPts val="0"/>
-              </a:spcBef>
-              <a:spcAft>
-                <a:spcPts val="0"/>
-              </a:spcAft>
-              <a:buClr>
-                <a:srgbClr val="000000"/>
-              </a:buClr>
-              <a:buSzPts val="2000"/>
-              <a:buFont typeface="Arial"/>
-              <a:buNone/>
-              <a:defRPr b="0" i="0" sz="2000" u="none" cap="none" strike="noStrike">
+            <a:lvl1pPr marL="0" marR="0" lvl="0" indent="0" algn="r">
+              <a:lnSpc>
+                <a:spcPct val="100000"/>
+              </a:lnSpc>
+              <a:spcBef>
+                <a:spcPts val="0"/>
+              </a:spcBef>
+              <a:spcAft>
+                <a:spcPts val="0"/>
+              </a:spcAft>
+              <a:buClr>
+                <a:srgbClr val="000000"/>
+              </a:buClr>
+              <a:buSzPts val="2000"/>
+              <a:buFont typeface="Arial"/>
+              <a:buNone/>
+              <a:defRPr sz="2000" b="0" i="0" u="none" strike="noStrike" cap="none">
                 <a:solidFill>
                   <a:schemeClr val="dk2"/>
                 </a:solidFill>
@@ -5186,23 +5268,23 @@
                 <a:sym typeface="Arial"/>
               </a:defRPr>
             </a:lvl1pPr>
-            <a:lvl2pPr indent="0" lvl="1" marL="0" marR="0" algn="r">
-              <a:lnSpc>
-                <a:spcPct val="100000"/>
-              </a:lnSpc>
-              <a:spcBef>
-                <a:spcPts val="0"/>
-              </a:spcBef>
-              <a:spcAft>
-                <a:spcPts val="0"/>
-              </a:spcAft>
-              <a:buClr>
-                <a:srgbClr val="000000"/>
-              </a:buClr>
-              <a:buSzPts val="2000"/>
-              <a:buFont typeface="Arial"/>
-              <a:buNone/>
-              <a:defRPr b="0" i="0" sz="2000" u="none" cap="none" strike="noStrike">
+            <a:lvl2pPr marL="0" marR="0" lvl="1" indent="0" algn="r">
+              <a:lnSpc>
+                <a:spcPct val="100000"/>
+              </a:lnSpc>
+              <a:spcBef>
+                <a:spcPts val="0"/>
+              </a:spcBef>
+              <a:spcAft>
+                <a:spcPts val="0"/>
+              </a:spcAft>
+              <a:buClr>
+                <a:srgbClr val="000000"/>
+              </a:buClr>
+              <a:buSzPts val="2000"/>
+              <a:buFont typeface="Arial"/>
+              <a:buNone/>
+              <a:defRPr sz="2000" b="0" i="0" u="none" strike="noStrike" cap="none">
                 <a:solidFill>
                   <a:schemeClr val="dk2"/>
                 </a:solidFill>
@@ -5212,23 +5294,23 @@
                 <a:sym typeface="Arial"/>
               </a:defRPr>
             </a:lvl2pPr>
-            <a:lvl3pPr indent="0" lvl="2" marL="0" marR="0" algn="r">
-              <a:lnSpc>
-                <a:spcPct val="100000"/>
-              </a:lnSpc>
-              <a:spcBef>
-                <a:spcPts val="0"/>
-              </a:spcBef>
-              <a:spcAft>
-                <a:spcPts val="0"/>
-              </a:spcAft>
-              <a:buClr>
-                <a:srgbClr val="000000"/>
-              </a:buClr>
-              <a:buSzPts val="2000"/>
-              <a:buFont typeface="Arial"/>
-              <a:buNone/>
-              <a:defRPr b="0" i="0" sz="2000" u="none" cap="none" strike="noStrike">
+            <a:lvl3pPr marL="0" marR="0" lvl="2" indent="0" algn="r">
+              <a:lnSpc>
+                <a:spcPct val="100000"/>
+              </a:lnSpc>
+              <a:spcBef>
+                <a:spcPts val="0"/>
+              </a:spcBef>
+              <a:spcAft>
+                <a:spcPts val="0"/>
+              </a:spcAft>
+              <a:buClr>
+                <a:srgbClr val="000000"/>
+              </a:buClr>
+              <a:buSzPts val="2000"/>
+              <a:buFont typeface="Arial"/>
+              <a:buNone/>
+              <a:defRPr sz="2000" b="0" i="0" u="none" strike="noStrike" cap="none">
                 <a:solidFill>
                   <a:schemeClr val="dk2"/>
                 </a:solidFill>
@@ -5238,23 +5320,23 @@
                 <a:sym typeface="Arial"/>
               </a:defRPr>
             </a:lvl3pPr>
-            <a:lvl4pPr indent="0" lvl="3" marL="0" marR="0" algn="r">
-              <a:lnSpc>
-                <a:spcPct val="100000"/>
-              </a:lnSpc>
-              <a:spcBef>
-                <a:spcPts val="0"/>
-              </a:spcBef>
-              <a:spcAft>
-                <a:spcPts val="0"/>
-              </a:spcAft>
-              <a:buClr>
-                <a:srgbClr val="000000"/>
-              </a:buClr>
-              <a:buSzPts val="2000"/>
-              <a:buFont typeface="Arial"/>
-              <a:buNone/>
-              <a:defRPr b="0" i="0" sz="2000" u="none" cap="none" strike="noStrike">
+            <a:lvl4pPr marL="0" marR="0" lvl="3" indent="0" algn="r">
+              <a:lnSpc>
+                <a:spcPct val="100000"/>
+              </a:lnSpc>
+              <a:spcBef>
+                <a:spcPts val="0"/>
+              </a:spcBef>
+              <a:spcAft>
+                <a:spcPts val="0"/>
+              </a:spcAft>
+              <a:buClr>
+                <a:srgbClr val="000000"/>
+              </a:buClr>
+              <a:buSzPts val="2000"/>
+              <a:buFont typeface="Arial"/>
+              <a:buNone/>
+              <a:defRPr sz="2000" b="0" i="0" u="none" strike="noStrike" cap="none">
                 <a:solidFill>
                   <a:schemeClr val="dk2"/>
                 </a:solidFill>
@@ -5264,23 +5346,23 @@
                 <a:sym typeface="Arial"/>
               </a:defRPr>
             </a:lvl4pPr>
-            <a:lvl5pPr indent="0" lvl="4" marL="0" marR="0" algn="r">
-              <a:lnSpc>
-                <a:spcPct val="100000"/>
-              </a:lnSpc>
-              <a:spcBef>
-                <a:spcPts val="0"/>
-              </a:spcBef>
-              <a:spcAft>
-                <a:spcPts val="0"/>
-              </a:spcAft>
-              <a:buClr>
-                <a:srgbClr val="000000"/>
-              </a:buClr>
-              <a:buSzPts val="2000"/>
-              <a:buFont typeface="Arial"/>
-              <a:buNone/>
-              <a:defRPr b="0" i="0" sz="2000" u="none" cap="none" strike="noStrike">
+            <a:lvl5pPr marL="0" marR="0" lvl="4" indent="0" algn="r">
+              <a:lnSpc>
+                <a:spcPct val="100000"/>
+              </a:lnSpc>
+              <a:spcBef>
+                <a:spcPts val="0"/>
+              </a:spcBef>
+              <a:spcAft>
+                <a:spcPts val="0"/>
+              </a:spcAft>
+              <a:buClr>
+                <a:srgbClr val="000000"/>
+              </a:buClr>
+              <a:buSzPts val="2000"/>
+              <a:buFont typeface="Arial"/>
+              <a:buNone/>
+              <a:defRPr sz="2000" b="0" i="0" u="none" strike="noStrike" cap="none">
                 <a:solidFill>
                   <a:schemeClr val="dk2"/>
                 </a:solidFill>
@@ -5290,23 +5372,23 @@
                 <a:sym typeface="Arial"/>
               </a:defRPr>
             </a:lvl5pPr>
-            <a:lvl6pPr indent="0" lvl="5" marL="0" marR="0" algn="r">
-              <a:lnSpc>
-                <a:spcPct val="100000"/>
-              </a:lnSpc>
-              <a:spcBef>
-                <a:spcPts val="0"/>
-              </a:spcBef>
-              <a:spcAft>
-                <a:spcPts val="0"/>
-              </a:spcAft>
-              <a:buClr>
-                <a:srgbClr val="000000"/>
-              </a:buClr>
-              <a:buSzPts val="2000"/>
-              <a:buFont typeface="Arial"/>
-              <a:buNone/>
-              <a:defRPr b="0" i="0" sz="2000" u="none" cap="none" strike="noStrike">
+            <a:lvl6pPr marL="0" marR="0" lvl="5" indent="0" algn="r">
+              <a:lnSpc>
+                <a:spcPct val="100000"/>
+              </a:lnSpc>
+              <a:spcBef>
+                <a:spcPts val="0"/>
+              </a:spcBef>
+              <a:spcAft>
+                <a:spcPts val="0"/>
+              </a:spcAft>
+              <a:buClr>
+                <a:srgbClr val="000000"/>
+              </a:buClr>
+              <a:buSzPts val="2000"/>
+              <a:buFont typeface="Arial"/>
+              <a:buNone/>
+              <a:defRPr sz="2000" b="0" i="0" u="none" strike="noStrike" cap="none">
                 <a:solidFill>
                   <a:schemeClr val="dk2"/>
                 </a:solidFill>
@@ -5316,23 +5398,23 @@
                 <a:sym typeface="Arial"/>
               </a:defRPr>
             </a:lvl6pPr>
-            <a:lvl7pPr indent="0" lvl="6" marL="0" marR="0" algn="r">
-              <a:lnSpc>
-                <a:spcPct val="100000"/>
-              </a:lnSpc>
-              <a:spcBef>
-                <a:spcPts val="0"/>
-              </a:spcBef>
-              <a:spcAft>
-                <a:spcPts val="0"/>
-              </a:spcAft>
-              <a:buClr>
-                <a:srgbClr val="000000"/>
-              </a:buClr>
-              <a:buSzPts val="2000"/>
-              <a:buFont typeface="Arial"/>
-              <a:buNone/>
-              <a:defRPr b="0" i="0" sz="2000" u="none" cap="none" strike="noStrike">
+            <a:lvl7pPr marL="0" marR="0" lvl="6" indent="0" algn="r">
+              <a:lnSpc>
+                <a:spcPct val="100000"/>
+              </a:lnSpc>
+              <a:spcBef>
+                <a:spcPts val="0"/>
+              </a:spcBef>
+              <a:spcAft>
+                <a:spcPts val="0"/>
+              </a:spcAft>
+              <a:buClr>
+                <a:srgbClr val="000000"/>
+              </a:buClr>
+              <a:buSzPts val="2000"/>
+              <a:buFont typeface="Arial"/>
+              <a:buNone/>
+              <a:defRPr sz="2000" b="0" i="0" u="none" strike="noStrike" cap="none">
                 <a:solidFill>
                   <a:schemeClr val="dk2"/>
                 </a:solidFill>
@@ -5342,23 +5424,23 @@
                 <a:sym typeface="Arial"/>
               </a:defRPr>
             </a:lvl7pPr>
-            <a:lvl8pPr indent="0" lvl="7" marL="0" marR="0" algn="r">
-              <a:lnSpc>
-                <a:spcPct val="100000"/>
-              </a:lnSpc>
-              <a:spcBef>
-                <a:spcPts val="0"/>
-              </a:spcBef>
-              <a:spcAft>
-                <a:spcPts val="0"/>
-              </a:spcAft>
-              <a:buClr>
-                <a:srgbClr val="000000"/>
-              </a:buClr>
-              <a:buSzPts val="2000"/>
-              <a:buFont typeface="Arial"/>
-              <a:buNone/>
-              <a:defRPr b="0" i="0" sz="2000" u="none" cap="none" strike="noStrike">
+            <a:lvl8pPr marL="0" marR="0" lvl="7" indent="0" algn="r">
+              <a:lnSpc>
+                <a:spcPct val="100000"/>
+              </a:lnSpc>
+              <a:spcBef>
+                <a:spcPts val="0"/>
+              </a:spcBef>
+              <a:spcAft>
+                <a:spcPts val="0"/>
+              </a:spcAft>
+              <a:buClr>
+                <a:srgbClr val="000000"/>
+              </a:buClr>
+              <a:buSzPts val="2000"/>
+              <a:buFont typeface="Arial"/>
+              <a:buNone/>
+              <a:defRPr sz="2000" b="0" i="0" u="none" strike="noStrike" cap="none">
                 <a:solidFill>
                   <a:schemeClr val="dk2"/>
                 </a:solidFill>
@@ -5368,23 +5450,23 @@
                 <a:sym typeface="Arial"/>
               </a:defRPr>
             </a:lvl8pPr>
-            <a:lvl9pPr indent="0" lvl="8" marL="0" marR="0" algn="r">
-              <a:lnSpc>
-                <a:spcPct val="100000"/>
-              </a:lnSpc>
-              <a:spcBef>
-                <a:spcPts val="0"/>
-              </a:spcBef>
-              <a:spcAft>
-                <a:spcPts val="0"/>
-              </a:spcAft>
-              <a:buClr>
-                <a:srgbClr val="000000"/>
-              </a:buClr>
-              <a:buSzPts val="2000"/>
-              <a:buFont typeface="Arial"/>
-              <a:buNone/>
-              <a:defRPr b="0" i="0" sz="2000" u="none" cap="none" strike="noStrike">
+            <a:lvl9pPr marL="0" marR="0" lvl="8" indent="0" algn="r">
+              <a:lnSpc>
+                <a:spcPct val="100000"/>
+              </a:lnSpc>
+              <a:spcBef>
+                <a:spcPts val="0"/>
+              </a:spcBef>
+              <a:spcAft>
+                <a:spcPts val="0"/>
+              </a:spcAft>
+              <a:buClr>
+                <a:srgbClr val="000000"/>
+              </a:buClr>
+              <a:buSzPts val="2000"/>
+              <a:buFont typeface="Arial"/>
+              <a:buNone/>
+              <a:defRPr sz="2000" b="0" i="0" u="none" strike="noStrike" cap="none">
                 <a:solidFill>
                   <a:schemeClr val="dk2"/>
                 </a:solidFill>
@@ -5396,7 +5478,7 @@
             </a:lvl9pPr>
           </a:lstStyle>
           <a:p>
-            <a:pPr indent="0" lvl="0" marL="0" rtl="0" algn="r">
+            <a:pPr marL="0" lvl="0" indent="0" algn="r" rtl="0">
               <a:spcBef>
                 <a:spcPts val="0"/>
               </a:spcBef>
@@ -5422,11 +5504,11 @@
 </file>
 
 <file path=ppt/slideLayouts/slideLayout7.xml><?xml version="1.0" encoding="utf-8"?>
-<p:sldLayout xmlns:a="http://schemas.openxmlformats.org/drawingml/2006/main" xmlns:r="http://schemas.openxmlformats.org/officeDocument/2006/relationships" xmlns:mc="http://schemas.openxmlformats.org/markup-compatibility/2006" xmlns:mv="urn:schemas-microsoft-com:mac:vml" xmlns:p="http://schemas.openxmlformats.org/presentationml/2006/main" xmlns:c="http://schemas.openxmlformats.org/drawingml/2006/chart" xmlns:dgm="http://schemas.openxmlformats.org/drawingml/2006/diagram" xmlns:o="urn:schemas-microsoft-com:office:office" xmlns:v="urn:schemas-microsoft-com:vml" xmlns:pvml="urn:schemas-microsoft-com:office:powerpoint" xmlns:com="http://schemas.openxmlformats.org/drawingml/2006/compatibility" xmlns:p14="http://schemas.microsoft.com/office/powerpoint/2010/main" xmlns:p15="http://schemas.microsoft.com/office/powerpoint/2012/main" matchingName="Main point">
+<p:sldLayout xmlns:a="http://schemas.openxmlformats.org/drawingml/2006/main" xmlns:r="http://schemas.openxmlformats.org/officeDocument/2006/relationships" xmlns:p="http://schemas.openxmlformats.org/presentationml/2006/main" matchingName="Main point">
   <p:cSld name="MAIN_POINT">
     <p:spTree>
       <p:nvGrpSpPr>
-        <p:cNvPr id="32" name="Shape 32"/>
+        <p:cNvPr id="1" name="Shape 32"/>
         <p:cNvGrpSpPr/>
         <p:nvPr/>
       </p:nvGrpSpPr>
@@ -5441,7 +5523,9 @@
       <p:sp>
         <p:nvSpPr>
           <p:cNvPr id="33" name="Google Shape;33;p9"/>
-          <p:cNvSpPr txBox="1"/>
+          <p:cNvSpPr txBox="1">
+            <a:spLocks noGrp="1"/>
+          </p:cNvSpPr>
           <p:nvPr>
             <p:ph type="title"/>
           </p:nvPr>
@@ -5460,7 +5544,7 @@
           </a:ln>
         </p:spPr>
         <p:txBody>
-          <a:bodyPr anchorCtr="0" anchor="ctr" bIns="182900" lIns="182900" spcFirstLastPara="1" rIns="182900" wrap="square" tIns="182900">
+          <a:bodyPr spcFirstLastPara="1" wrap="square" lIns="182900" tIns="182900" rIns="182900" bIns="182900" anchor="ctr" anchorCtr="0">
             <a:noAutofit/>
           </a:bodyPr>
           <a:lstStyle>
@@ -5591,15 +5675,19 @@
               <a:defRPr sz="9600"/>
             </a:lvl9pPr>
           </a:lstStyle>
-          <a:p/>
+          <a:p>
+            <a:endParaRPr/>
+          </a:p>
         </p:txBody>
       </p:sp>
       <p:sp>
         <p:nvSpPr>
           <p:cNvPr id="34" name="Google Shape;34;p9"/>
-          <p:cNvSpPr txBox="1"/>
+          <p:cNvSpPr txBox="1">
+            <a:spLocks noGrp="1"/>
+          </p:cNvSpPr>
           <p:nvPr>
-            <p:ph idx="12" type="sldNum"/>
+            <p:ph type="sldNum" idx="12"/>
           </p:nvPr>
         </p:nvSpPr>
         <p:spPr>
@@ -5616,27 +5704,27 @@
           </a:ln>
         </p:spPr>
         <p:txBody>
-          <a:bodyPr anchorCtr="0" anchor="ctr" bIns="182900" lIns="182900" spcFirstLastPara="1" rIns="182900" wrap="square" tIns="182900">
+          <a:bodyPr spcFirstLastPara="1" wrap="square" lIns="182900" tIns="182900" rIns="182900" bIns="182900" anchor="ctr" anchorCtr="0">
             <a:noAutofit/>
           </a:bodyPr>
           <a:lstStyle>
-            <a:lvl1pPr indent="0" lvl="0" marL="0" marR="0" algn="r">
-              <a:lnSpc>
-                <a:spcPct val="100000"/>
-              </a:lnSpc>
-              <a:spcBef>
-                <a:spcPts val="0"/>
-              </a:spcBef>
-              <a:spcAft>
-                <a:spcPts val="0"/>
-              </a:spcAft>
-              <a:buClr>
-                <a:srgbClr val="000000"/>
-              </a:buClr>
-              <a:buSzPts val="2000"/>
-              <a:buFont typeface="Arial"/>
-              <a:buNone/>
-              <a:defRPr b="0" i="0" sz="2000" u="none" cap="none" strike="noStrike">
+            <a:lvl1pPr marL="0" marR="0" lvl="0" indent="0" algn="r">
+              <a:lnSpc>
+                <a:spcPct val="100000"/>
+              </a:lnSpc>
+              <a:spcBef>
+                <a:spcPts val="0"/>
+              </a:spcBef>
+              <a:spcAft>
+                <a:spcPts val="0"/>
+              </a:spcAft>
+              <a:buClr>
+                <a:srgbClr val="000000"/>
+              </a:buClr>
+              <a:buSzPts val="2000"/>
+              <a:buFont typeface="Arial"/>
+              <a:buNone/>
+              <a:defRPr sz="2000" b="0" i="0" u="none" strike="noStrike" cap="none">
                 <a:solidFill>
                   <a:schemeClr val="dk2"/>
                 </a:solidFill>
@@ -5646,23 +5734,23 @@
                 <a:sym typeface="Arial"/>
               </a:defRPr>
             </a:lvl1pPr>
-            <a:lvl2pPr indent="0" lvl="1" marL="0" marR="0" algn="r">
-              <a:lnSpc>
-                <a:spcPct val="100000"/>
-              </a:lnSpc>
-              <a:spcBef>
-                <a:spcPts val="0"/>
-              </a:spcBef>
-              <a:spcAft>
-                <a:spcPts val="0"/>
-              </a:spcAft>
-              <a:buClr>
-                <a:srgbClr val="000000"/>
-              </a:buClr>
-              <a:buSzPts val="2000"/>
-              <a:buFont typeface="Arial"/>
-              <a:buNone/>
-              <a:defRPr b="0" i="0" sz="2000" u="none" cap="none" strike="noStrike">
+            <a:lvl2pPr marL="0" marR="0" lvl="1" indent="0" algn="r">
+              <a:lnSpc>
+                <a:spcPct val="100000"/>
+              </a:lnSpc>
+              <a:spcBef>
+                <a:spcPts val="0"/>
+              </a:spcBef>
+              <a:spcAft>
+                <a:spcPts val="0"/>
+              </a:spcAft>
+              <a:buClr>
+                <a:srgbClr val="000000"/>
+              </a:buClr>
+              <a:buSzPts val="2000"/>
+              <a:buFont typeface="Arial"/>
+              <a:buNone/>
+              <a:defRPr sz="2000" b="0" i="0" u="none" strike="noStrike" cap="none">
                 <a:solidFill>
                   <a:schemeClr val="dk2"/>
                 </a:solidFill>
@@ -5672,23 +5760,23 @@
                 <a:sym typeface="Arial"/>
               </a:defRPr>
             </a:lvl2pPr>
-            <a:lvl3pPr indent="0" lvl="2" marL="0" marR="0" algn="r">
-              <a:lnSpc>
-                <a:spcPct val="100000"/>
-              </a:lnSpc>
-              <a:spcBef>
-                <a:spcPts val="0"/>
-              </a:spcBef>
-              <a:spcAft>
-                <a:spcPts val="0"/>
-              </a:spcAft>
-              <a:buClr>
-                <a:srgbClr val="000000"/>
-              </a:buClr>
-              <a:buSzPts val="2000"/>
-              <a:buFont typeface="Arial"/>
-              <a:buNone/>
-              <a:defRPr b="0" i="0" sz="2000" u="none" cap="none" strike="noStrike">
+            <a:lvl3pPr marL="0" marR="0" lvl="2" indent="0" algn="r">
+              <a:lnSpc>
+                <a:spcPct val="100000"/>
+              </a:lnSpc>
+              <a:spcBef>
+                <a:spcPts val="0"/>
+              </a:spcBef>
+              <a:spcAft>
+                <a:spcPts val="0"/>
+              </a:spcAft>
+              <a:buClr>
+                <a:srgbClr val="000000"/>
+              </a:buClr>
+              <a:buSzPts val="2000"/>
+              <a:buFont typeface="Arial"/>
+              <a:buNone/>
+              <a:defRPr sz="2000" b="0" i="0" u="none" strike="noStrike" cap="none">
                 <a:solidFill>
                   <a:schemeClr val="dk2"/>
                 </a:solidFill>
@@ -5698,23 +5786,23 @@
                 <a:sym typeface="Arial"/>
               </a:defRPr>
             </a:lvl3pPr>
-            <a:lvl4pPr indent="0" lvl="3" marL="0" marR="0" algn="r">
-              <a:lnSpc>
-                <a:spcPct val="100000"/>
-              </a:lnSpc>
-              <a:spcBef>
-                <a:spcPts val="0"/>
-              </a:spcBef>
-              <a:spcAft>
-                <a:spcPts val="0"/>
-              </a:spcAft>
-              <a:buClr>
-                <a:srgbClr val="000000"/>
-              </a:buClr>
-              <a:buSzPts val="2000"/>
-              <a:buFont typeface="Arial"/>
-              <a:buNone/>
-              <a:defRPr b="0" i="0" sz="2000" u="none" cap="none" strike="noStrike">
+            <a:lvl4pPr marL="0" marR="0" lvl="3" indent="0" algn="r">
+              <a:lnSpc>
+                <a:spcPct val="100000"/>
+              </a:lnSpc>
+              <a:spcBef>
+                <a:spcPts val="0"/>
+              </a:spcBef>
+              <a:spcAft>
+                <a:spcPts val="0"/>
+              </a:spcAft>
+              <a:buClr>
+                <a:srgbClr val="000000"/>
+              </a:buClr>
+              <a:buSzPts val="2000"/>
+              <a:buFont typeface="Arial"/>
+              <a:buNone/>
+              <a:defRPr sz="2000" b="0" i="0" u="none" strike="noStrike" cap="none">
                 <a:solidFill>
                   <a:schemeClr val="dk2"/>
                 </a:solidFill>
@@ -5724,23 +5812,23 @@
                 <a:sym typeface="Arial"/>
               </a:defRPr>
             </a:lvl4pPr>
-            <a:lvl5pPr indent="0" lvl="4" marL="0" marR="0" algn="r">
-              <a:lnSpc>
-                <a:spcPct val="100000"/>
-              </a:lnSpc>
-              <a:spcBef>
-                <a:spcPts val="0"/>
-              </a:spcBef>
-              <a:spcAft>
-                <a:spcPts val="0"/>
-              </a:spcAft>
-              <a:buClr>
-                <a:srgbClr val="000000"/>
-              </a:buClr>
-              <a:buSzPts val="2000"/>
-              <a:buFont typeface="Arial"/>
-              <a:buNone/>
-              <a:defRPr b="0" i="0" sz="2000" u="none" cap="none" strike="noStrike">
+            <a:lvl5pPr marL="0" marR="0" lvl="4" indent="0" algn="r">
+              <a:lnSpc>
+                <a:spcPct val="100000"/>
+              </a:lnSpc>
+              <a:spcBef>
+                <a:spcPts val="0"/>
+              </a:spcBef>
+              <a:spcAft>
+                <a:spcPts val="0"/>
+              </a:spcAft>
+              <a:buClr>
+                <a:srgbClr val="000000"/>
+              </a:buClr>
+              <a:buSzPts val="2000"/>
+              <a:buFont typeface="Arial"/>
+              <a:buNone/>
+              <a:defRPr sz="2000" b="0" i="0" u="none" strike="noStrike" cap="none">
                 <a:solidFill>
                   <a:schemeClr val="dk2"/>
                 </a:solidFill>
@@ -5750,23 +5838,23 @@
                 <a:sym typeface="Arial"/>
               </a:defRPr>
             </a:lvl5pPr>
-            <a:lvl6pPr indent="0" lvl="5" marL="0" marR="0" algn="r">
-              <a:lnSpc>
-                <a:spcPct val="100000"/>
-              </a:lnSpc>
-              <a:spcBef>
-                <a:spcPts val="0"/>
-              </a:spcBef>
-              <a:spcAft>
-                <a:spcPts val="0"/>
-              </a:spcAft>
-              <a:buClr>
-                <a:srgbClr val="000000"/>
-              </a:buClr>
-              <a:buSzPts val="2000"/>
-              <a:buFont typeface="Arial"/>
-              <a:buNone/>
-              <a:defRPr b="0" i="0" sz="2000" u="none" cap="none" strike="noStrike">
+            <a:lvl6pPr marL="0" marR="0" lvl="5" indent="0" algn="r">
+              <a:lnSpc>
+                <a:spcPct val="100000"/>
+              </a:lnSpc>
+              <a:spcBef>
+                <a:spcPts val="0"/>
+              </a:spcBef>
+              <a:spcAft>
+                <a:spcPts val="0"/>
+              </a:spcAft>
+              <a:buClr>
+                <a:srgbClr val="000000"/>
+              </a:buClr>
+              <a:buSzPts val="2000"/>
+              <a:buFont typeface="Arial"/>
+              <a:buNone/>
+              <a:defRPr sz="2000" b="0" i="0" u="none" strike="noStrike" cap="none">
                 <a:solidFill>
                   <a:schemeClr val="dk2"/>
                 </a:solidFill>
@@ -5776,23 +5864,23 @@
                 <a:sym typeface="Arial"/>
               </a:defRPr>
             </a:lvl6pPr>
-            <a:lvl7pPr indent="0" lvl="6" marL="0" marR="0" algn="r">
-              <a:lnSpc>
-                <a:spcPct val="100000"/>
-              </a:lnSpc>
-              <a:spcBef>
-                <a:spcPts val="0"/>
-              </a:spcBef>
-              <a:spcAft>
-                <a:spcPts val="0"/>
-              </a:spcAft>
-              <a:buClr>
-                <a:srgbClr val="000000"/>
-              </a:buClr>
-              <a:buSzPts val="2000"/>
-              <a:buFont typeface="Arial"/>
-              <a:buNone/>
-              <a:defRPr b="0" i="0" sz="2000" u="none" cap="none" strike="noStrike">
+            <a:lvl7pPr marL="0" marR="0" lvl="6" indent="0" algn="r">
+              <a:lnSpc>
+                <a:spcPct val="100000"/>
+              </a:lnSpc>
+              <a:spcBef>
+                <a:spcPts val="0"/>
+              </a:spcBef>
+              <a:spcAft>
+                <a:spcPts val="0"/>
+              </a:spcAft>
+              <a:buClr>
+                <a:srgbClr val="000000"/>
+              </a:buClr>
+              <a:buSzPts val="2000"/>
+              <a:buFont typeface="Arial"/>
+              <a:buNone/>
+              <a:defRPr sz="2000" b="0" i="0" u="none" strike="noStrike" cap="none">
                 <a:solidFill>
                   <a:schemeClr val="dk2"/>
                 </a:solidFill>
@@ -5802,23 +5890,23 @@
                 <a:sym typeface="Arial"/>
               </a:defRPr>
             </a:lvl7pPr>
-            <a:lvl8pPr indent="0" lvl="7" marL="0" marR="0" algn="r">
-              <a:lnSpc>
-                <a:spcPct val="100000"/>
-              </a:lnSpc>
-              <a:spcBef>
-                <a:spcPts val="0"/>
-              </a:spcBef>
-              <a:spcAft>
-                <a:spcPts val="0"/>
-              </a:spcAft>
-              <a:buClr>
-                <a:srgbClr val="000000"/>
-              </a:buClr>
-              <a:buSzPts val="2000"/>
-              <a:buFont typeface="Arial"/>
-              <a:buNone/>
-              <a:defRPr b="0" i="0" sz="2000" u="none" cap="none" strike="noStrike">
+            <a:lvl8pPr marL="0" marR="0" lvl="7" indent="0" algn="r">
+              <a:lnSpc>
+                <a:spcPct val="100000"/>
+              </a:lnSpc>
+              <a:spcBef>
+                <a:spcPts val="0"/>
+              </a:spcBef>
+              <a:spcAft>
+                <a:spcPts val="0"/>
+              </a:spcAft>
+              <a:buClr>
+                <a:srgbClr val="000000"/>
+              </a:buClr>
+              <a:buSzPts val="2000"/>
+              <a:buFont typeface="Arial"/>
+              <a:buNone/>
+              <a:defRPr sz="2000" b="0" i="0" u="none" strike="noStrike" cap="none">
                 <a:solidFill>
                   <a:schemeClr val="dk2"/>
                 </a:solidFill>
@@ -5828,23 +5916,23 @@
                 <a:sym typeface="Arial"/>
               </a:defRPr>
             </a:lvl8pPr>
-            <a:lvl9pPr indent="0" lvl="8" marL="0" marR="0" algn="r">
-              <a:lnSpc>
-                <a:spcPct val="100000"/>
-              </a:lnSpc>
-              <a:spcBef>
-                <a:spcPts val="0"/>
-              </a:spcBef>
-              <a:spcAft>
-                <a:spcPts val="0"/>
-              </a:spcAft>
-              <a:buClr>
-                <a:srgbClr val="000000"/>
-              </a:buClr>
-              <a:buSzPts val="2000"/>
-              <a:buFont typeface="Arial"/>
-              <a:buNone/>
-              <a:defRPr b="0" i="0" sz="2000" u="none" cap="none" strike="noStrike">
+            <a:lvl9pPr marL="0" marR="0" lvl="8" indent="0" algn="r">
+              <a:lnSpc>
+                <a:spcPct val="100000"/>
+              </a:lnSpc>
+              <a:spcBef>
+                <a:spcPts val="0"/>
+              </a:spcBef>
+              <a:spcAft>
+                <a:spcPts val="0"/>
+              </a:spcAft>
+              <a:buClr>
+                <a:srgbClr val="000000"/>
+              </a:buClr>
+              <a:buSzPts val="2000"/>
+              <a:buFont typeface="Arial"/>
+              <a:buNone/>
+              <a:defRPr sz="2000" b="0" i="0" u="none" strike="noStrike" cap="none">
                 <a:solidFill>
                   <a:schemeClr val="dk2"/>
                 </a:solidFill>
@@ -5856,7 +5944,7 @@
             </a:lvl9pPr>
           </a:lstStyle>
           <a:p>
-            <a:pPr indent="0" lvl="0" marL="0" rtl="0" algn="r">
+            <a:pPr marL="0" lvl="0" indent="0" algn="r" rtl="0">
               <a:spcBef>
                 <a:spcPts val="0"/>
               </a:spcBef>
@@ -5882,11 +5970,11 @@
 </file>
 
 <file path=ppt/slideLayouts/slideLayout8.xml><?xml version="1.0" encoding="utf-8"?>
-<p:sldLayout xmlns:a="http://schemas.openxmlformats.org/drawingml/2006/main" xmlns:r="http://schemas.openxmlformats.org/officeDocument/2006/relationships" xmlns:mc="http://schemas.openxmlformats.org/markup-compatibility/2006" xmlns:mv="urn:schemas-microsoft-com:mac:vml" xmlns:p="http://schemas.openxmlformats.org/presentationml/2006/main" xmlns:c="http://schemas.openxmlformats.org/drawingml/2006/chart" xmlns:dgm="http://schemas.openxmlformats.org/drawingml/2006/diagram" xmlns:o="urn:schemas-microsoft-com:office:office" xmlns:v="urn:schemas-microsoft-com:vml" xmlns:pvml="urn:schemas-microsoft-com:office:powerpoint" xmlns:com="http://schemas.openxmlformats.org/drawingml/2006/compatibility" xmlns:p14="http://schemas.microsoft.com/office/powerpoint/2010/main" xmlns:p15="http://schemas.microsoft.com/office/powerpoint/2012/main" matchingName="Section title and description">
+<p:sldLayout xmlns:a="http://schemas.openxmlformats.org/drawingml/2006/main" xmlns:r="http://schemas.openxmlformats.org/officeDocument/2006/relationships" xmlns:p="http://schemas.openxmlformats.org/presentationml/2006/main" matchingName="Section title and description">
   <p:cSld name="SECTION_TITLE_AND_DESCRIPTION">
     <p:spTree>
       <p:nvGrpSpPr>
-        <p:cNvPr id="35" name="Shape 35"/>
+        <p:cNvPr id="1" name="Shape 35"/>
         <p:cNvGrpSpPr/>
         <p:nvPr/>
       </p:nvGrpSpPr>
@@ -5920,12 +6008,12 @@
           </a:ln>
         </p:spPr>
         <p:txBody>
-          <a:bodyPr anchorCtr="0" anchor="ctr" bIns="182900" lIns="182900" spcFirstLastPara="1" rIns="182900" wrap="square" tIns="182900">
+          <a:bodyPr spcFirstLastPara="1" wrap="square" lIns="182900" tIns="182900" rIns="182900" bIns="182900" anchor="ctr" anchorCtr="0">
             <a:noAutofit/>
           </a:bodyPr>
           <a:lstStyle/>
           <a:p>
-            <a:pPr indent="0" lvl="0" marL="0" marR="0" rtl="0" algn="l">
+            <a:pPr marL="0" marR="0" lvl="0" indent="0" algn="l" rtl="0">
               <a:lnSpc>
                 <a:spcPct val="100000"/>
               </a:lnSpc>
@@ -5942,10 +6030,7 @@
               <a:buFont typeface="Arial"/>
               <a:buNone/>
             </a:pPr>
-            <a:r>
-              <a:t/>
-            </a:r>
-            <a:endParaRPr b="0" i="0" sz="2200" u="none" cap="none" strike="noStrike">
+            <a:endParaRPr sz="2200" b="0" i="0" u="none" strike="noStrike" cap="none">
               <a:solidFill>
                 <a:srgbClr val="000000"/>
               </a:solidFill>
@@ -5960,7 +6045,9 @@
       <p:sp>
         <p:nvSpPr>
           <p:cNvPr id="37" name="Google Shape;37;p10"/>
-          <p:cNvSpPr txBox="1"/>
+          <p:cNvSpPr txBox="1">
+            <a:spLocks noGrp="1"/>
+          </p:cNvSpPr>
           <p:nvPr>
             <p:ph type="title"/>
           </p:nvPr>
@@ -5979,7 +6066,7 @@
           </a:ln>
         </p:spPr>
         <p:txBody>
-          <a:bodyPr anchorCtr="0" anchor="b" bIns="182900" lIns="182900" spcFirstLastPara="1" rIns="182900" wrap="square" tIns="182900">
+          <a:bodyPr spcFirstLastPara="1" wrap="square" lIns="182900" tIns="182900" rIns="182900" bIns="182900" anchor="b" anchorCtr="0">
             <a:noAutofit/>
           </a:bodyPr>
           <a:lstStyle>
@@ -6110,15 +6197,19 @@
               <a:defRPr sz="8400"/>
             </a:lvl9pPr>
           </a:lstStyle>
-          <a:p/>
+          <a:p>
+            <a:endParaRPr/>
+          </a:p>
         </p:txBody>
       </p:sp>
       <p:sp>
         <p:nvSpPr>
           <p:cNvPr id="38" name="Google Shape;38;p10"/>
-          <p:cNvSpPr txBox="1"/>
+          <p:cNvSpPr txBox="1">
+            <a:spLocks noGrp="1"/>
+          </p:cNvSpPr>
           <p:nvPr>
-            <p:ph idx="1" type="subTitle"/>
+            <p:ph type="subTitle" idx="1"/>
           </p:nvPr>
         </p:nvSpPr>
         <p:spPr>
@@ -6135,7 +6226,7 @@
           </a:ln>
         </p:spPr>
         <p:txBody>
-          <a:bodyPr anchorCtr="0" anchor="t" bIns="182900" lIns="182900" spcFirstLastPara="1" rIns="182900" wrap="square" tIns="182900">
+          <a:bodyPr spcFirstLastPara="1" wrap="square" lIns="182900" tIns="182900" rIns="182900" bIns="182900" anchor="t" anchorCtr="0">
             <a:noAutofit/>
           </a:bodyPr>
           <a:lstStyle>
@@ -6266,15 +6357,19 @@
               <a:defRPr sz="4200"/>
             </a:lvl9pPr>
           </a:lstStyle>
-          <a:p/>
+          <a:p>
+            <a:endParaRPr/>
+          </a:p>
         </p:txBody>
       </p:sp>
       <p:sp>
         <p:nvSpPr>
           <p:cNvPr id="39" name="Google Shape;39;p10"/>
-          <p:cNvSpPr txBox="1"/>
+          <p:cNvSpPr txBox="1">
+            <a:spLocks noGrp="1"/>
+          </p:cNvSpPr>
           <p:nvPr>
-            <p:ph idx="2" type="body"/>
+            <p:ph type="body" idx="2"/>
           </p:nvPr>
         </p:nvSpPr>
         <p:spPr>
@@ -6291,11 +6386,11 @@
           </a:ln>
         </p:spPr>
         <p:txBody>
-          <a:bodyPr anchorCtr="0" anchor="ctr" bIns="182900" lIns="182900" spcFirstLastPara="1" rIns="182900" wrap="square" tIns="182900">
+          <a:bodyPr spcFirstLastPara="1" wrap="square" lIns="182900" tIns="182900" rIns="182900" bIns="182900" anchor="ctr" anchorCtr="0">
             <a:noAutofit/>
           </a:bodyPr>
           <a:lstStyle>
-            <a:lvl1pPr indent="-457200" lvl="0" marL="457200" algn="l">
+            <a:lvl1pPr marL="457200" lvl="0" indent="-457200" algn="l">
               <a:lnSpc>
                 <a:spcPct val="115000"/>
               </a:lnSpc>
@@ -6309,7 +6404,7 @@
               <a:buChar char="●"/>
               <a:defRPr/>
             </a:lvl1pPr>
-            <a:lvl2pPr indent="-406400" lvl="1" marL="914400" algn="l">
+            <a:lvl2pPr marL="914400" lvl="1" indent="-406400" algn="l">
               <a:lnSpc>
                 <a:spcPct val="115000"/>
               </a:lnSpc>
@@ -6323,7 +6418,7 @@
               <a:buChar char="○"/>
               <a:defRPr/>
             </a:lvl2pPr>
-            <a:lvl3pPr indent="-406400" lvl="2" marL="1371600" algn="l">
+            <a:lvl3pPr marL="1371600" lvl="2" indent="-406400" algn="l">
               <a:lnSpc>
                 <a:spcPct val="115000"/>
               </a:lnSpc>
@@ -6337,7 +6432,7 @@
               <a:buChar char="■"/>
               <a:defRPr/>
             </a:lvl3pPr>
-            <a:lvl4pPr indent="-406400" lvl="3" marL="1828800" algn="l">
+            <a:lvl4pPr marL="1828800" lvl="3" indent="-406400" algn="l">
               <a:lnSpc>
                 <a:spcPct val="115000"/>
               </a:lnSpc>
@@ -6351,7 +6446,7 @@
               <a:buChar char="●"/>
               <a:defRPr/>
             </a:lvl4pPr>
-            <a:lvl5pPr indent="-406400" lvl="4" marL="2286000" algn="l">
+            <a:lvl5pPr marL="2286000" lvl="4" indent="-406400" algn="l">
               <a:lnSpc>
                 <a:spcPct val="115000"/>
               </a:lnSpc>
@@ -6365,7 +6460,7 @@
               <a:buChar char="○"/>
               <a:defRPr/>
             </a:lvl5pPr>
-            <a:lvl6pPr indent="-406400" lvl="5" marL="2743200" algn="l">
+            <a:lvl6pPr marL="2743200" lvl="5" indent="-406400" algn="l">
               <a:lnSpc>
                 <a:spcPct val="115000"/>
               </a:lnSpc>
@@ -6379,7 +6474,7 @@
               <a:buChar char="■"/>
               <a:defRPr/>
             </a:lvl6pPr>
-            <a:lvl7pPr indent="-406400" lvl="6" marL="3200400" algn="l">
+            <a:lvl7pPr marL="3200400" lvl="6" indent="-406400" algn="l">
               <a:lnSpc>
                 <a:spcPct val="115000"/>
               </a:lnSpc>
@@ -6393,7 +6488,7 @@
               <a:buChar char="●"/>
               <a:defRPr/>
             </a:lvl7pPr>
-            <a:lvl8pPr indent="-406400" lvl="7" marL="3657600" algn="l">
+            <a:lvl8pPr marL="3657600" lvl="7" indent="-406400" algn="l">
               <a:lnSpc>
                 <a:spcPct val="115000"/>
               </a:lnSpc>
@@ -6407,7 +6502,7 @@
               <a:buChar char="○"/>
               <a:defRPr/>
             </a:lvl8pPr>
-            <a:lvl9pPr indent="-406400" lvl="8" marL="4114800" algn="l">
+            <a:lvl9pPr marL="4114800" lvl="8" indent="-406400" algn="l">
               <a:lnSpc>
                 <a:spcPct val="115000"/>
               </a:lnSpc>
@@ -6422,15 +6517,19 @@
               <a:defRPr/>
             </a:lvl9pPr>
           </a:lstStyle>
-          <a:p/>
+          <a:p>
+            <a:endParaRPr/>
+          </a:p>
         </p:txBody>
       </p:sp>
       <p:sp>
         <p:nvSpPr>
           <p:cNvPr id="40" name="Google Shape;40;p10"/>
-          <p:cNvSpPr txBox="1"/>
+          <p:cNvSpPr txBox="1">
+            <a:spLocks noGrp="1"/>
+          </p:cNvSpPr>
           <p:nvPr>
-            <p:ph idx="12" type="sldNum"/>
+            <p:ph type="sldNum" idx="12"/>
           </p:nvPr>
         </p:nvSpPr>
         <p:spPr>
@@ -6447,27 +6546,27 @@
           </a:ln>
         </p:spPr>
         <p:txBody>
-          <a:bodyPr anchorCtr="0" anchor="ctr" bIns="182900" lIns="182900" spcFirstLastPara="1" rIns="182900" wrap="square" tIns="182900">
+          <a:bodyPr spcFirstLastPara="1" wrap="square" lIns="182900" tIns="182900" rIns="182900" bIns="182900" anchor="ctr" anchorCtr="0">
             <a:noAutofit/>
           </a:bodyPr>
           <a:lstStyle>
-            <a:lvl1pPr indent="0" lvl="0" marL="0" marR="0" algn="r">
-              <a:lnSpc>
-                <a:spcPct val="100000"/>
-              </a:lnSpc>
-              <a:spcBef>
-                <a:spcPts val="0"/>
-              </a:spcBef>
-              <a:spcAft>
-                <a:spcPts val="0"/>
-              </a:spcAft>
-              <a:buClr>
-                <a:srgbClr val="000000"/>
-              </a:buClr>
-              <a:buSzPts val="2000"/>
-              <a:buFont typeface="Arial"/>
-              <a:buNone/>
-              <a:defRPr b="0" i="0" sz="2000" u="none" cap="none" strike="noStrike">
+            <a:lvl1pPr marL="0" marR="0" lvl="0" indent="0" algn="r">
+              <a:lnSpc>
+                <a:spcPct val="100000"/>
+              </a:lnSpc>
+              <a:spcBef>
+                <a:spcPts val="0"/>
+              </a:spcBef>
+              <a:spcAft>
+                <a:spcPts val="0"/>
+              </a:spcAft>
+              <a:buClr>
+                <a:srgbClr val="000000"/>
+              </a:buClr>
+              <a:buSzPts val="2000"/>
+              <a:buFont typeface="Arial"/>
+              <a:buNone/>
+              <a:defRPr sz="2000" b="0" i="0" u="none" strike="noStrike" cap="none">
                 <a:solidFill>
                   <a:schemeClr val="dk2"/>
                 </a:solidFill>
@@ -6477,23 +6576,23 @@
                 <a:sym typeface="Arial"/>
               </a:defRPr>
             </a:lvl1pPr>
-            <a:lvl2pPr indent="0" lvl="1" marL="0" marR="0" algn="r">
-              <a:lnSpc>
-                <a:spcPct val="100000"/>
-              </a:lnSpc>
-              <a:spcBef>
-                <a:spcPts val="0"/>
-              </a:spcBef>
-              <a:spcAft>
-                <a:spcPts val="0"/>
-              </a:spcAft>
-              <a:buClr>
-                <a:srgbClr val="000000"/>
-              </a:buClr>
-              <a:buSzPts val="2000"/>
-              <a:buFont typeface="Arial"/>
-              <a:buNone/>
-              <a:defRPr b="0" i="0" sz="2000" u="none" cap="none" strike="noStrike">
+            <a:lvl2pPr marL="0" marR="0" lvl="1" indent="0" algn="r">
+              <a:lnSpc>
+                <a:spcPct val="100000"/>
+              </a:lnSpc>
+              <a:spcBef>
+                <a:spcPts val="0"/>
+              </a:spcBef>
+              <a:spcAft>
+                <a:spcPts val="0"/>
+              </a:spcAft>
+              <a:buClr>
+                <a:srgbClr val="000000"/>
+              </a:buClr>
+              <a:buSzPts val="2000"/>
+              <a:buFont typeface="Arial"/>
+              <a:buNone/>
+              <a:defRPr sz="2000" b="0" i="0" u="none" strike="noStrike" cap="none">
                 <a:solidFill>
                   <a:schemeClr val="dk2"/>
                 </a:solidFill>
@@ -6503,23 +6602,23 @@
                 <a:sym typeface="Arial"/>
               </a:defRPr>
             </a:lvl2pPr>
-            <a:lvl3pPr indent="0" lvl="2" marL="0" marR="0" algn="r">
-              <a:lnSpc>
-                <a:spcPct val="100000"/>
-              </a:lnSpc>
-              <a:spcBef>
-                <a:spcPts val="0"/>
-              </a:spcBef>
-              <a:spcAft>
-                <a:spcPts val="0"/>
-              </a:spcAft>
-              <a:buClr>
-                <a:srgbClr val="000000"/>
-              </a:buClr>
-              <a:buSzPts val="2000"/>
-              <a:buFont typeface="Arial"/>
-              <a:buNone/>
-              <a:defRPr b="0" i="0" sz="2000" u="none" cap="none" strike="noStrike">
+            <a:lvl3pPr marL="0" marR="0" lvl="2" indent="0" algn="r">
+              <a:lnSpc>
+                <a:spcPct val="100000"/>
+              </a:lnSpc>
+              <a:spcBef>
+                <a:spcPts val="0"/>
+              </a:spcBef>
+              <a:spcAft>
+                <a:spcPts val="0"/>
+              </a:spcAft>
+              <a:buClr>
+                <a:srgbClr val="000000"/>
+              </a:buClr>
+              <a:buSzPts val="2000"/>
+              <a:buFont typeface="Arial"/>
+              <a:buNone/>
+              <a:defRPr sz="2000" b="0" i="0" u="none" strike="noStrike" cap="none">
                 <a:solidFill>
                   <a:schemeClr val="dk2"/>
                 </a:solidFill>
@@ -6529,23 +6628,23 @@
                 <a:sym typeface="Arial"/>
               </a:defRPr>
             </a:lvl3pPr>
-            <a:lvl4pPr indent="0" lvl="3" marL="0" marR="0" algn="r">
-              <a:lnSpc>
-                <a:spcPct val="100000"/>
-              </a:lnSpc>
-              <a:spcBef>
-                <a:spcPts val="0"/>
-              </a:spcBef>
-              <a:spcAft>
-                <a:spcPts val="0"/>
-              </a:spcAft>
-              <a:buClr>
-                <a:srgbClr val="000000"/>
-              </a:buClr>
-              <a:buSzPts val="2000"/>
-              <a:buFont typeface="Arial"/>
-              <a:buNone/>
-              <a:defRPr b="0" i="0" sz="2000" u="none" cap="none" strike="noStrike">
+            <a:lvl4pPr marL="0" marR="0" lvl="3" indent="0" algn="r">
+              <a:lnSpc>
+                <a:spcPct val="100000"/>
+              </a:lnSpc>
+              <a:spcBef>
+                <a:spcPts val="0"/>
+              </a:spcBef>
+              <a:spcAft>
+                <a:spcPts val="0"/>
+              </a:spcAft>
+              <a:buClr>
+                <a:srgbClr val="000000"/>
+              </a:buClr>
+              <a:buSzPts val="2000"/>
+              <a:buFont typeface="Arial"/>
+              <a:buNone/>
+              <a:defRPr sz="2000" b="0" i="0" u="none" strike="noStrike" cap="none">
                 <a:solidFill>
                   <a:schemeClr val="dk2"/>
                 </a:solidFill>
@@ -6555,23 +6654,23 @@
                 <a:sym typeface="Arial"/>
               </a:defRPr>
             </a:lvl4pPr>
-            <a:lvl5pPr indent="0" lvl="4" marL="0" marR="0" algn="r">
-              <a:lnSpc>
-                <a:spcPct val="100000"/>
-              </a:lnSpc>
-              <a:spcBef>
-                <a:spcPts val="0"/>
-              </a:spcBef>
-              <a:spcAft>
-                <a:spcPts val="0"/>
-              </a:spcAft>
-              <a:buClr>
-                <a:srgbClr val="000000"/>
-              </a:buClr>
-              <a:buSzPts val="2000"/>
-              <a:buFont typeface="Arial"/>
-              <a:buNone/>
-              <a:defRPr b="0" i="0" sz="2000" u="none" cap="none" strike="noStrike">
+            <a:lvl5pPr marL="0" marR="0" lvl="4" indent="0" algn="r">
+              <a:lnSpc>
+                <a:spcPct val="100000"/>
+              </a:lnSpc>
+              <a:spcBef>
+                <a:spcPts val="0"/>
+              </a:spcBef>
+              <a:spcAft>
+                <a:spcPts val="0"/>
+              </a:spcAft>
+              <a:buClr>
+                <a:srgbClr val="000000"/>
+              </a:buClr>
+              <a:buSzPts val="2000"/>
+              <a:buFont typeface="Arial"/>
+              <a:buNone/>
+              <a:defRPr sz="2000" b="0" i="0" u="none" strike="noStrike" cap="none">
                 <a:solidFill>
                   <a:schemeClr val="dk2"/>
                 </a:solidFill>
@@ -6581,23 +6680,23 @@
                 <a:sym typeface="Arial"/>
               </a:defRPr>
             </a:lvl5pPr>
-            <a:lvl6pPr indent="0" lvl="5" marL="0" marR="0" algn="r">
-              <a:lnSpc>
-                <a:spcPct val="100000"/>
-              </a:lnSpc>
-              <a:spcBef>
-                <a:spcPts val="0"/>
-              </a:spcBef>
-              <a:spcAft>
-                <a:spcPts val="0"/>
-              </a:spcAft>
-              <a:buClr>
-                <a:srgbClr val="000000"/>
-              </a:buClr>
-              <a:buSzPts val="2000"/>
-              <a:buFont typeface="Arial"/>
-              <a:buNone/>
-              <a:defRPr b="0" i="0" sz="2000" u="none" cap="none" strike="noStrike">
+            <a:lvl6pPr marL="0" marR="0" lvl="5" indent="0" algn="r">
+              <a:lnSpc>
+                <a:spcPct val="100000"/>
+              </a:lnSpc>
+              <a:spcBef>
+                <a:spcPts val="0"/>
+              </a:spcBef>
+              <a:spcAft>
+                <a:spcPts val="0"/>
+              </a:spcAft>
+              <a:buClr>
+                <a:srgbClr val="000000"/>
+              </a:buClr>
+              <a:buSzPts val="2000"/>
+              <a:buFont typeface="Arial"/>
+              <a:buNone/>
+              <a:defRPr sz="2000" b="0" i="0" u="none" strike="noStrike" cap="none">
                 <a:solidFill>
                   <a:schemeClr val="dk2"/>
                 </a:solidFill>
@@ -6607,23 +6706,23 @@
                 <a:sym typeface="Arial"/>
               </a:defRPr>
             </a:lvl6pPr>
-            <a:lvl7pPr indent="0" lvl="6" marL="0" marR="0" algn="r">
-              <a:lnSpc>
-                <a:spcPct val="100000"/>
-              </a:lnSpc>
-              <a:spcBef>
-                <a:spcPts val="0"/>
-              </a:spcBef>
-              <a:spcAft>
-                <a:spcPts val="0"/>
-              </a:spcAft>
-              <a:buClr>
-                <a:srgbClr val="000000"/>
-              </a:buClr>
-              <a:buSzPts val="2000"/>
-              <a:buFont typeface="Arial"/>
-              <a:buNone/>
-              <a:defRPr b="0" i="0" sz="2000" u="none" cap="none" strike="noStrike">
+            <a:lvl7pPr marL="0" marR="0" lvl="6" indent="0" algn="r">
+              <a:lnSpc>
+                <a:spcPct val="100000"/>
+              </a:lnSpc>
+              <a:spcBef>
+                <a:spcPts val="0"/>
+              </a:spcBef>
+              <a:spcAft>
+                <a:spcPts val="0"/>
+              </a:spcAft>
+              <a:buClr>
+                <a:srgbClr val="000000"/>
+              </a:buClr>
+              <a:buSzPts val="2000"/>
+              <a:buFont typeface="Arial"/>
+              <a:buNone/>
+              <a:defRPr sz="2000" b="0" i="0" u="none" strike="noStrike" cap="none">
                 <a:solidFill>
                   <a:schemeClr val="dk2"/>
                 </a:solidFill>
@@ -6633,23 +6732,23 @@
                 <a:sym typeface="Arial"/>
               </a:defRPr>
             </a:lvl7pPr>
-            <a:lvl8pPr indent="0" lvl="7" marL="0" marR="0" algn="r">
-              <a:lnSpc>
-                <a:spcPct val="100000"/>
-              </a:lnSpc>
-              <a:spcBef>
-                <a:spcPts val="0"/>
-              </a:spcBef>
-              <a:spcAft>
-                <a:spcPts val="0"/>
-              </a:spcAft>
-              <a:buClr>
-                <a:srgbClr val="000000"/>
-              </a:buClr>
-              <a:buSzPts val="2000"/>
-              <a:buFont typeface="Arial"/>
-              <a:buNone/>
-              <a:defRPr b="0" i="0" sz="2000" u="none" cap="none" strike="noStrike">
+            <a:lvl8pPr marL="0" marR="0" lvl="7" indent="0" algn="r">
+              <a:lnSpc>
+                <a:spcPct val="100000"/>
+              </a:lnSpc>
+              <a:spcBef>
+                <a:spcPts val="0"/>
+              </a:spcBef>
+              <a:spcAft>
+                <a:spcPts val="0"/>
+              </a:spcAft>
+              <a:buClr>
+                <a:srgbClr val="000000"/>
+              </a:buClr>
+              <a:buSzPts val="2000"/>
+              <a:buFont typeface="Arial"/>
+              <a:buNone/>
+              <a:defRPr sz="2000" b="0" i="0" u="none" strike="noStrike" cap="none">
                 <a:solidFill>
                   <a:schemeClr val="dk2"/>
                 </a:solidFill>
@@ -6659,23 +6758,23 @@
                 <a:sym typeface="Arial"/>
               </a:defRPr>
             </a:lvl8pPr>
-            <a:lvl9pPr indent="0" lvl="8" marL="0" marR="0" algn="r">
-              <a:lnSpc>
-                <a:spcPct val="100000"/>
-              </a:lnSpc>
-              <a:spcBef>
-                <a:spcPts val="0"/>
-              </a:spcBef>
-              <a:spcAft>
-                <a:spcPts val="0"/>
-              </a:spcAft>
-              <a:buClr>
-                <a:srgbClr val="000000"/>
-              </a:buClr>
-              <a:buSzPts val="2000"/>
-              <a:buFont typeface="Arial"/>
-              <a:buNone/>
-              <a:defRPr b="0" i="0" sz="2000" u="none" cap="none" strike="noStrike">
+            <a:lvl9pPr marL="0" marR="0" lvl="8" indent="0" algn="r">
+              <a:lnSpc>
+                <a:spcPct val="100000"/>
+              </a:lnSpc>
+              <a:spcBef>
+                <a:spcPts val="0"/>
+              </a:spcBef>
+              <a:spcAft>
+                <a:spcPts val="0"/>
+              </a:spcAft>
+              <a:buClr>
+                <a:srgbClr val="000000"/>
+              </a:buClr>
+              <a:buSzPts val="2000"/>
+              <a:buFont typeface="Arial"/>
+              <a:buNone/>
+              <a:defRPr sz="2000" b="0" i="0" u="none" strike="noStrike" cap="none">
                 <a:solidFill>
                   <a:schemeClr val="dk2"/>
                 </a:solidFill>
@@ -6687,7 +6786,7 @@
             </a:lvl9pPr>
           </a:lstStyle>
           <a:p>
-            <a:pPr indent="0" lvl="0" marL="0" rtl="0" algn="r">
+            <a:pPr marL="0" lvl="0" indent="0" algn="r" rtl="0">
               <a:spcBef>
                 <a:spcPts val="0"/>
               </a:spcBef>
@@ -6713,11 +6812,11 @@
 </file>
 
 <file path=ppt/slideLayouts/slideLayout9.xml><?xml version="1.0" encoding="utf-8"?>
-<p:sldLayout xmlns:a="http://schemas.openxmlformats.org/drawingml/2006/main" xmlns:r="http://schemas.openxmlformats.org/officeDocument/2006/relationships" xmlns:mc="http://schemas.openxmlformats.org/markup-compatibility/2006" xmlns:mv="urn:schemas-microsoft-com:mac:vml" xmlns:p="http://schemas.openxmlformats.org/presentationml/2006/main" xmlns:c="http://schemas.openxmlformats.org/drawingml/2006/chart" xmlns:dgm="http://schemas.openxmlformats.org/drawingml/2006/diagram" xmlns:o="urn:schemas-microsoft-com:office:office" xmlns:v="urn:schemas-microsoft-com:vml" xmlns:pvml="urn:schemas-microsoft-com:office:powerpoint" xmlns:com="http://schemas.openxmlformats.org/drawingml/2006/compatibility" xmlns:p14="http://schemas.microsoft.com/office/powerpoint/2010/main" xmlns:p15="http://schemas.microsoft.com/office/powerpoint/2012/main" matchingName="Caption">
+<p:sldLayout xmlns:a="http://schemas.openxmlformats.org/drawingml/2006/main" xmlns:r="http://schemas.openxmlformats.org/officeDocument/2006/relationships" xmlns:p="http://schemas.openxmlformats.org/presentationml/2006/main" matchingName="Caption">
   <p:cSld name="CAPTION_ONLY">
     <p:spTree>
       <p:nvGrpSpPr>
-        <p:cNvPr id="41" name="Shape 41"/>
+        <p:cNvPr id="1" name="Shape 41"/>
         <p:cNvGrpSpPr/>
         <p:nvPr/>
       </p:nvGrpSpPr>
@@ -6732,9 +6831,11 @@
       <p:sp>
         <p:nvSpPr>
           <p:cNvPr id="42" name="Google Shape;42;p11"/>
-          <p:cNvSpPr txBox="1"/>
+          <p:cNvSpPr txBox="1">
+            <a:spLocks noGrp="1"/>
+          </p:cNvSpPr>
           <p:nvPr>
-            <p:ph idx="1" type="body"/>
+            <p:ph type="body" idx="1"/>
           </p:nvPr>
         </p:nvSpPr>
         <p:spPr>
@@ -6751,11 +6852,11 @@
           </a:ln>
         </p:spPr>
         <p:txBody>
-          <a:bodyPr anchorCtr="0" anchor="ctr" bIns="182900" lIns="182900" spcFirstLastPara="1" rIns="182900" wrap="square" tIns="182900">
+          <a:bodyPr spcFirstLastPara="1" wrap="square" lIns="182900" tIns="182900" rIns="182900" bIns="182900" anchor="ctr" anchorCtr="0">
             <a:noAutofit/>
           </a:bodyPr>
           <a:lstStyle>
-            <a:lvl1pPr indent="-228600" lvl="0" marL="457200" algn="l">
+            <a:lvl1pPr marL="457200" lvl="0" indent="-228600" algn="l">
               <a:lnSpc>
                 <a:spcPct val="100000"/>
               </a:lnSpc>
@@ -6770,15 +6871,19 @@
               <a:defRPr/>
             </a:lvl1pPr>
           </a:lstStyle>
-          <a:p/>
+          <a:p>
+            <a:endParaRPr/>
+          </a:p>
         </p:txBody>
       </p:sp>
       <p:sp>
         <p:nvSpPr>
           <p:cNvPr id="43" name="Google Shape;43;p11"/>
-          <p:cNvSpPr txBox="1"/>
+          <p:cNvSpPr txBox="1">
+            <a:spLocks noGrp="1"/>
+          </p:cNvSpPr>
           <p:nvPr>
-            <p:ph idx="12" type="sldNum"/>
+            <p:ph type="sldNum" idx="12"/>
           </p:nvPr>
         </p:nvSpPr>
         <p:spPr>
@@ -6795,27 +6900,27 @@
           </a:ln>
         </p:spPr>
         <p:txBody>
-          <a:bodyPr anchorCtr="0" anchor="ctr" bIns="182900" lIns="182900" spcFirstLastPara="1" rIns="182900" wrap="square" tIns="182900">
+          <a:bodyPr spcFirstLastPara="1" wrap="square" lIns="182900" tIns="182900" rIns="182900" bIns="182900" anchor="ctr" anchorCtr="0">
             <a:noAutofit/>
           </a:bodyPr>
           <a:lstStyle>
-            <a:lvl1pPr indent="0" lvl="0" marL="0" marR="0" algn="r">
-              <a:lnSpc>
-                <a:spcPct val="100000"/>
-              </a:lnSpc>
-              <a:spcBef>
-                <a:spcPts val="0"/>
-              </a:spcBef>
-              <a:spcAft>
-                <a:spcPts val="0"/>
-              </a:spcAft>
-              <a:buClr>
-                <a:srgbClr val="000000"/>
-              </a:buClr>
-              <a:buSzPts val="2000"/>
-              <a:buFont typeface="Arial"/>
-              <a:buNone/>
-              <a:defRPr b="0" i="0" sz="2000" u="none" cap="none" strike="noStrike">
+            <a:lvl1pPr marL="0" marR="0" lvl="0" indent="0" algn="r">
+              <a:lnSpc>
+                <a:spcPct val="100000"/>
+              </a:lnSpc>
+              <a:spcBef>
+                <a:spcPts val="0"/>
+              </a:spcBef>
+              <a:spcAft>
+                <a:spcPts val="0"/>
+              </a:spcAft>
+              <a:buClr>
+                <a:srgbClr val="000000"/>
+              </a:buClr>
+              <a:buSzPts val="2000"/>
+              <a:buFont typeface="Arial"/>
+              <a:buNone/>
+              <a:defRPr sz="2000" b="0" i="0" u="none" strike="noStrike" cap="none">
                 <a:solidFill>
                   <a:schemeClr val="dk2"/>
                 </a:solidFill>
@@ -6825,23 +6930,23 @@
                 <a:sym typeface="Arial"/>
               </a:defRPr>
             </a:lvl1pPr>
-            <a:lvl2pPr indent="0" lvl="1" marL="0" marR="0" algn="r">
-              <a:lnSpc>
-                <a:spcPct val="100000"/>
-              </a:lnSpc>
-              <a:spcBef>
-                <a:spcPts val="0"/>
-              </a:spcBef>
-              <a:spcAft>
-                <a:spcPts val="0"/>
-              </a:spcAft>
-              <a:buClr>
-                <a:srgbClr val="000000"/>
-              </a:buClr>
-              <a:buSzPts val="2000"/>
-              <a:buFont typeface="Arial"/>
-              <a:buNone/>
-              <a:defRPr b="0" i="0" sz="2000" u="none" cap="none" strike="noStrike">
+            <a:lvl2pPr marL="0" marR="0" lvl="1" indent="0" algn="r">
+              <a:lnSpc>
+                <a:spcPct val="100000"/>
+              </a:lnSpc>
+              <a:spcBef>
+                <a:spcPts val="0"/>
+              </a:spcBef>
+              <a:spcAft>
+                <a:spcPts val="0"/>
+              </a:spcAft>
+              <a:buClr>
+                <a:srgbClr val="000000"/>
+              </a:buClr>
+              <a:buSzPts val="2000"/>
+              <a:buFont typeface="Arial"/>
+              <a:buNone/>
+              <a:defRPr sz="2000" b="0" i="0" u="none" strike="noStrike" cap="none">
                 <a:solidFill>
                   <a:schemeClr val="dk2"/>
                 </a:solidFill>
@@ -6851,23 +6956,23 @@
                 <a:sym typeface="Arial"/>
               </a:defRPr>
             </a:lvl2pPr>
-            <a:lvl3pPr indent="0" lvl="2" marL="0" marR="0" algn="r">
-              <a:lnSpc>
-                <a:spcPct val="100000"/>
-              </a:lnSpc>
-              <a:spcBef>
-                <a:spcPts val="0"/>
-              </a:spcBef>
-              <a:spcAft>
-                <a:spcPts val="0"/>
-              </a:spcAft>
-              <a:buClr>
-                <a:srgbClr val="000000"/>
-              </a:buClr>
-              <a:buSzPts val="2000"/>
-              <a:buFont typeface="Arial"/>
-              <a:buNone/>
-              <a:defRPr b="0" i="0" sz="2000" u="none" cap="none" strike="noStrike">
+            <a:lvl3pPr marL="0" marR="0" lvl="2" indent="0" algn="r">
+              <a:lnSpc>
+                <a:spcPct val="100000"/>
+              </a:lnSpc>
+              <a:spcBef>
+                <a:spcPts val="0"/>
+              </a:spcBef>
+              <a:spcAft>
+                <a:spcPts val="0"/>
+              </a:spcAft>
+              <a:buClr>
+                <a:srgbClr val="000000"/>
+              </a:buClr>
+              <a:buSzPts val="2000"/>
+              <a:buFont typeface="Arial"/>
+              <a:buNone/>
+              <a:defRPr sz="2000" b="0" i="0" u="none" strike="noStrike" cap="none">
                 <a:solidFill>
                   <a:schemeClr val="dk2"/>
                 </a:solidFill>
@@ -6877,23 +6982,23 @@
                 <a:sym typeface="Arial"/>
               </a:defRPr>
             </a:lvl3pPr>
-            <a:lvl4pPr indent="0" lvl="3" marL="0" marR="0" algn="r">
-              <a:lnSpc>
-                <a:spcPct val="100000"/>
-              </a:lnSpc>
-              <a:spcBef>
-                <a:spcPts val="0"/>
-              </a:spcBef>
-              <a:spcAft>
-                <a:spcPts val="0"/>
-              </a:spcAft>
-              <a:buClr>
-                <a:srgbClr val="000000"/>
-              </a:buClr>
-              <a:buSzPts val="2000"/>
-              <a:buFont typeface="Arial"/>
-              <a:buNone/>
-              <a:defRPr b="0" i="0" sz="2000" u="none" cap="none" strike="noStrike">
+            <a:lvl4pPr marL="0" marR="0" lvl="3" indent="0" algn="r">
+              <a:lnSpc>
+                <a:spcPct val="100000"/>
+              </a:lnSpc>
+              <a:spcBef>
+                <a:spcPts val="0"/>
+              </a:spcBef>
+              <a:spcAft>
+                <a:spcPts val="0"/>
+              </a:spcAft>
+              <a:buClr>
+                <a:srgbClr val="000000"/>
+              </a:buClr>
+              <a:buSzPts val="2000"/>
+              <a:buFont typeface="Arial"/>
+              <a:buNone/>
+              <a:defRPr sz="2000" b="0" i="0" u="none" strike="noStrike" cap="none">
                 <a:solidFill>
                   <a:schemeClr val="dk2"/>
                 </a:solidFill>
@@ -6903,23 +7008,23 @@
                 <a:sym typeface="Arial"/>
               </a:defRPr>
             </a:lvl4pPr>
-            <a:lvl5pPr indent="0" lvl="4" marL="0" marR="0" algn="r">
-              <a:lnSpc>
-                <a:spcPct val="100000"/>
-              </a:lnSpc>
-              <a:spcBef>
-                <a:spcPts val="0"/>
-              </a:spcBef>
-              <a:spcAft>
-                <a:spcPts val="0"/>
-              </a:spcAft>
-              <a:buClr>
-                <a:srgbClr val="000000"/>
-              </a:buClr>
-              <a:buSzPts val="2000"/>
-              <a:buFont typeface="Arial"/>
-              <a:buNone/>
-              <a:defRPr b="0" i="0" sz="2000" u="none" cap="none" strike="noStrike">
+            <a:lvl5pPr marL="0" marR="0" lvl="4" indent="0" algn="r">
+              <a:lnSpc>
+                <a:spcPct val="100000"/>
+              </a:lnSpc>
+              <a:spcBef>
+                <a:spcPts val="0"/>
+              </a:spcBef>
+              <a:spcAft>
+                <a:spcPts val="0"/>
+              </a:spcAft>
+              <a:buClr>
+                <a:srgbClr val="000000"/>
+              </a:buClr>
+              <a:buSzPts val="2000"/>
+              <a:buFont typeface="Arial"/>
+              <a:buNone/>
+              <a:defRPr sz="2000" b="0" i="0" u="none" strike="noStrike" cap="none">
                 <a:solidFill>
                   <a:schemeClr val="dk2"/>
                 </a:solidFill>
@@ -6929,23 +7034,23 @@
                 <a:sym typeface="Arial"/>
               </a:defRPr>
             </a:lvl5pPr>
-            <a:lvl6pPr indent="0" lvl="5" marL="0" marR="0" algn="r">
-              <a:lnSpc>
-                <a:spcPct val="100000"/>
-              </a:lnSpc>
-              <a:spcBef>
-                <a:spcPts val="0"/>
-              </a:spcBef>
-              <a:spcAft>
-                <a:spcPts val="0"/>
-              </a:spcAft>
-              <a:buClr>
-                <a:srgbClr val="000000"/>
-              </a:buClr>
-              <a:buSzPts val="2000"/>
-              <a:buFont typeface="Arial"/>
-              <a:buNone/>
-              <a:defRPr b="0" i="0" sz="2000" u="none" cap="none" strike="noStrike">
+            <a:lvl6pPr marL="0" marR="0" lvl="5" indent="0" algn="r">
+              <a:lnSpc>
+                <a:spcPct val="100000"/>
+              </a:lnSpc>
+              <a:spcBef>
+                <a:spcPts val="0"/>
+              </a:spcBef>
+              <a:spcAft>
+                <a:spcPts val="0"/>
+              </a:spcAft>
+              <a:buClr>
+                <a:srgbClr val="000000"/>
+              </a:buClr>
+              <a:buSzPts val="2000"/>
+              <a:buFont typeface="Arial"/>
+              <a:buNone/>
+              <a:defRPr sz="2000" b="0" i="0" u="none" strike="noStrike" cap="none">
                 <a:solidFill>
                   <a:schemeClr val="dk2"/>
                 </a:solidFill>
@@ -6955,23 +7060,23 @@
                 <a:sym typeface="Arial"/>
               </a:defRPr>
             </a:lvl6pPr>
-            <a:lvl7pPr indent="0" lvl="6" marL="0" marR="0" algn="r">
-              <a:lnSpc>
-                <a:spcPct val="100000"/>
-              </a:lnSpc>
-              <a:spcBef>
-                <a:spcPts val="0"/>
-              </a:spcBef>
-              <a:spcAft>
-                <a:spcPts val="0"/>
-              </a:spcAft>
-              <a:buClr>
-                <a:srgbClr val="000000"/>
-              </a:buClr>
-              <a:buSzPts val="2000"/>
-              <a:buFont typeface="Arial"/>
-              <a:buNone/>
-              <a:defRPr b="0" i="0" sz="2000" u="none" cap="none" strike="noStrike">
+            <a:lvl7pPr marL="0" marR="0" lvl="6" indent="0" algn="r">
+              <a:lnSpc>
+                <a:spcPct val="100000"/>
+              </a:lnSpc>
+              <a:spcBef>
+                <a:spcPts val="0"/>
+              </a:spcBef>
+              <a:spcAft>
+                <a:spcPts val="0"/>
+              </a:spcAft>
+              <a:buClr>
+                <a:srgbClr val="000000"/>
+              </a:buClr>
+              <a:buSzPts val="2000"/>
+              <a:buFont typeface="Arial"/>
+              <a:buNone/>
+              <a:defRPr sz="2000" b="0" i="0" u="none" strike="noStrike" cap="none">
                 <a:solidFill>
                   <a:schemeClr val="dk2"/>
                 </a:solidFill>
@@ -6981,23 +7086,23 @@
                 <a:sym typeface="Arial"/>
               </a:defRPr>
             </a:lvl7pPr>
-            <a:lvl8pPr indent="0" lvl="7" marL="0" marR="0" algn="r">
-              <a:lnSpc>
-                <a:spcPct val="100000"/>
-              </a:lnSpc>
-              <a:spcBef>
-                <a:spcPts val="0"/>
-              </a:spcBef>
-              <a:spcAft>
-                <a:spcPts val="0"/>
-              </a:spcAft>
-              <a:buClr>
-                <a:srgbClr val="000000"/>
-              </a:buClr>
-              <a:buSzPts val="2000"/>
-              <a:buFont typeface="Arial"/>
-              <a:buNone/>
-              <a:defRPr b="0" i="0" sz="2000" u="none" cap="none" strike="noStrike">
+            <a:lvl8pPr marL="0" marR="0" lvl="7" indent="0" algn="r">
+              <a:lnSpc>
+                <a:spcPct val="100000"/>
+              </a:lnSpc>
+              <a:spcBef>
+                <a:spcPts val="0"/>
+              </a:spcBef>
+              <a:spcAft>
+                <a:spcPts val="0"/>
+              </a:spcAft>
+              <a:buClr>
+                <a:srgbClr val="000000"/>
+              </a:buClr>
+              <a:buSzPts val="2000"/>
+              <a:buFont typeface="Arial"/>
+              <a:buNone/>
+              <a:defRPr sz="2000" b="0" i="0" u="none" strike="noStrike" cap="none">
                 <a:solidFill>
                   <a:schemeClr val="dk2"/>
                 </a:solidFill>
@@ -7007,23 +7112,23 @@
                 <a:sym typeface="Arial"/>
               </a:defRPr>
             </a:lvl8pPr>
-            <a:lvl9pPr indent="0" lvl="8" marL="0" marR="0" algn="r">
-              <a:lnSpc>
-                <a:spcPct val="100000"/>
-              </a:lnSpc>
-              <a:spcBef>
-                <a:spcPts val="0"/>
-              </a:spcBef>
-              <a:spcAft>
-                <a:spcPts val="0"/>
-              </a:spcAft>
-              <a:buClr>
-                <a:srgbClr val="000000"/>
-              </a:buClr>
-              <a:buSzPts val="2000"/>
-              <a:buFont typeface="Arial"/>
-              <a:buNone/>
-              <a:defRPr b="0" i="0" sz="2000" u="none" cap="none" strike="noStrike">
+            <a:lvl9pPr marL="0" marR="0" lvl="8" indent="0" algn="r">
+              <a:lnSpc>
+                <a:spcPct val="100000"/>
+              </a:lnSpc>
+              <a:spcBef>
+                <a:spcPts val="0"/>
+              </a:spcBef>
+              <a:spcAft>
+                <a:spcPts val="0"/>
+              </a:spcAft>
+              <a:buClr>
+                <a:srgbClr val="000000"/>
+              </a:buClr>
+              <a:buSzPts val="2000"/>
+              <a:buFont typeface="Arial"/>
+              <a:buNone/>
+              <a:defRPr sz="2000" b="0" i="0" u="none" strike="noStrike" cap="none">
                 <a:solidFill>
                   <a:schemeClr val="dk2"/>
                 </a:solidFill>
@@ -7035,7 +7140,7 @@
             </a:lvl9pPr>
           </a:lstStyle>
           <a:p>
-            <a:pPr indent="0" lvl="0" marL="0" rtl="0" algn="r">
+            <a:pPr marL="0" lvl="0" indent="0" algn="r" rtl="0">
               <a:spcBef>
                 <a:spcPts val="0"/>
               </a:spcBef>
@@ -7061,18 +7166,19 @@
 </file>
 
 <file path=ppt/slideMasters/slideMaster1.xml><?xml version="1.0" encoding="utf-8"?>
-<p:sldMaster xmlns:a="http://schemas.openxmlformats.org/drawingml/2006/main" xmlns:r="http://schemas.openxmlformats.org/officeDocument/2006/relationships" xmlns:mc="http://schemas.openxmlformats.org/markup-compatibility/2006" xmlns:mv="urn:schemas-microsoft-com:mac:vml" xmlns:p="http://schemas.openxmlformats.org/presentationml/2006/main" xmlns:c="http://schemas.openxmlformats.org/drawingml/2006/chart" xmlns:dgm="http://schemas.openxmlformats.org/drawingml/2006/diagram" xmlns:o="urn:schemas-microsoft-com:office:office" xmlns:v="urn:schemas-microsoft-com:vml" xmlns:pvml="urn:schemas-microsoft-com:office:powerpoint" xmlns:com="http://schemas.openxmlformats.org/drawingml/2006/compatibility" xmlns:p14="http://schemas.microsoft.com/office/powerpoint/2010/main" xmlns:p15="http://schemas.microsoft.com/office/powerpoint/2012/main">
+<p:sldMaster xmlns:a="http://schemas.openxmlformats.org/drawingml/2006/main" xmlns:r="http://schemas.openxmlformats.org/officeDocument/2006/relationships" xmlns:p="http://schemas.openxmlformats.org/presentationml/2006/main">
   <p:cSld name="simple-light-2">
     <p:bg>
       <p:bgPr>
         <a:solidFill>
           <a:schemeClr val="lt1"/>
         </a:solidFill>
+        <a:effectLst/>
       </p:bgPr>
     </p:bg>
     <p:spTree>
       <p:nvGrpSpPr>
-        <p:cNvPr id="5" name="Shape 5"/>
+        <p:cNvPr id="1" name="Shape 5"/>
         <p:cNvGrpSpPr/>
         <p:nvPr/>
       </p:nvGrpSpPr>
@@ -7087,7 +7193,9 @@
       <p:sp>
         <p:nvSpPr>
           <p:cNvPr id="6" name="Google Shape;6;p2"/>
-          <p:cNvSpPr txBox="1"/>
+          <p:cNvSpPr txBox="1">
+            <a:spLocks noGrp="1"/>
+          </p:cNvSpPr>
           <p:nvPr>
             <p:ph type="title"/>
           </p:nvPr>
@@ -7106,11 +7214,11 @@
           </a:ln>
         </p:spPr>
         <p:txBody>
-          <a:bodyPr anchorCtr="0" anchor="t" bIns="182900" lIns="182900" spcFirstLastPara="1" rIns="182900" wrap="square" tIns="182900">
+          <a:bodyPr spcFirstLastPara="1" wrap="square" lIns="182900" tIns="182900" rIns="182900" bIns="182900" anchor="t" anchorCtr="0">
             <a:noAutofit/>
           </a:bodyPr>
           <a:lstStyle>
-            <a:lvl1pPr lvl="0" marR="0" rtl="0" algn="l">
+            <a:lvl1pPr marR="0" lvl="0" algn="l" rtl="0">
               <a:lnSpc>
                 <a:spcPct val="100000"/>
               </a:lnSpc>
@@ -7126,7 +7234,7 @@
               <a:buSzPts val="5600"/>
               <a:buFont typeface="Arial"/>
               <a:buNone/>
-              <a:defRPr b="0" i="0" sz="5600" u="none" cap="none" strike="noStrike">
+              <a:defRPr sz="5600" b="0" i="0" u="none" strike="noStrike" cap="none">
                 <a:solidFill>
                   <a:schemeClr val="dk1"/>
                 </a:solidFill>
@@ -7136,7 +7244,7 @@
                 <a:sym typeface="Arial"/>
               </a:defRPr>
             </a:lvl1pPr>
-            <a:lvl2pPr lvl="1" marR="0" rtl="0" algn="l">
+            <a:lvl2pPr marR="0" lvl="1" algn="l" rtl="0">
               <a:lnSpc>
                 <a:spcPct val="100000"/>
               </a:lnSpc>
@@ -7152,7 +7260,7 @@
               <a:buSzPts val="5600"/>
               <a:buFont typeface="Arial"/>
               <a:buNone/>
-              <a:defRPr b="0" i="0" sz="5600" u="none" cap="none" strike="noStrike">
+              <a:defRPr sz="5600" b="0" i="0" u="none" strike="noStrike" cap="none">
                 <a:solidFill>
                   <a:schemeClr val="dk1"/>
                 </a:solidFill>
@@ -7162,7 +7270,7 @@
                 <a:sym typeface="Arial"/>
               </a:defRPr>
             </a:lvl2pPr>
-            <a:lvl3pPr lvl="2" marR="0" rtl="0" algn="l">
+            <a:lvl3pPr marR="0" lvl="2" algn="l" rtl="0">
               <a:lnSpc>
                 <a:spcPct val="100000"/>
               </a:lnSpc>
@@ -7178,7 +7286,7 @@
               <a:buSzPts val="5600"/>
               <a:buFont typeface="Arial"/>
               <a:buNone/>
-              <a:defRPr b="0" i="0" sz="5600" u="none" cap="none" strike="noStrike">
+              <a:defRPr sz="5600" b="0" i="0" u="none" strike="noStrike" cap="none">
                 <a:solidFill>
                   <a:schemeClr val="dk1"/>
                 </a:solidFill>
@@ -7188,7 +7296,7 @@
                 <a:sym typeface="Arial"/>
               </a:defRPr>
             </a:lvl3pPr>
-            <a:lvl4pPr lvl="3" marR="0" rtl="0" algn="l">
+            <a:lvl4pPr marR="0" lvl="3" algn="l" rtl="0">
               <a:lnSpc>
                 <a:spcPct val="100000"/>
               </a:lnSpc>
@@ -7204,7 +7312,7 @@
               <a:buSzPts val="5600"/>
               <a:buFont typeface="Arial"/>
               <a:buNone/>
-              <a:defRPr b="0" i="0" sz="5600" u="none" cap="none" strike="noStrike">
+              <a:defRPr sz="5600" b="0" i="0" u="none" strike="noStrike" cap="none">
                 <a:solidFill>
                   <a:schemeClr val="dk1"/>
                 </a:solidFill>
@@ -7214,7 +7322,7 @@
                 <a:sym typeface="Arial"/>
               </a:defRPr>
             </a:lvl4pPr>
-            <a:lvl5pPr lvl="4" marR="0" rtl="0" algn="l">
+            <a:lvl5pPr marR="0" lvl="4" algn="l" rtl="0">
               <a:lnSpc>
                 <a:spcPct val="100000"/>
               </a:lnSpc>
@@ -7230,7 +7338,7 @@
               <a:buSzPts val="5600"/>
               <a:buFont typeface="Arial"/>
               <a:buNone/>
-              <a:defRPr b="0" i="0" sz="5600" u="none" cap="none" strike="noStrike">
+              <a:defRPr sz="5600" b="0" i="0" u="none" strike="noStrike" cap="none">
                 <a:solidFill>
                   <a:schemeClr val="dk1"/>
                 </a:solidFill>
@@ -7240,7 +7348,7 @@
                 <a:sym typeface="Arial"/>
               </a:defRPr>
             </a:lvl5pPr>
-            <a:lvl6pPr lvl="5" marR="0" rtl="0" algn="l">
+            <a:lvl6pPr marR="0" lvl="5" algn="l" rtl="0">
               <a:lnSpc>
                 <a:spcPct val="100000"/>
               </a:lnSpc>
@@ -7256,7 +7364,7 @@
               <a:buSzPts val="5600"/>
               <a:buFont typeface="Arial"/>
               <a:buNone/>
-              <a:defRPr b="0" i="0" sz="5600" u="none" cap="none" strike="noStrike">
+              <a:defRPr sz="5600" b="0" i="0" u="none" strike="noStrike" cap="none">
                 <a:solidFill>
                   <a:schemeClr val="dk1"/>
                 </a:solidFill>
@@ -7266,7 +7374,7 @@
                 <a:sym typeface="Arial"/>
               </a:defRPr>
             </a:lvl6pPr>
-            <a:lvl7pPr lvl="6" marR="0" rtl="0" algn="l">
+            <a:lvl7pPr marR="0" lvl="6" algn="l" rtl="0">
               <a:lnSpc>
                 <a:spcPct val="100000"/>
               </a:lnSpc>
@@ -7282,7 +7390,7 @@
               <a:buSzPts val="5600"/>
               <a:buFont typeface="Arial"/>
               <a:buNone/>
-              <a:defRPr b="0" i="0" sz="5600" u="none" cap="none" strike="noStrike">
+              <a:defRPr sz="5600" b="0" i="0" u="none" strike="noStrike" cap="none">
                 <a:solidFill>
                   <a:schemeClr val="dk1"/>
                 </a:solidFill>
@@ -7292,7 +7400,7 @@
                 <a:sym typeface="Arial"/>
               </a:defRPr>
             </a:lvl7pPr>
-            <a:lvl8pPr lvl="7" marR="0" rtl="0" algn="l">
+            <a:lvl8pPr marR="0" lvl="7" algn="l" rtl="0">
               <a:lnSpc>
                 <a:spcPct val="100000"/>
               </a:lnSpc>
@@ -7308,7 +7416,7 @@
               <a:buSzPts val="5600"/>
               <a:buFont typeface="Arial"/>
               <a:buNone/>
-              <a:defRPr b="0" i="0" sz="5600" u="none" cap="none" strike="noStrike">
+              <a:defRPr sz="5600" b="0" i="0" u="none" strike="noStrike" cap="none">
                 <a:solidFill>
                   <a:schemeClr val="dk1"/>
                 </a:solidFill>
@@ -7318,7 +7426,7 @@
                 <a:sym typeface="Arial"/>
               </a:defRPr>
             </a:lvl8pPr>
-            <a:lvl9pPr lvl="8" marR="0" rtl="0" algn="l">
+            <a:lvl9pPr marR="0" lvl="8" algn="l" rtl="0">
               <a:lnSpc>
                 <a:spcPct val="100000"/>
               </a:lnSpc>
@@ -7334,7 +7442,7 @@
               <a:buSzPts val="5600"/>
               <a:buFont typeface="Arial"/>
               <a:buNone/>
-              <a:defRPr b="0" i="0" sz="5600" u="none" cap="none" strike="noStrike">
+              <a:defRPr sz="5600" b="0" i="0" u="none" strike="noStrike" cap="none">
                 <a:solidFill>
                   <a:schemeClr val="dk1"/>
                 </a:solidFill>
@@ -7345,15 +7453,19 @@
               </a:defRPr>
             </a:lvl9pPr>
           </a:lstStyle>
-          <a:p/>
+          <a:p>
+            <a:endParaRPr/>
+          </a:p>
         </p:txBody>
       </p:sp>
       <p:sp>
         <p:nvSpPr>
           <p:cNvPr id="7" name="Google Shape;7;p2"/>
-          <p:cNvSpPr txBox="1"/>
+          <p:cNvSpPr txBox="1">
+            <a:spLocks noGrp="1"/>
+          </p:cNvSpPr>
           <p:nvPr>
-            <p:ph idx="1" type="body"/>
+            <p:ph type="body" idx="1"/>
           </p:nvPr>
         </p:nvSpPr>
         <p:spPr>
@@ -7370,11 +7482,11 @@
           </a:ln>
         </p:spPr>
         <p:txBody>
-          <a:bodyPr anchorCtr="0" anchor="t" bIns="182900" lIns="182900" spcFirstLastPara="1" rIns="182900" wrap="square" tIns="182900">
+          <a:bodyPr spcFirstLastPara="1" wrap="square" lIns="182900" tIns="182900" rIns="182900" bIns="182900" anchor="t" anchorCtr="0">
             <a:noAutofit/>
           </a:bodyPr>
           <a:lstStyle>
-            <a:lvl1pPr indent="-457200" lvl="0" marL="457200" marR="0" rtl="0" algn="l">
+            <a:lvl1pPr marL="457200" marR="0" lvl="0" indent="-457200" algn="l" rtl="0">
               <a:lnSpc>
                 <a:spcPct val="115000"/>
               </a:lnSpc>
@@ -7390,7 +7502,7 @@
               <a:buSzPts val="3600"/>
               <a:buFont typeface="Arial"/>
               <a:buChar char="●"/>
-              <a:defRPr b="0" i="0" sz="3600" u="none" cap="none" strike="noStrike">
+              <a:defRPr sz="3600" b="0" i="0" u="none" strike="noStrike" cap="none">
                 <a:solidFill>
                   <a:schemeClr val="dk2"/>
                 </a:solidFill>
@@ -7400,7 +7512,7 @@
                 <a:sym typeface="Arial"/>
               </a:defRPr>
             </a:lvl1pPr>
-            <a:lvl2pPr indent="-406400" lvl="1" marL="914400" marR="0" rtl="0" algn="l">
+            <a:lvl2pPr marL="914400" marR="0" lvl="1" indent="-406400" algn="l" rtl="0">
               <a:lnSpc>
                 <a:spcPct val="115000"/>
               </a:lnSpc>
@@ -7416,7 +7528,7 @@
               <a:buSzPts val="2800"/>
               <a:buFont typeface="Arial"/>
               <a:buChar char="○"/>
-              <a:defRPr b="0" i="0" sz="2800" u="none" cap="none" strike="noStrike">
+              <a:defRPr sz="2800" b="0" i="0" u="none" strike="noStrike" cap="none">
                 <a:solidFill>
                   <a:schemeClr val="dk2"/>
                 </a:solidFill>
@@ -7426,7 +7538,7 @@
                 <a:sym typeface="Arial"/>
               </a:defRPr>
             </a:lvl2pPr>
-            <a:lvl3pPr indent="-406400" lvl="2" marL="1371600" marR="0" rtl="0" algn="l">
+            <a:lvl3pPr marL="1371600" marR="0" lvl="2" indent="-406400" algn="l" rtl="0">
               <a:lnSpc>
                 <a:spcPct val="115000"/>
               </a:lnSpc>
@@ -7442,7 +7554,7 @@
               <a:buSzPts val="2800"/>
               <a:buFont typeface="Arial"/>
               <a:buChar char="■"/>
-              <a:defRPr b="0" i="0" sz="2800" u="none" cap="none" strike="noStrike">
+              <a:defRPr sz="2800" b="0" i="0" u="none" strike="noStrike" cap="none">
                 <a:solidFill>
                   <a:schemeClr val="dk2"/>
                 </a:solidFill>
@@ -7452,7 +7564,7 @@
                 <a:sym typeface="Arial"/>
               </a:defRPr>
             </a:lvl3pPr>
-            <a:lvl4pPr indent="-406400" lvl="3" marL="1828800" marR="0" rtl="0" algn="l">
+            <a:lvl4pPr marL="1828800" marR="0" lvl="3" indent="-406400" algn="l" rtl="0">
               <a:lnSpc>
                 <a:spcPct val="115000"/>
               </a:lnSpc>
@@ -7468,7 +7580,7 @@
               <a:buSzPts val="2800"/>
               <a:buFont typeface="Arial"/>
               <a:buChar char="●"/>
-              <a:defRPr b="0" i="0" sz="2800" u="none" cap="none" strike="noStrike">
+              <a:defRPr sz="2800" b="0" i="0" u="none" strike="noStrike" cap="none">
                 <a:solidFill>
                   <a:schemeClr val="dk2"/>
                 </a:solidFill>
@@ -7478,7 +7590,7 @@
                 <a:sym typeface="Arial"/>
               </a:defRPr>
             </a:lvl4pPr>
-            <a:lvl5pPr indent="-406400" lvl="4" marL="2286000" marR="0" rtl="0" algn="l">
+            <a:lvl5pPr marL="2286000" marR="0" lvl="4" indent="-406400" algn="l" rtl="0">
               <a:lnSpc>
                 <a:spcPct val="115000"/>
               </a:lnSpc>
@@ -7494,7 +7606,7 @@
               <a:buSzPts val="2800"/>
               <a:buFont typeface="Arial"/>
               <a:buChar char="○"/>
-              <a:defRPr b="0" i="0" sz="2800" u="none" cap="none" strike="noStrike">
+              <a:defRPr sz="2800" b="0" i="0" u="none" strike="noStrike" cap="none">
                 <a:solidFill>
                   <a:schemeClr val="dk2"/>
                 </a:solidFill>
@@ -7504,7 +7616,7 @@
                 <a:sym typeface="Arial"/>
               </a:defRPr>
             </a:lvl5pPr>
-            <a:lvl6pPr indent="-406400" lvl="5" marL="2743200" marR="0" rtl="0" algn="l">
+            <a:lvl6pPr marL="2743200" marR="0" lvl="5" indent="-406400" algn="l" rtl="0">
               <a:lnSpc>
                 <a:spcPct val="115000"/>
               </a:lnSpc>
@@ -7520,7 +7632,7 @@
               <a:buSzPts val="2800"/>
               <a:buFont typeface="Arial"/>
               <a:buChar char="■"/>
-              <a:defRPr b="0" i="0" sz="2800" u="none" cap="none" strike="noStrike">
+              <a:defRPr sz="2800" b="0" i="0" u="none" strike="noStrike" cap="none">
                 <a:solidFill>
                   <a:schemeClr val="dk2"/>
                 </a:solidFill>
@@ -7530,7 +7642,7 @@
                 <a:sym typeface="Arial"/>
               </a:defRPr>
             </a:lvl6pPr>
-            <a:lvl7pPr indent="-406400" lvl="6" marL="3200400" marR="0" rtl="0" algn="l">
+            <a:lvl7pPr marL="3200400" marR="0" lvl="6" indent="-406400" algn="l" rtl="0">
               <a:lnSpc>
                 <a:spcPct val="115000"/>
               </a:lnSpc>
@@ -7546,7 +7658,7 @@
               <a:buSzPts val="2800"/>
               <a:buFont typeface="Arial"/>
               <a:buChar char="●"/>
-              <a:defRPr b="0" i="0" sz="2800" u="none" cap="none" strike="noStrike">
+              <a:defRPr sz="2800" b="0" i="0" u="none" strike="noStrike" cap="none">
                 <a:solidFill>
                   <a:schemeClr val="dk2"/>
                 </a:solidFill>
@@ -7556,7 +7668,7 @@
                 <a:sym typeface="Arial"/>
               </a:defRPr>
             </a:lvl7pPr>
-            <a:lvl8pPr indent="-406400" lvl="7" marL="3657600" marR="0" rtl="0" algn="l">
+            <a:lvl8pPr marL="3657600" marR="0" lvl="7" indent="-406400" algn="l" rtl="0">
               <a:lnSpc>
                 <a:spcPct val="115000"/>
               </a:lnSpc>
@@ -7572,7 +7684,7 @@
               <a:buSzPts val="2800"/>
               <a:buFont typeface="Arial"/>
               <a:buChar char="○"/>
-              <a:defRPr b="0" i="0" sz="2800" u="none" cap="none" strike="noStrike">
+              <a:defRPr sz="2800" b="0" i="0" u="none" strike="noStrike" cap="none">
                 <a:solidFill>
                   <a:schemeClr val="dk2"/>
                 </a:solidFill>
@@ -7582,7 +7694,7 @@
                 <a:sym typeface="Arial"/>
               </a:defRPr>
             </a:lvl8pPr>
-            <a:lvl9pPr indent="-406400" lvl="8" marL="4114800" marR="0" rtl="0" algn="l">
+            <a:lvl9pPr marL="4114800" marR="0" lvl="8" indent="-406400" algn="l" rtl="0">
               <a:lnSpc>
                 <a:spcPct val="115000"/>
               </a:lnSpc>
@@ -7598,7 +7710,7 @@
               <a:buSzPts val="2800"/>
               <a:buFont typeface="Arial"/>
               <a:buChar char="■"/>
-              <a:defRPr b="0" i="0" sz="2800" u="none" cap="none" strike="noStrike">
+              <a:defRPr sz="2800" b="0" i="0" u="none" strike="noStrike" cap="none">
                 <a:solidFill>
                   <a:schemeClr val="dk2"/>
                 </a:solidFill>
@@ -7609,15 +7721,19 @@
               </a:defRPr>
             </a:lvl9pPr>
           </a:lstStyle>
-          <a:p/>
+          <a:p>
+            <a:endParaRPr/>
+          </a:p>
         </p:txBody>
       </p:sp>
       <p:sp>
         <p:nvSpPr>
           <p:cNvPr id="8" name="Google Shape;8;p2"/>
-          <p:cNvSpPr txBox="1"/>
+          <p:cNvSpPr txBox="1">
+            <a:spLocks noGrp="1"/>
+          </p:cNvSpPr>
           <p:nvPr>
-            <p:ph idx="12" type="sldNum"/>
+            <p:ph type="sldNum" idx="12"/>
           </p:nvPr>
         </p:nvSpPr>
         <p:spPr>
@@ -7634,27 +7750,27 @@
           </a:ln>
         </p:spPr>
         <p:txBody>
-          <a:bodyPr anchorCtr="0" anchor="ctr" bIns="182900" lIns="182900" spcFirstLastPara="1" rIns="182900" wrap="square" tIns="182900">
+          <a:bodyPr spcFirstLastPara="1" wrap="square" lIns="182900" tIns="182900" rIns="182900" bIns="182900" anchor="ctr" anchorCtr="0">
             <a:noAutofit/>
           </a:bodyPr>
           <a:lstStyle>
-            <a:lvl1pPr indent="0" lvl="0" marL="0" marR="0" rtl="0" algn="r">
-              <a:lnSpc>
-                <a:spcPct val="100000"/>
-              </a:lnSpc>
-              <a:spcBef>
-                <a:spcPts val="0"/>
-              </a:spcBef>
-              <a:spcAft>
-                <a:spcPts val="0"/>
-              </a:spcAft>
-              <a:buClr>
-                <a:srgbClr val="000000"/>
-              </a:buClr>
-              <a:buSzPts val="2000"/>
-              <a:buFont typeface="Arial"/>
-              <a:buNone/>
-              <a:defRPr b="0" i="0" sz="2000" u="none" cap="none" strike="noStrike">
+            <a:lvl1pPr marL="0" marR="0" lvl="0" indent="0" algn="r" rtl="0">
+              <a:lnSpc>
+                <a:spcPct val="100000"/>
+              </a:lnSpc>
+              <a:spcBef>
+                <a:spcPts val="0"/>
+              </a:spcBef>
+              <a:spcAft>
+                <a:spcPts val="0"/>
+              </a:spcAft>
+              <a:buClr>
+                <a:srgbClr val="000000"/>
+              </a:buClr>
+              <a:buSzPts val="2000"/>
+              <a:buFont typeface="Arial"/>
+              <a:buNone/>
+              <a:defRPr sz="2000" b="0" i="0" u="none" strike="noStrike" cap="none">
                 <a:solidFill>
                   <a:schemeClr val="dk2"/>
                 </a:solidFill>
@@ -7664,23 +7780,23 @@
                 <a:sym typeface="Arial"/>
               </a:defRPr>
             </a:lvl1pPr>
-            <a:lvl2pPr indent="0" lvl="1" marL="0" marR="0" rtl="0" algn="r">
-              <a:lnSpc>
-                <a:spcPct val="100000"/>
-              </a:lnSpc>
-              <a:spcBef>
-                <a:spcPts val="0"/>
-              </a:spcBef>
-              <a:spcAft>
-                <a:spcPts val="0"/>
-              </a:spcAft>
-              <a:buClr>
-                <a:srgbClr val="000000"/>
-              </a:buClr>
-              <a:buSzPts val="2000"/>
-              <a:buFont typeface="Arial"/>
-              <a:buNone/>
-              <a:defRPr b="0" i="0" sz="2000" u="none" cap="none" strike="noStrike">
+            <a:lvl2pPr marL="0" marR="0" lvl="1" indent="0" algn="r" rtl="0">
+              <a:lnSpc>
+                <a:spcPct val="100000"/>
+              </a:lnSpc>
+              <a:spcBef>
+                <a:spcPts val="0"/>
+              </a:spcBef>
+              <a:spcAft>
+                <a:spcPts val="0"/>
+              </a:spcAft>
+              <a:buClr>
+                <a:srgbClr val="000000"/>
+              </a:buClr>
+              <a:buSzPts val="2000"/>
+              <a:buFont typeface="Arial"/>
+              <a:buNone/>
+              <a:defRPr sz="2000" b="0" i="0" u="none" strike="noStrike" cap="none">
                 <a:solidFill>
                   <a:schemeClr val="dk2"/>
                 </a:solidFill>
@@ -7690,23 +7806,23 @@
                 <a:sym typeface="Arial"/>
               </a:defRPr>
             </a:lvl2pPr>
-            <a:lvl3pPr indent="0" lvl="2" marL="0" marR="0" rtl="0" algn="r">
-              <a:lnSpc>
-                <a:spcPct val="100000"/>
-              </a:lnSpc>
-              <a:spcBef>
-                <a:spcPts val="0"/>
-              </a:spcBef>
-              <a:spcAft>
-                <a:spcPts val="0"/>
-              </a:spcAft>
-              <a:buClr>
-                <a:srgbClr val="000000"/>
-              </a:buClr>
-              <a:buSzPts val="2000"/>
-              <a:buFont typeface="Arial"/>
-              <a:buNone/>
-              <a:defRPr b="0" i="0" sz="2000" u="none" cap="none" strike="noStrike">
+            <a:lvl3pPr marL="0" marR="0" lvl="2" indent="0" algn="r" rtl="0">
+              <a:lnSpc>
+                <a:spcPct val="100000"/>
+              </a:lnSpc>
+              <a:spcBef>
+                <a:spcPts val="0"/>
+              </a:spcBef>
+              <a:spcAft>
+                <a:spcPts val="0"/>
+              </a:spcAft>
+              <a:buClr>
+                <a:srgbClr val="000000"/>
+              </a:buClr>
+              <a:buSzPts val="2000"/>
+              <a:buFont typeface="Arial"/>
+              <a:buNone/>
+              <a:defRPr sz="2000" b="0" i="0" u="none" strike="noStrike" cap="none">
                 <a:solidFill>
                   <a:schemeClr val="dk2"/>
                 </a:solidFill>
@@ -7716,23 +7832,23 @@
                 <a:sym typeface="Arial"/>
               </a:defRPr>
             </a:lvl3pPr>
-            <a:lvl4pPr indent="0" lvl="3" marL="0" marR="0" rtl="0" algn="r">
-              <a:lnSpc>
-                <a:spcPct val="100000"/>
-              </a:lnSpc>
-              <a:spcBef>
-                <a:spcPts val="0"/>
-              </a:spcBef>
-              <a:spcAft>
-                <a:spcPts val="0"/>
-              </a:spcAft>
-              <a:buClr>
-                <a:srgbClr val="000000"/>
-              </a:buClr>
-              <a:buSzPts val="2000"/>
-              <a:buFont typeface="Arial"/>
-              <a:buNone/>
-              <a:defRPr b="0" i="0" sz="2000" u="none" cap="none" strike="noStrike">
+            <a:lvl4pPr marL="0" marR="0" lvl="3" indent="0" algn="r" rtl="0">
+              <a:lnSpc>
+                <a:spcPct val="100000"/>
+              </a:lnSpc>
+              <a:spcBef>
+                <a:spcPts val="0"/>
+              </a:spcBef>
+              <a:spcAft>
+                <a:spcPts val="0"/>
+              </a:spcAft>
+              <a:buClr>
+                <a:srgbClr val="000000"/>
+              </a:buClr>
+              <a:buSzPts val="2000"/>
+              <a:buFont typeface="Arial"/>
+              <a:buNone/>
+              <a:defRPr sz="2000" b="0" i="0" u="none" strike="noStrike" cap="none">
                 <a:solidFill>
                   <a:schemeClr val="dk2"/>
                 </a:solidFill>
@@ -7742,23 +7858,23 @@
                 <a:sym typeface="Arial"/>
               </a:defRPr>
             </a:lvl4pPr>
-            <a:lvl5pPr indent="0" lvl="4" marL="0" marR="0" rtl="0" algn="r">
-              <a:lnSpc>
-                <a:spcPct val="100000"/>
-              </a:lnSpc>
-              <a:spcBef>
-                <a:spcPts val="0"/>
-              </a:spcBef>
-              <a:spcAft>
-                <a:spcPts val="0"/>
-              </a:spcAft>
-              <a:buClr>
-                <a:srgbClr val="000000"/>
-              </a:buClr>
-              <a:buSzPts val="2000"/>
-              <a:buFont typeface="Arial"/>
-              <a:buNone/>
-              <a:defRPr b="0" i="0" sz="2000" u="none" cap="none" strike="noStrike">
+            <a:lvl5pPr marL="0" marR="0" lvl="4" indent="0" algn="r" rtl="0">
+              <a:lnSpc>
+                <a:spcPct val="100000"/>
+              </a:lnSpc>
+              <a:spcBef>
+                <a:spcPts val="0"/>
+              </a:spcBef>
+              <a:spcAft>
+                <a:spcPts val="0"/>
+              </a:spcAft>
+              <a:buClr>
+                <a:srgbClr val="000000"/>
+              </a:buClr>
+              <a:buSzPts val="2000"/>
+              <a:buFont typeface="Arial"/>
+              <a:buNone/>
+              <a:defRPr sz="2000" b="0" i="0" u="none" strike="noStrike" cap="none">
                 <a:solidFill>
                   <a:schemeClr val="dk2"/>
                 </a:solidFill>
@@ -7768,23 +7884,23 @@
                 <a:sym typeface="Arial"/>
               </a:defRPr>
             </a:lvl5pPr>
-            <a:lvl6pPr indent="0" lvl="5" marL="0" marR="0" rtl="0" algn="r">
-              <a:lnSpc>
-                <a:spcPct val="100000"/>
-              </a:lnSpc>
-              <a:spcBef>
-                <a:spcPts val="0"/>
-              </a:spcBef>
-              <a:spcAft>
-                <a:spcPts val="0"/>
-              </a:spcAft>
-              <a:buClr>
-                <a:srgbClr val="000000"/>
-              </a:buClr>
-              <a:buSzPts val="2000"/>
-              <a:buFont typeface="Arial"/>
-              <a:buNone/>
-              <a:defRPr b="0" i="0" sz="2000" u="none" cap="none" strike="noStrike">
+            <a:lvl6pPr marL="0" marR="0" lvl="5" indent="0" algn="r" rtl="0">
+              <a:lnSpc>
+                <a:spcPct val="100000"/>
+              </a:lnSpc>
+              <a:spcBef>
+                <a:spcPts val="0"/>
+              </a:spcBef>
+              <a:spcAft>
+                <a:spcPts val="0"/>
+              </a:spcAft>
+              <a:buClr>
+                <a:srgbClr val="000000"/>
+              </a:buClr>
+              <a:buSzPts val="2000"/>
+              <a:buFont typeface="Arial"/>
+              <a:buNone/>
+              <a:defRPr sz="2000" b="0" i="0" u="none" strike="noStrike" cap="none">
                 <a:solidFill>
                   <a:schemeClr val="dk2"/>
                 </a:solidFill>
@@ -7794,23 +7910,23 @@
                 <a:sym typeface="Arial"/>
               </a:defRPr>
             </a:lvl6pPr>
-            <a:lvl7pPr indent="0" lvl="6" marL="0" marR="0" rtl="0" algn="r">
-              <a:lnSpc>
-                <a:spcPct val="100000"/>
-              </a:lnSpc>
-              <a:spcBef>
-                <a:spcPts val="0"/>
-              </a:spcBef>
-              <a:spcAft>
-                <a:spcPts val="0"/>
-              </a:spcAft>
-              <a:buClr>
-                <a:srgbClr val="000000"/>
-              </a:buClr>
-              <a:buSzPts val="2000"/>
-              <a:buFont typeface="Arial"/>
-              <a:buNone/>
-              <a:defRPr b="0" i="0" sz="2000" u="none" cap="none" strike="noStrike">
+            <a:lvl7pPr marL="0" marR="0" lvl="6" indent="0" algn="r" rtl="0">
+              <a:lnSpc>
+                <a:spcPct val="100000"/>
+              </a:lnSpc>
+              <a:spcBef>
+                <a:spcPts val="0"/>
+              </a:spcBef>
+              <a:spcAft>
+                <a:spcPts val="0"/>
+              </a:spcAft>
+              <a:buClr>
+                <a:srgbClr val="000000"/>
+              </a:buClr>
+              <a:buSzPts val="2000"/>
+              <a:buFont typeface="Arial"/>
+              <a:buNone/>
+              <a:defRPr sz="2000" b="0" i="0" u="none" strike="noStrike" cap="none">
                 <a:solidFill>
                   <a:schemeClr val="dk2"/>
                 </a:solidFill>
@@ -7820,23 +7936,23 @@
                 <a:sym typeface="Arial"/>
               </a:defRPr>
             </a:lvl7pPr>
-            <a:lvl8pPr indent="0" lvl="7" marL="0" marR="0" rtl="0" algn="r">
-              <a:lnSpc>
-                <a:spcPct val="100000"/>
-              </a:lnSpc>
-              <a:spcBef>
-                <a:spcPts val="0"/>
-              </a:spcBef>
-              <a:spcAft>
-                <a:spcPts val="0"/>
-              </a:spcAft>
-              <a:buClr>
-                <a:srgbClr val="000000"/>
-              </a:buClr>
-              <a:buSzPts val="2000"/>
-              <a:buFont typeface="Arial"/>
-              <a:buNone/>
-              <a:defRPr b="0" i="0" sz="2000" u="none" cap="none" strike="noStrike">
+            <a:lvl8pPr marL="0" marR="0" lvl="7" indent="0" algn="r" rtl="0">
+              <a:lnSpc>
+                <a:spcPct val="100000"/>
+              </a:lnSpc>
+              <a:spcBef>
+                <a:spcPts val="0"/>
+              </a:spcBef>
+              <a:spcAft>
+                <a:spcPts val="0"/>
+              </a:spcAft>
+              <a:buClr>
+                <a:srgbClr val="000000"/>
+              </a:buClr>
+              <a:buSzPts val="2000"/>
+              <a:buFont typeface="Arial"/>
+              <a:buNone/>
+              <a:defRPr sz="2000" b="0" i="0" u="none" strike="noStrike" cap="none">
                 <a:solidFill>
                   <a:schemeClr val="dk2"/>
                 </a:solidFill>
@@ -7846,23 +7962,23 @@
                 <a:sym typeface="Arial"/>
               </a:defRPr>
             </a:lvl8pPr>
-            <a:lvl9pPr indent="0" lvl="8" marL="0" marR="0" rtl="0" algn="r">
-              <a:lnSpc>
-                <a:spcPct val="100000"/>
-              </a:lnSpc>
-              <a:spcBef>
-                <a:spcPts val="0"/>
-              </a:spcBef>
-              <a:spcAft>
-                <a:spcPts val="0"/>
-              </a:spcAft>
-              <a:buClr>
-                <a:srgbClr val="000000"/>
-              </a:buClr>
-              <a:buSzPts val="2000"/>
-              <a:buFont typeface="Arial"/>
-              <a:buNone/>
-              <a:defRPr b="0" i="0" sz="2000" u="none" cap="none" strike="noStrike">
+            <a:lvl9pPr marL="0" marR="0" lvl="8" indent="0" algn="r" rtl="0">
+              <a:lnSpc>
+                <a:spcPct val="100000"/>
+              </a:lnSpc>
+              <a:spcBef>
+                <a:spcPts val="0"/>
+              </a:spcBef>
+              <a:spcAft>
+                <a:spcPts val="0"/>
+              </a:spcAft>
+              <a:buClr>
+                <a:srgbClr val="000000"/>
+              </a:buClr>
+              <a:buSzPts val="2000"/>
+              <a:buFont typeface="Arial"/>
+              <a:buNone/>
+              <a:defRPr sz="2000" b="0" i="0" u="none" strike="noStrike" cap="none">
                 <a:solidFill>
                   <a:schemeClr val="dk2"/>
                 </a:solidFill>
@@ -7874,7 +7990,7 @@
             </a:lvl9pPr>
           </a:lstStyle>
           <a:p>
-            <a:pPr indent="0" lvl="0" marL="0" rtl="0" algn="r">
+            <a:pPr marL="0" lvl="0" indent="0" algn="r" rtl="0">
               <a:spcBef>
                 <a:spcPts val="0"/>
               </a:spcBef>
@@ -7893,7 +8009,7 @@
       </p:sp>
     </p:spTree>
   </p:cSld>
-  <p:clrMap accent1="accent1" accent2="accent2" accent3="accent3" accent4="accent4" accent5="accent5" accent6="accent6" bg1="lt1" bg2="dk2" tx1="dk1" tx2="lt2" folHlink="folHlink" hlink="hlink"/>
+  <p:clrMap bg1="lt1" tx1="dk1" bg2="dk2" tx2="lt2" accent1="accent1" accent2="accent2" accent3="accent3" accent4="accent4" accent5="accent5" accent6="accent6" hlink="hlink" folHlink="folHlink"/>
   <p:sldLayoutIdLst>
     <p:sldLayoutId id="2147483649" r:id="rId1"/>
     <p:sldLayoutId id="2147483650" r:id="rId2"/>
@@ -7907,10 +8023,10 @@
     <p:sldLayoutId id="2147483658" r:id="rId10"/>
     <p:sldLayoutId id="2147483659" r:id="rId11"/>
   </p:sldLayoutIdLst>
-  <p:hf dt="0" ftr="0" hdr="0" sldNum="0"/>
+  <p:hf sldNum="0" hdr="0" ftr="0" dt="0"/>
   <p:txStyles>
     <p:titleStyle>
-      <a:defPPr lvl="0" marR="0" rtl="0" algn="l">
+      <a:defPPr marR="0" lvl="0" algn="l" rtl="0">
         <a:lnSpc>
           <a:spcPct val="100000"/>
         </a:lnSpc>
@@ -7921,7 +8037,7 @@
           <a:spcPts val="0"/>
         </a:spcAft>
       </a:defPPr>
-      <a:lvl1pPr lvl="0" marR="0" rtl="0" algn="l">
+      <a:lvl1pPr marR="0" lvl="0" algn="l" rtl="0">
         <a:lnSpc>
           <a:spcPct val="100000"/>
         </a:lnSpc>
@@ -7935,7 +8051,7 @@
           <a:srgbClr val="000000"/>
         </a:buClr>
         <a:buFont typeface="Arial"/>
-        <a:defRPr b="0" i="0" sz="1400" u="none" cap="none" strike="noStrike">
+        <a:defRPr sz="1400" b="0" i="0" u="none" strike="noStrike" cap="none">
           <a:solidFill>
             <a:srgbClr val="000000"/>
           </a:solidFill>
@@ -7945,7 +8061,7 @@
           <a:sym typeface="Arial"/>
         </a:defRPr>
       </a:lvl1pPr>
-      <a:lvl2pPr lvl="1" marR="0" rtl="0" algn="l">
+      <a:lvl2pPr marR="0" lvl="1" algn="l" rtl="0">
         <a:lnSpc>
           <a:spcPct val="100000"/>
         </a:lnSpc>
@@ -7959,7 +8075,7 @@
           <a:srgbClr val="000000"/>
         </a:buClr>
         <a:buFont typeface="Arial"/>
-        <a:defRPr b="0" i="0" sz="1400" u="none" cap="none" strike="noStrike">
+        <a:defRPr sz="1400" b="0" i="0" u="none" strike="noStrike" cap="none">
           <a:solidFill>
             <a:srgbClr val="000000"/>
           </a:solidFill>
@@ -7969,7 +8085,7 @@
           <a:sym typeface="Arial"/>
         </a:defRPr>
       </a:lvl2pPr>
-      <a:lvl3pPr lvl="2" marR="0" rtl="0" algn="l">
+      <a:lvl3pPr marR="0" lvl="2" algn="l" rtl="0">
         <a:lnSpc>
           <a:spcPct val="100000"/>
         </a:lnSpc>
@@ -7983,7 +8099,7 @@
           <a:srgbClr val="000000"/>
         </a:buClr>
         <a:buFont typeface="Arial"/>
-        <a:defRPr b="0" i="0" sz="1400" u="none" cap="none" strike="noStrike">
+        <a:defRPr sz="1400" b="0" i="0" u="none" strike="noStrike" cap="none">
           <a:solidFill>
             <a:srgbClr val="000000"/>
           </a:solidFill>
@@ -7993,7 +8109,7 @@
           <a:sym typeface="Arial"/>
         </a:defRPr>
       </a:lvl3pPr>
-      <a:lvl4pPr lvl="3" marR="0" rtl="0" algn="l">
+      <a:lvl4pPr marR="0" lvl="3" algn="l" rtl="0">
         <a:lnSpc>
           <a:spcPct val="100000"/>
         </a:lnSpc>
@@ -8007,7 +8123,7 @@
           <a:srgbClr val="000000"/>
         </a:buClr>
         <a:buFont typeface="Arial"/>
-        <a:defRPr b="0" i="0" sz="1400" u="none" cap="none" strike="noStrike">
+        <a:defRPr sz="1400" b="0" i="0" u="none" strike="noStrike" cap="none">
           <a:solidFill>
             <a:srgbClr val="000000"/>
           </a:solidFill>
@@ -8017,7 +8133,7 @@
           <a:sym typeface="Arial"/>
         </a:defRPr>
       </a:lvl4pPr>
-      <a:lvl5pPr lvl="4" marR="0" rtl="0" algn="l">
+      <a:lvl5pPr marR="0" lvl="4" algn="l" rtl="0">
         <a:lnSpc>
           <a:spcPct val="100000"/>
         </a:lnSpc>
@@ -8031,7 +8147,7 @@
           <a:srgbClr val="000000"/>
         </a:buClr>
         <a:buFont typeface="Arial"/>
-        <a:defRPr b="0" i="0" sz="1400" u="none" cap="none" strike="noStrike">
+        <a:defRPr sz="1400" b="0" i="0" u="none" strike="noStrike" cap="none">
           <a:solidFill>
             <a:srgbClr val="000000"/>
           </a:solidFill>
@@ -8041,7 +8157,7 @@
           <a:sym typeface="Arial"/>
         </a:defRPr>
       </a:lvl5pPr>
-      <a:lvl6pPr lvl="5" marR="0" rtl="0" algn="l">
+      <a:lvl6pPr marR="0" lvl="5" algn="l" rtl="0">
         <a:lnSpc>
           <a:spcPct val="100000"/>
         </a:lnSpc>
@@ -8055,7 +8171,7 @@
           <a:srgbClr val="000000"/>
         </a:buClr>
         <a:buFont typeface="Arial"/>
-        <a:defRPr b="0" i="0" sz="1400" u="none" cap="none" strike="noStrike">
+        <a:defRPr sz="1400" b="0" i="0" u="none" strike="noStrike" cap="none">
           <a:solidFill>
             <a:srgbClr val="000000"/>
           </a:solidFill>
@@ -8065,7 +8181,7 @@
           <a:sym typeface="Arial"/>
         </a:defRPr>
       </a:lvl6pPr>
-      <a:lvl7pPr lvl="6" marR="0" rtl="0" algn="l">
+      <a:lvl7pPr marR="0" lvl="6" algn="l" rtl="0">
         <a:lnSpc>
           <a:spcPct val="100000"/>
         </a:lnSpc>
@@ -8079,7 +8195,7 @@
           <a:srgbClr val="000000"/>
         </a:buClr>
         <a:buFont typeface="Arial"/>
-        <a:defRPr b="0" i="0" sz="1400" u="none" cap="none" strike="noStrike">
+        <a:defRPr sz="1400" b="0" i="0" u="none" strike="noStrike" cap="none">
           <a:solidFill>
             <a:srgbClr val="000000"/>
           </a:solidFill>
@@ -8089,7 +8205,7 @@
           <a:sym typeface="Arial"/>
         </a:defRPr>
       </a:lvl7pPr>
-      <a:lvl8pPr lvl="7" marR="0" rtl="0" algn="l">
+      <a:lvl8pPr marR="0" lvl="7" algn="l" rtl="0">
         <a:lnSpc>
           <a:spcPct val="100000"/>
         </a:lnSpc>
@@ -8103,7 +8219,7 @@
           <a:srgbClr val="000000"/>
         </a:buClr>
         <a:buFont typeface="Arial"/>
-        <a:defRPr b="0" i="0" sz="1400" u="none" cap="none" strike="noStrike">
+        <a:defRPr sz="1400" b="0" i="0" u="none" strike="noStrike" cap="none">
           <a:solidFill>
             <a:srgbClr val="000000"/>
           </a:solidFill>
@@ -8113,7 +8229,7 @@
           <a:sym typeface="Arial"/>
         </a:defRPr>
       </a:lvl8pPr>
-      <a:lvl9pPr lvl="8" marR="0" rtl="0" algn="l">
+      <a:lvl9pPr marR="0" lvl="8" algn="l" rtl="0">
         <a:lnSpc>
           <a:spcPct val="100000"/>
         </a:lnSpc>
@@ -8127,7 +8243,7 @@
           <a:srgbClr val="000000"/>
         </a:buClr>
         <a:buFont typeface="Arial"/>
-        <a:defRPr b="0" i="0" sz="1400" u="none" cap="none" strike="noStrike">
+        <a:defRPr sz="1400" b="0" i="0" u="none" strike="noStrike" cap="none">
           <a:solidFill>
             <a:srgbClr val="000000"/>
           </a:solidFill>
@@ -8139,7 +8255,7 @@
       </a:lvl9pPr>
     </p:titleStyle>
     <p:bodyStyle>
-      <a:defPPr lvl="0" marR="0" rtl="0" algn="l">
+      <a:defPPr marR="0" lvl="0" algn="l" rtl="0">
         <a:lnSpc>
           <a:spcPct val="100000"/>
         </a:lnSpc>
@@ -8150,7 +8266,7 @@
           <a:spcPts val="0"/>
         </a:spcAft>
       </a:defPPr>
-      <a:lvl1pPr lvl="0" marR="0" rtl="0" algn="l">
+      <a:lvl1pPr marR="0" lvl="0" algn="l" rtl="0">
         <a:lnSpc>
           <a:spcPct val="100000"/>
         </a:lnSpc>
@@ -8164,7 +8280,7 @@
           <a:srgbClr val="000000"/>
         </a:buClr>
         <a:buFont typeface="Arial"/>
-        <a:defRPr b="0" i="0" sz="1400" u="none" cap="none" strike="noStrike">
+        <a:defRPr sz="1400" b="0" i="0" u="none" strike="noStrike" cap="none">
           <a:solidFill>
             <a:srgbClr val="000000"/>
           </a:solidFill>
@@ -8174,7 +8290,7 @@
           <a:sym typeface="Arial"/>
         </a:defRPr>
       </a:lvl1pPr>
-      <a:lvl2pPr lvl="1" marR="0" rtl="0" algn="l">
+      <a:lvl2pPr marR="0" lvl="1" algn="l" rtl="0">
         <a:lnSpc>
           <a:spcPct val="100000"/>
         </a:lnSpc>
@@ -8188,7 +8304,7 @@
           <a:srgbClr val="000000"/>
         </a:buClr>
         <a:buFont typeface="Arial"/>
-        <a:defRPr b="0" i="0" sz="1400" u="none" cap="none" strike="noStrike">
+        <a:defRPr sz="1400" b="0" i="0" u="none" strike="noStrike" cap="none">
           <a:solidFill>
             <a:srgbClr val="000000"/>
           </a:solidFill>
@@ -8198,7 +8314,7 @@
           <a:sym typeface="Arial"/>
         </a:defRPr>
       </a:lvl2pPr>
-      <a:lvl3pPr lvl="2" marR="0" rtl="0" algn="l">
+      <a:lvl3pPr marR="0" lvl="2" algn="l" rtl="0">
         <a:lnSpc>
           <a:spcPct val="100000"/>
         </a:lnSpc>
@@ -8212,7 +8328,7 @@
           <a:srgbClr val="000000"/>
         </a:buClr>
         <a:buFont typeface="Arial"/>
-        <a:defRPr b="0" i="0" sz="1400" u="none" cap="none" strike="noStrike">
+        <a:defRPr sz="1400" b="0" i="0" u="none" strike="noStrike" cap="none">
           <a:solidFill>
             <a:srgbClr val="000000"/>
           </a:solidFill>
@@ -8222,7 +8338,7 @@
           <a:sym typeface="Arial"/>
         </a:defRPr>
       </a:lvl3pPr>
-      <a:lvl4pPr lvl="3" marR="0" rtl="0" algn="l">
+      <a:lvl4pPr marR="0" lvl="3" algn="l" rtl="0">
         <a:lnSpc>
           <a:spcPct val="100000"/>
         </a:lnSpc>
@@ -8236,7 +8352,7 @@
           <a:srgbClr val="000000"/>
         </a:buClr>
         <a:buFont typeface="Arial"/>
-        <a:defRPr b="0" i="0" sz="1400" u="none" cap="none" strike="noStrike">
+        <a:defRPr sz="1400" b="0" i="0" u="none" strike="noStrike" cap="none">
           <a:solidFill>
             <a:srgbClr val="000000"/>
           </a:solidFill>
@@ -8246,7 +8362,7 @@
           <a:sym typeface="Arial"/>
         </a:defRPr>
       </a:lvl4pPr>
-      <a:lvl5pPr lvl="4" marR="0" rtl="0" algn="l">
+      <a:lvl5pPr marR="0" lvl="4" algn="l" rtl="0">
         <a:lnSpc>
           <a:spcPct val="100000"/>
         </a:lnSpc>
@@ -8260,7 +8376,7 @@
           <a:srgbClr val="000000"/>
         </a:buClr>
         <a:buFont typeface="Arial"/>
-        <a:defRPr b="0" i="0" sz="1400" u="none" cap="none" strike="noStrike">
+        <a:defRPr sz="1400" b="0" i="0" u="none" strike="noStrike" cap="none">
           <a:solidFill>
             <a:srgbClr val="000000"/>
           </a:solidFill>
@@ -8270,7 +8386,7 @@
           <a:sym typeface="Arial"/>
         </a:defRPr>
       </a:lvl5pPr>
-      <a:lvl6pPr lvl="5" marR="0" rtl="0" algn="l">
+      <a:lvl6pPr marR="0" lvl="5" algn="l" rtl="0">
         <a:lnSpc>
           <a:spcPct val="100000"/>
         </a:lnSpc>
@@ -8284,7 +8400,7 @@
           <a:srgbClr val="000000"/>
         </a:buClr>
         <a:buFont typeface="Arial"/>
-        <a:defRPr b="0" i="0" sz="1400" u="none" cap="none" strike="noStrike">
+        <a:defRPr sz="1400" b="0" i="0" u="none" strike="noStrike" cap="none">
           <a:solidFill>
             <a:srgbClr val="000000"/>
           </a:solidFill>
@@ -8294,7 +8410,7 @@
           <a:sym typeface="Arial"/>
         </a:defRPr>
       </a:lvl6pPr>
-      <a:lvl7pPr lvl="6" marR="0" rtl="0" algn="l">
+      <a:lvl7pPr marR="0" lvl="6" algn="l" rtl="0">
         <a:lnSpc>
           <a:spcPct val="100000"/>
         </a:lnSpc>
@@ -8308,7 +8424,7 @@
           <a:srgbClr val="000000"/>
         </a:buClr>
         <a:buFont typeface="Arial"/>
-        <a:defRPr b="0" i="0" sz="1400" u="none" cap="none" strike="noStrike">
+        <a:defRPr sz="1400" b="0" i="0" u="none" strike="noStrike" cap="none">
           <a:solidFill>
             <a:srgbClr val="000000"/>
           </a:solidFill>
@@ -8318,7 +8434,7 @@
           <a:sym typeface="Arial"/>
         </a:defRPr>
       </a:lvl7pPr>
-      <a:lvl8pPr lvl="7" marR="0" rtl="0" algn="l">
+      <a:lvl8pPr marR="0" lvl="7" algn="l" rtl="0">
         <a:lnSpc>
           <a:spcPct val="100000"/>
         </a:lnSpc>
@@ -8332,7 +8448,7 @@
           <a:srgbClr val="000000"/>
         </a:buClr>
         <a:buFont typeface="Arial"/>
-        <a:defRPr b="0" i="0" sz="1400" u="none" cap="none" strike="noStrike">
+        <a:defRPr sz="1400" b="0" i="0" u="none" strike="noStrike" cap="none">
           <a:solidFill>
             <a:srgbClr val="000000"/>
           </a:solidFill>
@@ -8342,7 +8458,7 @@
           <a:sym typeface="Arial"/>
         </a:defRPr>
       </a:lvl8pPr>
-      <a:lvl9pPr lvl="8" marR="0" rtl="0" algn="l">
+      <a:lvl9pPr marR="0" lvl="8" algn="l" rtl="0">
         <a:lnSpc>
           <a:spcPct val="100000"/>
         </a:lnSpc>
@@ -8356,7 +8472,7 @@
           <a:srgbClr val="000000"/>
         </a:buClr>
         <a:buFont typeface="Arial"/>
-        <a:defRPr b="0" i="0" sz="1400" u="none" cap="none" strike="noStrike">
+        <a:defRPr sz="1400" b="0" i="0" u="none" strike="noStrike" cap="none">
           <a:solidFill>
             <a:srgbClr val="000000"/>
           </a:solidFill>
@@ -8368,7 +8484,7 @@
       </a:lvl9pPr>
     </p:bodyStyle>
     <p:otherStyle>
-      <a:defPPr lvl="0" marR="0" rtl="0" algn="l">
+      <a:defPPr marR="0" lvl="0" algn="l" rtl="0">
         <a:lnSpc>
           <a:spcPct val="100000"/>
         </a:lnSpc>
@@ -8379,7 +8495,7 @@
           <a:spcPts val="0"/>
         </a:spcAft>
       </a:defPPr>
-      <a:lvl1pPr lvl="0" marR="0" rtl="0" algn="l">
+      <a:lvl1pPr marR="0" lvl="0" algn="l" rtl="0">
         <a:lnSpc>
           <a:spcPct val="100000"/>
         </a:lnSpc>
@@ -8393,7 +8509,7 @@
           <a:srgbClr val="000000"/>
         </a:buClr>
         <a:buFont typeface="Arial"/>
-        <a:defRPr b="0" i="0" sz="1400" u="none" cap="none" strike="noStrike">
+        <a:defRPr sz="1400" b="0" i="0" u="none" strike="noStrike" cap="none">
           <a:solidFill>
             <a:srgbClr val="000000"/>
           </a:solidFill>
@@ -8403,7 +8519,7 @@
           <a:sym typeface="Arial"/>
         </a:defRPr>
       </a:lvl1pPr>
-      <a:lvl2pPr lvl="1" marR="0" rtl="0" algn="l">
+      <a:lvl2pPr marR="0" lvl="1" algn="l" rtl="0">
         <a:lnSpc>
           <a:spcPct val="100000"/>
         </a:lnSpc>
@@ -8417,7 +8533,7 @@
           <a:srgbClr val="000000"/>
         </a:buClr>
         <a:buFont typeface="Arial"/>
-        <a:defRPr b="0" i="0" sz="1400" u="none" cap="none" strike="noStrike">
+        <a:defRPr sz="1400" b="0" i="0" u="none" strike="noStrike" cap="none">
           <a:solidFill>
             <a:srgbClr val="000000"/>
           </a:solidFill>
@@ -8427,7 +8543,7 @@
           <a:sym typeface="Arial"/>
         </a:defRPr>
       </a:lvl2pPr>
-      <a:lvl3pPr lvl="2" marR="0" rtl="0" algn="l">
+      <a:lvl3pPr marR="0" lvl="2" algn="l" rtl="0">
         <a:lnSpc>
           <a:spcPct val="100000"/>
         </a:lnSpc>
@@ -8441,7 +8557,7 @@
           <a:srgbClr val="000000"/>
         </a:buClr>
         <a:buFont typeface="Arial"/>
-        <a:defRPr b="0" i="0" sz="1400" u="none" cap="none" strike="noStrike">
+        <a:defRPr sz="1400" b="0" i="0" u="none" strike="noStrike" cap="none">
           <a:solidFill>
             <a:srgbClr val="000000"/>
           </a:solidFill>
@@ -8451,7 +8567,7 @@
           <a:sym typeface="Arial"/>
         </a:defRPr>
       </a:lvl3pPr>
-      <a:lvl4pPr lvl="3" marR="0" rtl="0" algn="l">
+      <a:lvl4pPr marR="0" lvl="3" algn="l" rtl="0">
         <a:lnSpc>
           <a:spcPct val="100000"/>
         </a:lnSpc>
@@ -8465,7 +8581,7 @@
           <a:srgbClr val="000000"/>
         </a:buClr>
         <a:buFont typeface="Arial"/>
-        <a:defRPr b="0" i="0" sz="1400" u="none" cap="none" strike="noStrike">
+        <a:defRPr sz="1400" b="0" i="0" u="none" strike="noStrike" cap="none">
           <a:solidFill>
             <a:srgbClr val="000000"/>
           </a:solidFill>
@@ -8475,7 +8591,7 @@
           <a:sym typeface="Arial"/>
         </a:defRPr>
       </a:lvl4pPr>
-      <a:lvl5pPr lvl="4" marR="0" rtl="0" algn="l">
+      <a:lvl5pPr marR="0" lvl="4" algn="l" rtl="0">
         <a:lnSpc>
           <a:spcPct val="100000"/>
         </a:lnSpc>
@@ -8489,7 +8605,7 @@
           <a:srgbClr val="000000"/>
         </a:buClr>
         <a:buFont typeface="Arial"/>
-        <a:defRPr b="0" i="0" sz="1400" u="none" cap="none" strike="noStrike">
+        <a:defRPr sz="1400" b="0" i="0" u="none" strike="noStrike" cap="none">
           <a:solidFill>
             <a:srgbClr val="000000"/>
           </a:solidFill>
@@ -8499,7 +8615,7 @@
           <a:sym typeface="Arial"/>
         </a:defRPr>
       </a:lvl5pPr>
-      <a:lvl6pPr lvl="5" marR="0" rtl="0" algn="l">
+      <a:lvl6pPr marR="0" lvl="5" algn="l" rtl="0">
         <a:lnSpc>
           <a:spcPct val="100000"/>
         </a:lnSpc>
@@ -8513,7 +8629,7 @@
           <a:srgbClr val="000000"/>
         </a:buClr>
         <a:buFont typeface="Arial"/>
-        <a:defRPr b="0" i="0" sz="1400" u="none" cap="none" strike="noStrike">
+        <a:defRPr sz="1400" b="0" i="0" u="none" strike="noStrike" cap="none">
           <a:solidFill>
             <a:srgbClr val="000000"/>
           </a:solidFill>
@@ -8523,7 +8639,7 @@
           <a:sym typeface="Arial"/>
         </a:defRPr>
       </a:lvl6pPr>
-      <a:lvl7pPr lvl="6" marR="0" rtl="0" algn="l">
+      <a:lvl7pPr marR="0" lvl="6" algn="l" rtl="0">
         <a:lnSpc>
           <a:spcPct val="100000"/>
         </a:lnSpc>
@@ -8537,7 +8653,7 @@
           <a:srgbClr val="000000"/>
         </a:buClr>
         <a:buFont typeface="Arial"/>
-        <a:defRPr b="0" i="0" sz="1400" u="none" cap="none" strike="noStrike">
+        <a:defRPr sz="1400" b="0" i="0" u="none" strike="noStrike" cap="none">
           <a:solidFill>
             <a:srgbClr val="000000"/>
           </a:solidFill>
@@ -8547,7 +8663,7 @@
           <a:sym typeface="Arial"/>
         </a:defRPr>
       </a:lvl7pPr>
-      <a:lvl8pPr lvl="7" marR="0" rtl="0" algn="l">
+      <a:lvl8pPr marR="0" lvl="7" algn="l" rtl="0">
         <a:lnSpc>
           <a:spcPct val="100000"/>
         </a:lnSpc>
@@ -8561,7 +8677,7 @@
           <a:srgbClr val="000000"/>
         </a:buClr>
         <a:buFont typeface="Arial"/>
-        <a:defRPr b="0" i="0" sz="1400" u="none" cap="none" strike="noStrike">
+        <a:defRPr sz="1400" b="0" i="0" u="none" strike="noStrike" cap="none">
           <a:solidFill>
             <a:srgbClr val="000000"/>
           </a:solidFill>
@@ -8571,7 +8687,7 @@
           <a:sym typeface="Arial"/>
         </a:defRPr>
       </a:lvl8pPr>
-      <a:lvl9pPr lvl="8" marR="0" rtl="0" algn="l">
+      <a:lvl9pPr marR="0" lvl="8" algn="l" rtl="0">
         <a:lnSpc>
           <a:spcPct val="100000"/>
         </a:lnSpc>
@@ -8585,7 +8701,7 @@
           <a:srgbClr val="000000"/>
         </a:buClr>
         <a:buFont typeface="Arial"/>
-        <a:defRPr b="0" i="0" sz="1400" u="none" cap="none" strike="noStrike">
+        <a:defRPr sz="1400" b="0" i="0" u="none" strike="noStrike" cap="none">
           <a:solidFill>
             <a:srgbClr val="000000"/>
           </a:solidFill>
@@ -8601,18 +8717,19 @@
 </file>
 
 <file path=ppt/slides/slide1.xml><?xml version="1.0" encoding="utf-8"?>
-<p:sld xmlns:a="http://schemas.openxmlformats.org/drawingml/2006/main" xmlns:r="http://schemas.openxmlformats.org/officeDocument/2006/relationships" xmlns:mc="http://schemas.openxmlformats.org/markup-compatibility/2006" xmlns:mv="urn:schemas-microsoft-com:mac:vml" xmlns:p="http://schemas.openxmlformats.org/presentationml/2006/main" xmlns:c="http://schemas.openxmlformats.org/drawingml/2006/chart" xmlns:dgm="http://schemas.openxmlformats.org/drawingml/2006/diagram" xmlns:o="urn:schemas-microsoft-com:office:office" xmlns:v="urn:schemas-microsoft-com:vml" xmlns:pvml="urn:schemas-microsoft-com:office:powerpoint" xmlns:com="http://schemas.openxmlformats.org/drawingml/2006/compatibility" xmlns:p14="http://schemas.microsoft.com/office/powerpoint/2010/main" xmlns:p15="http://schemas.microsoft.com/office/powerpoint/2012/main">
+<p:sld xmlns:a="http://schemas.openxmlformats.org/drawingml/2006/main" xmlns:r="http://schemas.openxmlformats.org/officeDocument/2006/relationships" xmlns:p="http://schemas.openxmlformats.org/presentationml/2006/main">
   <p:cSld>
     <p:bg>
       <p:bgPr>
         <a:solidFill>
-          <a:schemeClr val="dk1"/>
+          <a:srgbClr val="FFFFFF"/>
         </a:solidFill>
+        <a:effectLst/>
       </p:bgPr>
     </p:bg>
     <p:spTree>
       <p:nvGrpSpPr>
-        <p:cNvPr id="53" name="Shape 53"/>
+        <p:cNvPr id="1" name="Shape 53"/>
         <p:cNvGrpSpPr/>
         <p:nvPr/>
       </p:nvGrpSpPr>
@@ -8632,7 +8749,7 @@
         </p:nvSpPr>
         <p:spPr>
           <a:xfrm>
-            <a:off x="-39329" y="-198"/>
+            <a:off x="0" y="-300"/>
             <a:ext cx="18327300" cy="10287300"/>
           </a:xfrm>
           <a:prstGeom prst="rect">
@@ -8644,12 +8761,12 @@
           </a:ln>
         </p:spPr>
         <p:txBody>
-          <a:bodyPr anchorCtr="0" anchor="ctr" bIns="182900" lIns="182900" spcFirstLastPara="1" rIns="182900" wrap="square" tIns="182900">
+          <a:bodyPr spcFirstLastPara="1" wrap="square" lIns="182900" tIns="182900" rIns="182900" bIns="182900" anchor="ctr" anchorCtr="0">
             <a:noAutofit/>
           </a:bodyPr>
           <a:lstStyle/>
           <a:p>
-            <a:pPr indent="0" lvl="0" marL="0" marR="0" rtl="0" algn="ctr">
+            <a:pPr marL="0" marR="0" lvl="0" indent="0" algn="ctr" rtl="0">
               <a:lnSpc>
                 <a:spcPct val="100000"/>
               </a:lnSpc>
@@ -8667,7 +8784,7 @@
               <a:buNone/>
             </a:pPr>
             <a:r>
-              <a:rPr b="1" i="0" lang="en" sz="10300" u="none" cap="none" strike="noStrike">
+              <a:rPr lang="en" sz="10300" b="1" i="0" u="none" strike="noStrike" cap="none">
                 <a:solidFill>
                   <a:schemeClr val="lt1"/>
                 </a:solidFill>
@@ -8678,7 +8795,7 @@
               </a:rPr>
               <a:t>기본틀입니다</a:t>
             </a:r>
-            <a:endParaRPr b="1" i="0" sz="10300" u="none" cap="none" strike="noStrike">
+            <a:endParaRPr sz="10300" b="1" i="0" u="none" strike="noStrike" cap="none">
               <a:solidFill>
                 <a:schemeClr val="lt1"/>
               </a:solidFill>
@@ -8689,7 +8806,7 @@
             </a:endParaRPr>
           </a:p>
           <a:p>
-            <a:pPr indent="0" lvl="0" marL="0" marR="0" rtl="0" algn="ctr">
+            <a:pPr marL="0" marR="0" lvl="0" indent="0" algn="ctr" rtl="0">
               <a:lnSpc>
                 <a:spcPct val="100000"/>
               </a:lnSpc>
@@ -8707,7 +8824,7 @@
               <a:buNone/>
             </a:pPr>
             <a:r>
-              <a:rPr b="1" i="0" lang="en" sz="10300" u="none" cap="none" strike="noStrike">
+              <a:rPr lang="en" sz="10300" b="1" i="0" u="none" strike="noStrike" cap="none">
                 <a:solidFill>
                   <a:schemeClr val="lt1"/>
                 </a:solidFill>
@@ -8718,7 +8835,7 @@
               </a:rPr>
               <a:t>Master template</a:t>
             </a:r>
-            <a:endParaRPr b="1" i="0" sz="10300" u="none" cap="none" strike="noStrike">
+            <a:endParaRPr sz="10300" b="1" i="0" u="none" strike="noStrike" cap="none">
               <a:solidFill>
                 <a:schemeClr val="lt1"/>
               </a:solidFill>
@@ -8739,7 +8856,288 @@
 </file>
 
 <file path=ppt/theme/theme1.xml><?xml version="1.0" encoding="utf-8"?>
-<a:theme xmlns:a="http://schemas.openxmlformats.org/drawingml/2006/main" xmlns:r="http://schemas.openxmlformats.org/officeDocument/2006/relationships">
+<a:theme xmlns:a="http://schemas.openxmlformats.org/drawingml/2006/main" name="Simple Light">
+  <a:themeElements>
+    <a:clrScheme name="Simple Light">
+      <a:dk1>
+        <a:srgbClr val="000000"/>
+      </a:dk1>
+      <a:lt1>
+        <a:srgbClr val="FFFFFF"/>
+      </a:lt1>
+      <a:dk2>
+        <a:srgbClr val="595959"/>
+      </a:dk2>
+      <a:lt2>
+        <a:srgbClr val="EEEEEE"/>
+      </a:lt2>
+      <a:accent1>
+        <a:srgbClr val="FFAB40"/>
+      </a:accent1>
+      <a:accent2>
+        <a:srgbClr val="212121"/>
+      </a:accent2>
+      <a:accent3>
+        <a:srgbClr val="78909C"/>
+      </a:accent3>
+      <a:accent4>
+        <a:srgbClr val="FFAB40"/>
+      </a:accent4>
+      <a:accent5>
+        <a:srgbClr val="0097A7"/>
+      </a:accent5>
+      <a:accent6>
+        <a:srgbClr val="EEFF41"/>
+      </a:accent6>
+      <a:hlink>
+        <a:srgbClr val="0097A7"/>
+      </a:hlink>
+      <a:folHlink>
+        <a:srgbClr val="0097A7"/>
+      </a:folHlink>
+    </a:clrScheme>
+    <a:fontScheme name="Office">
+      <a:majorFont>
+        <a:latin typeface="Arial"/>
+        <a:ea typeface=""/>
+        <a:cs typeface=""/>
+        <a:font script="Jpan" typeface="ＭＳ Ｐゴシック"/>
+        <a:font script="Hang" typeface="맑은 고딕"/>
+        <a:font script="Hans" typeface="宋体"/>
+        <a:font script="Hant" typeface="新細明體"/>
+        <a:font script="Arab" typeface="Times New Roman"/>
+        <a:font script="Hebr" typeface="Times New Roman"/>
+        <a:font script="Thai" typeface="Angsana New"/>
+        <a:font script="Ethi" typeface="Nyala"/>
+        <a:font script="Beng" typeface="Vrinda"/>
+        <a:font script="Gujr" typeface="Shruti"/>
+        <a:font script="Khmr" typeface="MoolBoran"/>
+        <a:font script="Knda" typeface="Tunga"/>
+        <a:font script="Guru" typeface="Raavi"/>
+        <a:font script="Cans" typeface="Euphemia"/>
+        <a:font script="Cher" typeface="Plantagenet Cherokee"/>
+        <a:font script="Yiii" typeface="Microsoft Yi Baiti"/>
+        <a:font script="Tibt" typeface="Microsoft Himalaya"/>
+        <a:font script="Thaa" typeface="MV Boli"/>
+        <a:font script="Deva" typeface="Mangal"/>
+        <a:font script="Telu" typeface="Gautami"/>
+        <a:font script="Taml" typeface="Latha"/>
+        <a:font script="Syrc" typeface="Estrangelo Edessa"/>
+        <a:font script="Orya" typeface="Kalinga"/>
+        <a:font script="Mlym" typeface="Kartika"/>
+        <a:font script="Laoo" typeface="DokChampa"/>
+        <a:font script="Sinh" typeface="Iskoola Pota"/>
+        <a:font script="Mong" typeface="Mongolian Baiti"/>
+        <a:font script="Viet" typeface="Times New Roman"/>
+        <a:font script="Uigh" typeface="Microsoft Uighur"/>
+        <a:font script="Geor" typeface="Sylfaen"/>
+      </a:majorFont>
+      <a:minorFont>
+        <a:latin typeface="Arial"/>
+        <a:ea typeface=""/>
+        <a:cs typeface=""/>
+        <a:font script="Jpan" typeface="ＭＳ Ｐゴシック"/>
+        <a:font script="Hang" typeface="맑은 고딕"/>
+        <a:font script="Hans" typeface="宋体"/>
+        <a:font script="Hant" typeface="新細明體"/>
+        <a:font script="Arab" typeface="Arial"/>
+        <a:font script="Hebr" typeface="Arial"/>
+        <a:font script="Thai" typeface="Cordia New"/>
+        <a:font script="Ethi" typeface="Nyala"/>
+        <a:font script="Beng" typeface="Vrinda"/>
+        <a:font script="Gujr" typeface="Shruti"/>
+        <a:font script="Khmr" typeface="DaunPenh"/>
+        <a:font script="Knda" typeface="Tunga"/>
+        <a:font script="Guru" typeface="Raavi"/>
+        <a:font script="Cans" typeface="Euphemia"/>
+        <a:font script="Cher" typeface="Plantagenet Cherokee"/>
+        <a:font script="Yiii" typeface="Microsoft Yi Baiti"/>
+        <a:font script="Tibt" typeface="Microsoft Himalaya"/>
+        <a:font script="Thaa" typeface="MV Boli"/>
+        <a:font script="Deva" typeface="Mangal"/>
+        <a:font script="Telu" typeface="Gautami"/>
+        <a:font script="Taml" typeface="Latha"/>
+        <a:font script="Syrc" typeface="Estrangelo Edessa"/>
+        <a:font script="Orya" typeface="Kalinga"/>
+        <a:font script="Mlym" typeface="Kartika"/>
+        <a:font script="Laoo" typeface="DokChampa"/>
+        <a:font script="Sinh" typeface="Iskoola Pota"/>
+        <a:font script="Mong" typeface="Mongolian Baiti"/>
+        <a:font script="Viet" typeface="Arial"/>
+        <a:font script="Uigh" typeface="Microsoft Uighur"/>
+        <a:font script="Geor" typeface="Sylfaen"/>
+      </a:minorFont>
+    </a:fontScheme>
+    <a:fmtScheme name="Office">
+      <a:fillStyleLst>
+        <a:solidFill>
+          <a:schemeClr val="phClr"/>
+        </a:solidFill>
+        <a:gradFill rotWithShape="1">
+          <a:gsLst>
+            <a:gs pos="0">
+              <a:schemeClr val="phClr">
+                <a:tint val="50000"/>
+                <a:satMod val="300000"/>
+              </a:schemeClr>
+            </a:gs>
+            <a:gs pos="35000">
+              <a:schemeClr val="phClr">
+                <a:tint val="37000"/>
+                <a:satMod val="300000"/>
+              </a:schemeClr>
+            </a:gs>
+            <a:gs pos="100000">
+              <a:schemeClr val="phClr">
+                <a:tint val="15000"/>
+                <a:satMod val="350000"/>
+              </a:schemeClr>
+            </a:gs>
+          </a:gsLst>
+          <a:lin ang="16200000" scaled="1"/>
+        </a:gradFill>
+        <a:gradFill rotWithShape="1">
+          <a:gsLst>
+            <a:gs pos="0">
+              <a:schemeClr val="phClr">
+                <a:tint val="100000"/>
+                <a:shade val="100000"/>
+                <a:satMod val="130000"/>
+              </a:schemeClr>
+            </a:gs>
+            <a:gs pos="100000">
+              <a:schemeClr val="phClr">
+                <a:tint val="50000"/>
+                <a:shade val="100000"/>
+                <a:satMod val="350000"/>
+              </a:schemeClr>
+            </a:gs>
+          </a:gsLst>
+          <a:lin ang="16200000" scaled="0"/>
+        </a:gradFill>
+      </a:fillStyleLst>
+      <a:lnStyleLst>
+        <a:ln w="9525" cap="flat" cmpd="sng" algn="ctr">
+          <a:solidFill>
+            <a:schemeClr val="phClr">
+              <a:shade val="95000"/>
+              <a:satMod val="105000"/>
+            </a:schemeClr>
+          </a:solidFill>
+          <a:prstDash val="solid"/>
+        </a:ln>
+        <a:ln w="25400" cap="flat" cmpd="sng" algn="ctr">
+          <a:solidFill>
+            <a:schemeClr val="phClr"/>
+          </a:solidFill>
+          <a:prstDash val="solid"/>
+        </a:ln>
+        <a:ln w="38100" cap="flat" cmpd="sng" algn="ctr">
+          <a:solidFill>
+            <a:schemeClr val="phClr"/>
+          </a:solidFill>
+          <a:prstDash val="solid"/>
+        </a:ln>
+      </a:lnStyleLst>
+      <a:effectStyleLst>
+        <a:effectStyle>
+          <a:effectLst>
+            <a:outerShdw blurRad="40000" dist="20000" dir="5400000" rotWithShape="0">
+              <a:srgbClr val="000000">
+                <a:alpha val="38000"/>
+              </a:srgbClr>
+            </a:outerShdw>
+          </a:effectLst>
+        </a:effectStyle>
+        <a:effectStyle>
+          <a:effectLst>
+            <a:outerShdw blurRad="40000" dist="23000" dir="5400000" rotWithShape="0">
+              <a:srgbClr val="000000">
+                <a:alpha val="35000"/>
+              </a:srgbClr>
+            </a:outerShdw>
+          </a:effectLst>
+        </a:effectStyle>
+        <a:effectStyle>
+          <a:effectLst>
+            <a:outerShdw blurRad="40000" dist="23000" dir="5400000" rotWithShape="0">
+              <a:srgbClr val="000000">
+                <a:alpha val="35000"/>
+              </a:srgbClr>
+            </a:outerShdw>
+          </a:effectLst>
+          <a:scene3d>
+            <a:camera prst="orthographicFront">
+              <a:rot lat="0" lon="0" rev="0"/>
+            </a:camera>
+            <a:lightRig rig="threePt" dir="t">
+              <a:rot lat="0" lon="0" rev="1200000"/>
+            </a:lightRig>
+          </a:scene3d>
+          <a:sp3d>
+            <a:bevelT w="63500" h="25400"/>
+          </a:sp3d>
+        </a:effectStyle>
+      </a:effectStyleLst>
+      <a:bgFillStyleLst>
+        <a:solidFill>
+          <a:schemeClr val="phClr"/>
+        </a:solidFill>
+        <a:gradFill rotWithShape="1">
+          <a:gsLst>
+            <a:gs pos="0">
+              <a:schemeClr val="phClr">
+                <a:tint val="40000"/>
+                <a:satMod val="350000"/>
+              </a:schemeClr>
+            </a:gs>
+            <a:gs pos="40000">
+              <a:schemeClr val="phClr">
+                <a:tint val="45000"/>
+                <a:shade val="99000"/>
+                <a:satMod val="350000"/>
+              </a:schemeClr>
+            </a:gs>
+            <a:gs pos="100000">
+              <a:schemeClr val="phClr">
+                <a:shade val="20000"/>
+                <a:satMod val="255000"/>
+              </a:schemeClr>
+            </a:gs>
+          </a:gsLst>
+          <a:path path="circle">
+            <a:fillToRect l="50000" t="-80000" r="50000" b="180000"/>
+          </a:path>
+        </a:gradFill>
+        <a:gradFill rotWithShape="1">
+          <a:gsLst>
+            <a:gs pos="0">
+              <a:schemeClr val="phClr">
+                <a:tint val="80000"/>
+                <a:satMod val="300000"/>
+              </a:schemeClr>
+            </a:gs>
+            <a:gs pos="100000">
+              <a:schemeClr val="phClr">
+                <a:shade val="30000"/>
+                <a:satMod val="200000"/>
+              </a:schemeClr>
+            </a:gs>
+          </a:gsLst>
+          <a:path path="circle">
+            <a:fillToRect l="50000" t="50000" r="50000" b="50000"/>
+          </a:path>
+        </a:gradFill>
+      </a:bgFillStyleLst>
+    </a:fmtScheme>
+  </a:themeElements>
+  <a:objectDefaults/>
+  <a:extraClrSchemeLst/>
+</a:theme>
+</file>
+
+<file path=ppt/theme/theme2.xml><?xml version="1.0" encoding="utf-8"?>
+<a:theme xmlns:a="http://schemas.openxmlformats.org/drawingml/2006/main">
   <a:themeElements>
     <a:clrScheme name="Default">
       <a:dk1>
@@ -9014,284 +9412,7 @@
       </a:bgFillStyleLst>
     </a:fmtScheme>
   </a:themeElements>
-</a:theme>
-</file>
-
-<file path=ppt/theme/theme2.xml><?xml version="1.0" encoding="utf-8"?>
-<a:theme xmlns:a="http://schemas.openxmlformats.org/drawingml/2006/main" xmlns:r="http://schemas.openxmlformats.org/officeDocument/2006/relationships" name="Simple Light">
-  <a:themeElements>
-    <a:clrScheme name="Simple Light">
-      <a:dk1>
-        <a:srgbClr val="000000"/>
-      </a:dk1>
-      <a:lt1>
-        <a:srgbClr val="FFFFFF"/>
-      </a:lt1>
-      <a:dk2>
-        <a:srgbClr val="595959"/>
-      </a:dk2>
-      <a:lt2>
-        <a:srgbClr val="EEEEEE"/>
-      </a:lt2>
-      <a:accent1>
-        <a:srgbClr val="FFAB40"/>
-      </a:accent1>
-      <a:accent2>
-        <a:srgbClr val="212121"/>
-      </a:accent2>
-      <a:accent3>
-        <a:srgbClr val="78909C"/>
-      </a:accent3>
-      <a:accent4>
-        <a:srgbClr val="FFAB40"/>
-      </a:accent4>
-      <a:accent5>
-        <a:srgbClr val="0097A7"/>
-      </a:accent5>
-      <a:accent6>
-        <a:srgbClr val="EEFF41"/>
-      </a:accent6>
-      <a:hlink>
-        <a:srgbClr val="0097A7"/>
-      </a:hlink>
-      <a:folHlink>
-        <a:srgbClr val="0097A7"/>
-      </a:folHlink>
-    </a:clrScheme>
-    <a:fontScheme name="Office">
-      <a:majorFont>
-        <a:latin typeface="Arial"/>
-        <a:ea typeface=""/>
-        <a:cs typeface=""/>
-        <a:font script="Jpan" typeface="ＭＳ Ｐゴシック"/>
-        <a:font script="Hang" typeface="맑은 고딕"/>
-        <a:font script="Hans" typeface="宋体"/>
-        <a:font script="Hant" typeface="新細明體"/>
-        <a:font script="Arab" typeface="Times New Roman"/>
-        <a:font script="Hebr" typeface="Times New Roman"/>
-        <a:font script="Thai" typeface="Angsana New"/>
-        <a:font script="Ethi" typeface="Nyala"/>
-        <a:font script="Beng" typeface="Vrinda"/>
-        <a:font script="Gujr" typeface="Shruti"/>
-        <a:font script="Khmr" typeface="MoolBoran"/>
-        <a:font script="Knda" typeface="Tunga"/>
-        <a:font script="Guru" typeface="Raavi"/>
-        <a:font script="Cans" typeface="Euphemia"/>
-        <a:font script="Cher" typeface="Plantagenet Cherokee"/>
-        <a:font script="Yiii" typeface="Microsoft Yi Baiti"/>
-        <a:font script="Tibt" typeface="Microsoft Himalaya"/>
-        <a:font script="Thaa" typeface="MV Boli"/>
-        <a:font script="Deva" typeface="Mangal"/>
-        <a:font script="Telu" typeface="Gautami"/>
-        <a:font script="Taml" typeface="Latha"/>
-        <a:font script="Syrc" typeface="Estrangelo Edessa"/>
-        <a:font script="Orya" typeface="Kalinga"/>
-        <a:font script="Mlym" typeface="Kartika"/>
-        <a:font script="Laoo" typeface="DokChampa"/>
-        <a:font script="Sinh" typeface="Iskoola Pota"/>
-        <a:font script="Mong" typeface="Mongolian Baiti"/>
-        <a:font script="Viet" typeface="Times New Roman"/>
-        <a:font script="Uigh" typeface="Microsoft Uighur"/>
-        <a:font script="Geor" typeface="Sylfaen"/>
-      </a:majorFont>
-      <a:minorFont>
-        <a:latin typeface="Arial"/>
-        <a:ea typeface=""/>
-        <a:cs typeface=""/>
-        <a:font script="Jpan" typeface="ＭＳ Ｐゴシック"/>
-        <a:font script="Hang" typeface="맑은 고딕"/>
-        <a:font script="Hans" typeface="宋体"/>
-        <a:font script="Hant" typeface="新細明體"/>
-        <a:font script="Arab" typeface="Arial"/>
-        <a:font script="Hebr" typeface="Arial"/>
-        <a:font script="Thai" typeface="Cordia New"/>
-        <a:font script="Ethi" typeface="Nyala"/>
-        <a:font script="Beng" typeface="Vrinda"/>
-        <a:font script="Gujr" typeface="Shruti"/>
-        <a:font script="Khmr" typeface="DaunPenh"/>
-        <a:font script="Knda" typeface="Tunga"/>
-        <a:font script="Guru" typeface="Raavi"/>
-        <a:font script="Cans" typeface="Euphemia"/>
-        <a:font script="Cher" typeface="Plantagenet Cherokee"/>
-        <a:font script="Yiii" typeface="Microsoft Yi Baiti"/>
-        <a:font script="Tibt" typeface="Microsoft Himalaya"/>
-        <a:font script="Thaa" typeface="MV Boli"/>
-        <a:font script="Deva" typeface="Mangal"/>
-        <a:font script="Telu" typeface="Gautami"/>
-        <a:font script="Taml" typeface="Latha"/>
-        <a:font script="Syrc" typeface="Estrangelo Edessa"/>
-        <a:font script="Orya" typeface="Kalinga"/>
-        <a:font script="Mlym" typeface="Kartika"/>
-        <a:font script="Laoo" typeface="DokChampa"/>
-        <a:font script="Sinh" typeface="Iskoola Pota"/>
-        <a:font script="Mong" typeface="Mongolian Baiti"/>
-        <a:font script="Viet" typeface="Arial"/>
-        <a:font script="Uigh" typeface="Microsoft Uighur"/>
-        <a:font script="Geor" typeface="Sylfaen"/>
-      </a:minorFont>
-    </a:fontScheme>
-    <a:fmtScheme name="Office">
-      <a:fillStyleLst>
-        <a:solidFill>
-          <a:schemeClr val="phClr"/>
-        </a:solidFill>
-        <a:gradFill rotWithShape="1">
-          <a:gsLst>
-            <a:gs pos="0">
-              <a:schemeClr val="phClr">
-                <a:tint val="50000"/>
-                <a:satMod val="300000"/>
-              </a:schemeClr>
-            </a:gs>
-            <a:gs pos="35000">
-              <a:schemeClr val="phClr">
-                <a:tint val="37000"/>
-                <a:satMod val="300000"/>
-              </a:schemeClr>
-            </a:gs>
-            <a:gs pos="100000">
-              <a:schemeClr val="phClr">
-                <a:tint val="15000"/>
-                <a:satMod val="350000"/>
-              </a:schemeClr>
-            </a:gs>
-          </a:gsLst>
-          <a:lin ang="16200000" scaled="1"/>
-        </a:gradFill>
-        <a:gradFill rotWithShape="1">
-          <a:gsLst>
-            <a:gs pos="0">
-              <a:schemeClr val="phClr">
-                <a:tint val="100000"/>
-                <a:shade val="100000"/>
-                <a:satMod val="130000"/>
-              </a:schemeClr>
-            </a:gs>
-            <a:gs pos="100000">
-              <a:schemeClr val="phClr">
-                <a:tint val="50000"/>
-                <a:shade val="100000"/>
-                <a:satMod val="350000"/>
-              </a:schemeClr>
-            </a:gs>
-          </a:gsLst>
-          <a:lin ang="16200000" scaled="0"/>
-        </a:gradFill>
-      </a:fillStyleLst>
-      <a:lnStyleLst>
-        <a:ln w="9525" cap="flat" cmpd="sng" algn="ctr">
-          <a:solidFill>
-            <a:schemeClr val="phClr">
-              <a:shade val="95000"/>
-              <a:satMod val="105000"/>
-            </a:schemeClr>
-          </a:solidFill>
-          <a:prstDash val="solid"/>
-        </a:ln>
-        <a:ln w="25400" cap="flat" cmpd="sng" algn="ctr">
-          <a:solidFill>
-            <a:schemeClr val="phClr"/>
-          </a:solidFill>
-          <a:prstDash val="solid"/>
-        </a:ln>
-        <a:ln w="38100" cap="flat" cmpd="sng" algn="ctr">
-          <a:solidFill>
-            <a:schemeClr val="phClr"/>
-          </a:solidFill>
-          <a:prstDash val="solid"/>
-        </a:ln>
-      </a:lnStyleLst>
-      <a:effectStyleLst>
-        <a:effectStyle>
-          <a:effectLst>
-            <a:outerShdw blurRad="40000" dist="20000" dir="5400000" rotWithShape="0">
-              <a:srgbClr val="000000">
-                <a:alpha val="38000"/>
-              </a:srgbClr>
-            </a:outerShdw>
-          </a:effectLst>
-        </a:effectStyle>
-        <a:effectStyle>
-          <a:effectLst>
-            <a:outerShdw blurRad="40000" dist="23000" dir="5400000" rotWithShape="0">
-              <a:srgbClr val="000000">
-                <a:alpha val="35000"/>
-              </a:srgbClr>
-            </a:outerShdw>
-          </a:effectLst>
-        </a:effectStyle>
-        <a:effectStyle>
-          <a:effectLst>
-            <a:outerShdw blurRad="40000" dist="23000" dir="5400000" rotWithShape="0">
-              <a:srgbClr val="000000">
-                <a:alpha val="35000"/>
-              </a:srgbClr>
-            </a:outerShdw>
-          </a:effectLst>
-          <a:scene3d>
-            <a:camera prst="orthographicFront">
-              <a:rot lat="0" lon="0" rev="0"/>
-            </a:camera>
-            <a:lightRig rig="threePt" dir="t">
-              <a:rot lat="0" lon="0" rev="1200000"/>
-            </a:lightRig>
-          </a:scene3d>
-          <a:sp3d>
-            <a:bevelT w="63500" h="25400"/>
-          </a:sp3d>
-        </a:effectStyle>
-      </a:effectStyleLst>
-      <a:bgFillStyleLst>
-        <a:solidFill>
-          <a:schemeClr val="phClr"/>
-        </a:solidFill>
-        <a:gradFill rotWithShape="1">
-          <a:gsLst>
-            <a:gs pos="0">
-              <a:schemeClr val="phClr">
-                <a:tint val="40000"/>
-                <a:satMod val="350000"/>
-              </a:schemeClr>
-            </a:gs>
-            <a:gs pos="40000">
-              <a:schemeClr val="phClr">
-                <a:tint val="45000"/>
-                <a:shade val="99000"/>
-                <a:satMod val="350000"/>
-              </a:schemeClr>
-            </a:gs>
-            <a:gs pos="100000">
-              <a:schemeClr val="phClr">
-                <a:shade val="20000"/>
-                <a:satMod val="255000"/>
-              </a:schemeClr>
-            </a:gs>
-          </a:gsLst>
-          <a:path path="circle">
-            <a:fillToRect l="50000" t="-80000" r="50000" b="180000"/>
-          </a:path>
-        </a:gradFill>
-        <a:gradFill rotWithShape="1">
-          <a:gsLst>
-            <a:gs pos="0">
-              <a:schemeClr val="phClr">
-                <a:tint val="80000"/>
-                <a:satMod val="300000"/>
-              </a:schemeClr>
-            </a:gs>
-            <a:gs pos="100000">
-              <a:schemeClr val="phClr">
-                <a:shade val="30000"/>
-                <a:satMod val="200000"/>
-              </a:schemeClr>
-            </a:gs>
-          </a:gsLst>
-          <a:path path="circle">
-            <a:fillToRect l="50000" t="50000" r="50000" b="50000"/>
-          </a:path>
-        </a:gradFill>
-      </a:bgFillStyleLst>
-    </a:fmtScheme>
-  </a:themeElements>
+  <a:objectDefaults/>
+  <a:extraClrSchemeLst/>
 </a:theme>
 </file>